--- a/dress me up!_n22142989_n22133132_project_final_presentation.pptx
+++ b/dress me up!_n22142989_n22133132_project_final_presentation.pptx
@@ -5,24 +5,27 @@
     <p:sldMasterId id="2147483648" r:id="rId1"/>
   </p:sldMasterIdLst>
   <p:notesMasterIdLst>
-    <p:notesMasterId r:id="rId17"/>
+    <p:notesMasterId r:id="rId20"/>
   </p:notesMasterIdLst>
   <p:sldIdLst>
     <p:sldId id="256" r:id="rId2"/>
     <p:sldId id="269" r:id="rId3"/>
     <p:sldId id="257" r:id="rId4"/>
     <p:sldId id="270" r:id="rId5"/>
-    <p:sldId id="264" r:id="rId6"/>
-    <p:sldId id="271" r:id="rId7"/>
-    <p:sldId id="275" r:id="rId8"/>
-    <p:sldId id="278" r:id="rId9"/>
-    <p:sldId id="279" r:id="rId10"/>
-    <p:sldId id="280" r:id="rId11"/>
-    <p:sldId id="277" r:id="rId12"/>
-    <p:sldId id="272" r:id="rId13"/>
-    <p:sldId id="273" r:id="rId14"/>
-    <p:sldId id="274" r:id="rId15"/>
-    <p:sldId id="268" r:id="rId16"/>
+    <p:sldId id="285" r:id="rId6"/>
+    <p:sldId id="286" r:id="rId7"/>
+    <p:sldId id="287" r:id="rId8"/>
+    <p:sldId id="288" r:id="rId9"/>
+    <p:sldId id="289" r:id="rId10"/>
+    <p:sldId id="290" r:id="rId11"/>
+    <p:sldId id="272" r:id="rId12"/>
+    <p:sldId id="281" r:id="rId13"/>
+    <p:sldId id="282" r:id="rId14"/>
+    <p:sldId id="283" r:id="rId15"/>
+    <p:sldId id="284" r:id="rId16"/>
+    <p:sldId id="274" r:id="rId17"/>
+    <p:sldId id="268" r:id="rId18"/>
+    <p:sldId id="291" r:id="rId19"/>
   </p:sldIdLst>
   <p:sldSz cx="12192000" cy="6858000"/>
   <p:notesSz cx="6858000" cy="9144000"/>
@@ -260,7 +263,7 @@
       <p15:sldGuideLst xmlns:p15="http://schemas.microsoft.com/office/powerpoint/2012/main"/>
     </p:ext>
     <p:ext uri="http://customooxmlschemas.google.com/">
-      <go:slidesCustomData xmlns:go="http://customooxmlschemas.google.com/" xmlns:ahyp="http://schemas.microsoft.com/office/drawing/2018/hyperlinkcolor" xmlns:p15="http://schemas.microsoft.com/office/powerpoint/2012/main" xmlns:p14="http://schemas.microsoft.com/office/powerpoint/2010/main" xmlns:com="http://schemas.openxmlformats.org/drawingml/2006/compatibility" xmlns:pvml="urn:schemas-microsoft-com:office:powerpoint" xmlns:v="urn:schemas-microsoft-com:vml" xmlns:o="urn:schemas-microsoft-com:office:office" xmlns:dgm="http://schemas.openxmlformats.org/drawingml/2006/diagram" xmlns:c="http://schemas.openxmlformats.org/drawingml/2006/chart" xmlns:mv="urn:schemas-microsoft-com:mac:vml" xmlns:mc="http://schemas.openxmlformats.org/markup-compatibility/2006" xmlns="" r:id="rId23" roundtripDataSignature="AMtx7mgV/R0JwW6Fd575LxPaZkMKQZ/75g=="/>
+      <go:slidesCustomData xmlns="" xmlns:mc="http://schemas.openxmlformats.org/markup-compatibility/2006" xmlns:mv="urn:schemas-microsoft-com:mac:vml" xmlns:c="http://schemas.openxmlformats.org/drawingml/2006/chart" xmlns:dgm="http://schemas.openxmlformats.org/drawingml/2006/diagram" xmlns:o="urn:schemas-microsoft-com:office:office" xmlns:v="urn:schemas-microsoft-com:vml" xmlns:pvml="urn:schemas-microsoft-com:office:powerpoint" xmlns:com="http://schemas.openxmlformats.org/drawingml/2006/compatibility" xmlns:p14="http://schemas.microsoft.com/office/powerpoint/2010/main" xmlns:p15="http://schemas.microsoft.com/office/powerpoint/2012/main" xmlns:ahyp="http://schemas.microsoft.com/office/drawing/2018/hyperlinkcolor" xmlns:go="http://customooxmlschemas.google.com/" r:id="rId23" roundtripDataSignature="AMtx7mgV/R0JwW6Fd575LxPaZkMKQZ/75g=="/>
     </p:ext>
   </p:extLst>
 </p:presentation>
@@ -280,49 +283,18 @@
 
 <file path=ppt/comments/modernComment_100_0.xml><?xml version="1.0" encoding="utf-8"?>
 <p188:cmLst xmlns:a="http://schemas.openxmlformats.org/drawingml/2006/main" xmlns:r="http://schemas.openxmlformats.org/officeDocument/2006/relationships" xmlns:p188="http://schemas.microsoft.com/office/powerpoint/2018/8/main">
-  <p188:cm id="{C2104B6B-16CC-4125-94D0-A5310BEBB5A3}" authorId="{58089C13-A29C-A692-9B0E-427A5ABF3AF2}" created="2022-12-31T13:48:41.713">
-    <ac:txMkLst xmlns:ac="http://schemas.microsoft.com/office/drawing/2013/main/command">
-      <pc:docMk xmlns:pc="http://schemas.microsoft.com/office/powerpoint/2013/main/command"/>
-      <pc:sldMk xmlns:pc="http://schemas.microsoft.com/office/powerpoint/2013/main/command" cId="0" sldId="256"/>
-      <ac:spMk id="148" creationId="{00000000-0000-0000-0000-000000000000}"/>
-      <ac:txMk cp="0" len="46">
-        <ac:context len="47" hash="1903059735"/>
-      </ac:txMk>
-    </ac:txMkLst>
-    <p188:pos x="4992115" y="277891"/>
-    <p188:replyLst>
-      <p188:reply id="{580489C1-EAAC-49F1-8860-931C4A57B56D}" authorId="{58089C13-A29C-A692-9B0E-427A5ABF3AF2}" created="2022-12-31T13:49:25.065">
-        <p188:txBody>
-          <a:bodyPr/>
-          <a:lstStyle/>
-          <a:p>
-            <a:r>
-              <a:rPr lang="en-US"/>
-              <a:t>Çıktı aldığımız cümle eklenecek</a:t>
-            </a:r>
-          </a:p>
-        </p188:txBody>
-      </p188:reply>
-      <p188:reply id="{1D70AA76-6B16-4D7D-807B-239FA7B59CAA}" authorId="{58089C13-A29C-A692-9B0E-427A5ABF3AF2}" created="2022-12-31T13:49:32.723">
-        <p188:txBody>
-          <a:bodyPr/>
-          <a:lstStyle/>
-          <a:p>
-            <a:r>
-              <a:rPr lang="en-US"/>
-              <a:t>Alt bilgi yaygınlaştırılacak</a:t>
-            </a:r>
-          </a:p>
-        </p188:txBody>
-      </p188:reply>
-    </p188:replyLst>
+  <p188:cm id="{1F079321-49B6-4215-9BDF-6E4C20D3C0AF}" authorId="{58089C13-A29C-A692-9B0E-427A5ABF3AF2}" created="2023-01-02T20:59:40.701">
+    <pc:sldMkLst xmlns:pc="http://schemas.microsoft.com/office/powerpoint/2013/main/command">
+      <pc:docMk/>
+      <pc:sldMk cId="0" sldId="256"/>
+    </pc:sldMkLst>
     <p188:txBody>
       <a:bodyPr/>
       <a:lstStyle/>
       <a:p>
         <a:r>
           <a:rPr lang="en-US"/>
-          <a:t>Son çalışmalar neticesinde aldığımız yeni bir resim eklenecek</a:t>
+          <a:t>Network koyulacak</a:t>
         </a:r>
       </a:p>
     </p188:txBody>
@@ -352,55 +324,12 @@
 </p188:cmLst>
 </file>
 
-<file path=ppt/comments/modernComment_10F_98F9099C.xml><?xml version="1.0" encoding="utf-8"?>
-<p188:cmLst xmlns:a="http://schemas.openxmlformats.org/drawingml/2006/main" xmlns:r="http://schemas.openxmlformats.org/officeDocument/2006/relationships" xmlns:p188="http://schemas.microsoft.com/office/powerpoint/2018/8/main">
-  <p188:cm id="{294E0F04-4075-43AF-93AA-FE04C8BB58C0}" authorId="{58089C13-A29C-A692-9B0E-427A5ABF3AF2}" created="2022-12-31T13:54:13.895">
-    <ac:deMkLst xmlns:ac="http://schemas.microsoft.com/office/drawing/2013/main/command">
-      <pc:docMk xmlns:pc="http://schemas.microsoft.com/office/powerpoint/2013/main/command"/>
-      <pc:sldMk xmlns:pc="http://schemas.microsoft.com/office/powerpoint/2013/main/command" cId="2566457756" sldId="271"/>
-      <ac:spMk id="228" creationId="{00000000-0000-0000-0000-000000000000}"/>
-    </ac:deMkLst>
-    <p188:txBody>
-      <a:bodyPr/>
-      <a:lstStyle/>
-      <a:p>
-        <a:r>
-          <a:rPr lang="en-US"/>
-          <a:t>Yaklaşımımızı anlatan diyagramlar, yerine göre çıktılar, kod parçaları vs. vs.</a:t>
-        </a:r>
-      </a:p>
-    </p188:txBody>
-  </p188:cm>
-</p188:cmLst>
-</file>
-
 <file path=ppt/comments/modernComment_110_9C070866.xml><?xml version="1.0" encoding="utf-8"?>
 <p188:cmLst xmlns:a="http://schemas.openxmlformats.org/drawingml/2006/main" xmlns:r="http://schemas.openxmlformats.org/officeDocument/2006/relationships" xmlns:p188="http://schemas.microsoft.com/office/powerpoint/2018/8/main">
   <p188:cm id="{7C40F3AB-3F0E-4D66-B6B9-CD99966CFDE0}" authorId="{58089C13-A29C-A692-9B0E-427A5ABF3AF2}" created="2022-12-31T13:54:19.365">
     <pc:sldMkLst xmlns:pc="http://schemas.microsoft.com/office/powerpoint/2013/main/command">
       <pc:docMk/>
       <pc:sldMk cId="2617706598" sldId="272"/>
-    </pc:sldMkLst>
-    <p188:txBody>
-      <a:bodyPr/>
-      <a:lstStyle/>
-      <a:p>
-        <a:r>
-          <a:rPr lang="en-US"/>
-          <a:t>Yaklaşımımızı anlatan diyagramlar, yerine göre çıktılar, kod parçaları vs. vs.</a:t>
-        </a:r>
-      </a:p>
-    </p188:txBody>
-  </p188:cm>
-</p188:cmLst>
-</file>
-
-<file path=ppt/comments/modernComment_111_F5018BE8.xml><?xml version="1.0" encoding="utf-8"?>
-<p188:cmLst xmlns:a="http://schemas.openxmlformats.org/drawingml/2006/main" xmlns:r="http://schemas.openxmlformats.org/officeDocument/2006/relationships" xmlns:p188="http://schemas.microsoft.com/office/powerpoint/2018/8/main">
-  <p188:cm id="{E148BF81-DCBD-4987-A258-B6523E226160}" authorId="{58089C13-A29C-A692-9B0E-427A5ABF3AF2}" created="2022-12-31T13:54:23.320">
-    <pc:sldMkLst xmlns:pc="http://schemas.microsoft.com/office/powerpoint/2013/main/command">
-      <pc:docMk/>
-      <pc:sldMk cId="4110519272" sldId="273"/>
     </pc:sldMkLst>
     <p188:txBody>
       <a:bodyPr/>
@@ -1812,7 +1741,7 @@
     </p:spTree>
     <p:extLst>
       <p:ext uri="{BB962C8B-B14F-4D97-AF65-F5344CB8AC3E}">
-        <p14:creationId xmlns:p14="http://schemas.microsoft.com/office/powerpoint/2010/main" val="2650504459"/>
+        <p14:creationId xmlns:p14="http://schemas.microsoft.com/office/powerpoint/2010/main" val="794377873"/>
       </p:ext>
     </p:extLst>
   </p:cSld>
@@ -1921,7 +1850,7 @@
     </p:spTree>
     <p:extLst>
       <p:ext uri="{BB962C8B-B14F-4D97-AF65-F5344CB8AC3E}">
-        <p14:creationId xmlns:p14="http://schemas.microsoft.com/office/powerpoint/2010/main" val="442801068"/>
+        <p14:creationId xmlns:p14="http://schemas.microsoft.com/office/powerpoint/2010/main" val="983625474"/>
       </p:ext>
     </p:extLst>
   </p:cSld>
@@ -2030,7 +1959,7 @@
     </p:spTree>
     <p:extLst>
       <p:ext uri="{BB962C8B-B14F-4D97-AF65-F5344CB8AC3E}">
-        <p14:creationId xmlns:p14="http://schemas.microsoft.com/office/powerpoint/2010/main" val="983625474"/>
+        <p14:creationId xmlns:p14="http://schemas.microsoft.com/office/powerpoint/2010/main" val="1033337853"/>
       </p:ext>
     </p:extLst>
   </p:cSld>
@@ -2139,7 +2068,7 @@
     </p:spTree>
     <p:extLst>
       <p:ext uri="{BB962C8B-B14F-4D97-AF65-F5344CB8AC3E}">
-        <p14:creationId xmlns:p14="http://schemas.microsoft.com/office/powerpoint/2010/main" val="3173436710"/>
+        <p14:creationId xmlns:p14="http://schemas.microsoft.com/office/powerpoint/2010/main" val="1833315836"/>
       </p:ext>
     </p:extLst>
   </p:cSld>
@@ -2154,7 +2083,7 @@
   <p:cSld>
     <p:spTree>
       <p:nvGrpSpPr>
-        <p:cNvPr id="1" name="Shape 223"/>
+        <p:cNvPr id="1" name="Shape 267"/>
         <p:cNvGrpSpPr/>
         <p:nvPr/>
       </p:nvGrpSpPr>
@@ -2168,7 +2097,7 @@
       </p:grpSpPr>
       <p:sp>
         <p:nvSpPr>
-          <p:cNvPr id="224" name="Google Shape;224;p7:notes"/>
+          <p:cNvPr id="268" name="Google Shape;268;p10:notes"/>
           <p:cNvSpPr txBox="1">
             <a:spLocks noGrp="1"/>
           </p:cNvSpPr>
@@ -2206,7 +2135,7 @@
       </p:sp>
       <p:sp>
         <p:nvSpPr>
-          <p:cNvPr id="225" name="Google Shape;225;p7:notes"/>
+          <p:cNvPr id="269" name="Google Shape;269;p10:notes"/>
           <p:cNvSpPr>
             <a:spLocks noGrp="1" noRot="1" noChangeAspect="1"/>
           </p:cNvSpPr>
@@ -2246,11 +2175,6 @@
         </p:spPr>
       </p:sp>
     </p:spTree>
-    <p:extLst>
-      <p:ext uri="{BB962C8B-B14F-4D97-AF65-F5344CB8AC3E}">
-        <p14:creationId xmlns:p14="http://schemas.microsoft.com/office/powerpoint/2010/main" val="1833315836"/>
-      </p:ext>
-    </p:extLst>
   </p:cSld>
   <p:clrMapOvr>
     <a:masterClrMapping/>
@@ -2355,6 +2279,11 @@
         </p:spPr>
       </p:sp>
     </p:spTree>
+    <p:extLst>
+      <p:ext uri="{BB962C8B-B14F-4D97-AF65-F5344CB8AC3E}">
+        <p14:creationId xmlns:p14="http://schemas.microsoft.com/office/powerpoint/2010/main" val="1286025254"/>
+      </p:ext>
+    </p:extLst>
   </p:cSld>
   <p:clrMapOvr>
     <a:masterClrMapping/>
@@ -2781,6 +2710,11 @@
         </p:spPr>
       </p:sp>
     </p:spTree>
+    <p:extLst>
+      <p:ext uri="{BB962C8B-B14F-4D97-AF65-F5344CB8AC3E}">
+        <p14:creationId xmlns:p14="http://schemas.microsoft.com/office/powerpoint/2010/main" val="1026157232"/>
+      </p:ext>
+    </p:extLst>
   </p:cSld>
   <p:clrMapOvr>
     <a:masterClrMapping/>
@@ -2887,7 +2821,7 @@
     </p:spTree>
     <p:extLst>
       <p:ext uri="{BB962C8B-B14F-4D97-AF65-F5344CB8AC3E}">
-        <p14:creationId xmlns:p14="http://schemas.microsoft.com/office/powerpoint/2010/main" val="1139771650"/>
+        <p14:creationId xmlns:p14="http://schemas.microsoft.com/office/powerpoint/2010/main" val="2772307727"/>
       </p:ext>
     </p:extLst>
   </p:cSld>
@@ -2996,7 +2930,7 @@
     </p:spTree>
     <p:extLst>
       <p:ext uri="{BB962C8B-B14F-4D97-AF65-F5344CB8AC3E}">
-        <p14:creationId xmlns:p14="http://schemas.microsoft.com/office/powerpoint/2010/main" val="4017734581"/>
+        <p14:creationId xmlns:p14="http://schemas.microsoft.com/office/powerpoint/2010/main" val="507768874"/>
       </p:ext>
     </p:extLst>
   </p:cSld>
@@ -3105,7 +3039,7 @@
     </p:spTree>
     <p:extLst>
       <p:ext uri="{BB962C8B-B14F-4D97-AF65-F5344CB8AC3E}">
-        <p14:creationId xmlns:p14="http://schemas.microsoft.com/office/powerpoint/2010/main" val="1237695199"/>
+        <p14:creationId xmlns:p14="http://schemas.microsoft.com/office/powerpoint/2010/main" val="4156432052"/>
       </p:ext>
     </p:extLst>
   </p:cSld>
@@ -3214,7 +3148,7 @@
     </p:spTree>
     <p:extLst>
       <p:ext uri="{BB962C8B-B14F-4D97-AF65-F5344CB8AC3E}">
-        <p14:creationId xmlns:p14="http://schemas.microsoft.com/office/powerpoint/2010/main" val="493488176"/>
+        <p14:creationId xmlns:p14="http://schemas.microsoft.com/office/powerpoint/2010/main" val="2060883571"/>
       </p:ext>
     </p:extLst>
   </p:cSld>
@@ -17457,77 +17391,23 @@
           </a:p>
         </p:txBody>
       </p:sp>
-      <p:pic>
-        <p:nvPicPr>
-          <p:cNvPr id="147" name="Google Shape;147;p1"/>
-          <p:cNvPicPr preferRelativeResize="0">
-            <a:picLocks noGrp="1"/>
-          </p:cNvPicPr>
+      <p:sp>
+        <p:nvSpPr>
+          <p:cNvPr id="3" name="Picture Placeholder 2">
+            <a:extLst>
+              <a:ext uri="{FF2B5EF4-FFF2-40B4-BE49-F238E27FC236}">
+                <a16:creationId xmlns:a16="http://schemas.microsoft.com/office/drawing/2014/main" id="{40B32E0D-C4B7-8EB0-6D85-FFDA271B6D9B}"/>
+              </a:ext>
+            </a:extLst>
+          </p:cNvPr>
+          <p:cNvSpPr>
+            <a:spLocks noGrp="1"/>
+          </p:cNvSpPr>
           <p:nvPr>
             <p:ph type="pic" idx="2"/>
           </p:nvPr>
-        </p:nvPicPr>
-        <p:blipFill rotWithShape="1">
-          <a:blip r:embed="rId4">
-            <a:alphaModFix/>
-          </a:blip>
-          <a:srcRect l="2152" r="2162"/>
-          <a:stretch/>
-        </p:blipFill>
-        <p:spPr>
-          <a:xfrm>
-            <a:off x="989012" y="635275"/>
-            <a:ext cx="3281100" cy="4572000"/>
-          </a:xfrm>
-          <a:prstGeom prst="snip2DiagRect">
-            <a:avLst>
-              <a:gd name="adj1" fmla="val 0"/>
-              <a:gd name="adj2" fmla="val 16667"/>
-            </a:avLst>
-          </a:prstGeom>
-        </p:spPr>
-      </p:pic>
-      <p:sp>
-        <p:nvSpPr>
-          <p:cNvPr id="148" name="Google Shape;148;p1"/>
-          <p:cNvSpPr txBox="1">
-            <a:spLocks noGrp="1"/>
-          </p:cNvSpPr>
-          <p:nvPr>
-            <p:ph type="body" idx="1"/>
-          </p:nvPr>
         </p:nvSpPr>
-        <p:spPr>
-          <a:xfrm>
-            <a:off x="206050" y="5307900"/>
-            <a:ext cx="5339400" cy="1550100"/>
-          </a:xfrm>
-          <a:prstGeom prst="rect">
-            <a:avLst/>
-          </a:prstGeom>
-        </p:spPr>
-        <p:txBody>
-          <a:bodyPr spcFirstLastPara="1" wrap="square" lIns="91425" tIns="45700" rIns="91425" bIns="45700" anchor="t" anchorCtr="0">
-            <a:normAutofit/>
-          </a:bodyPr>
-          <a:lstStyle/>
-          <a:p>
-            <a:pPr marL="0" lvl="0" indent="0" algn="l" rtl="0">
-              <a:spcBef>
-                <a:spcPts val="360"/>
-              </a:spcBef>
-              <a:spcAft>
-                <a:spcPts val="600"/>
-              </a:spcAft>
-              <a:buNone/>
-            </a:pPr>
-            <a:r>
-              <a:rPr lang="en-US" i="1" dirty="0"/>
-              <a:t>“This vest would go better with a blue shirt!”</a:t>
-            </a:r>
-            <a:endParaRPr i="1" dirty="0"/>
-          </a:p>
-        </p:txBody>
+        <p:spPr/>
       </p:sp>
     </p:spTree>
   </p:cSld>
@@ -17584,7 +17464,7 @@
         </p:spPr>
         <p:txBody>
           <a:bodyPr spcFirstLastPara="1" wrap="square" lIns="91425" tIns="45700" rIns="91425" bIns="45700" anchor="ctr" anchorCtr="0">
-            <a:normAutofit/>
+            <a:normAutofit fontScale="90000"/>
           </a:bodyPr>
           <a:lstStyle/>
           <a:p>
@@ -17613,260 +17493,14 @@
               <a:rPr lang="en-US" dirty="0"/>
               <a:t>IMAGE CAPTIONING</a:t>
             </a:r>
+            <a:br>
+              <a:rPr lang="en-US" dirty="0"/>
+            </a:br>
+            <a:r>
+              <a:rPr lang="en-US" dirty="0"/>
+              <a:t>Network Training</a:t>
+            </a:r>
             <a:endParaRPr dirty="0"/>
-          </a:p>
-        </p:txBody>
-      </p:sp>
-      <p:sp>
-        <p:nvSpPr>
-          <p:cNvPr id="228" name="Google Shape;228;p7"/>
-          <p:cNvSpPr txBox="1">
-            <a:spLocks noGrp="1"/>
-          </p:cNvSpPr>
-          <p:nvPr>
-            <p:ph type="body" idx="1"/>
-          </p:nvPr>
-        </p:nvSpPr>
-        <p:spPr>
-          <a:xfrm>
-            <a:off x="1268550" y="1133050"/>
-            <a:ext cx="9654900" cy="4785900"/>
-          </a:xfrm>
-          <a:prstGeom prst="rect">
-            <a:avLst/>
-          </a:prstGeom>
-          <a:noFill/>
-          <a:ln>
-            <a:noFill/>
-          </a:ln>
-        </p:spPr>
-        <p:txBody>
-          <a:bodyPr spcFirstLastPara="1" wrap="square" lIns="91425" tIns="45700" rIns="91425" bIns="45700" anchor="ctr" anchorCtr="0">
-            <a:normAutofit/>
-          </a:bodyPr>
-          <a:lstStyle/>
-          <a:p>
-            <a:pPr marL="342900" lvl="0" indent="-342900" algn="l" rtl="0">
-              <a:spcBef>
-                <a:spcPts val="1000"/>
-              </a:spcBef>
-              <a:spcAft>
-                <a:spcPts val="0"/>
-              </a:spcAft>
-              <a:buSzPts val="1600"/>
-              <a:buFont typeface="Wingdings" panose="05000000000000000000" pitchFamily="2" charset="2"/>
-              <a:buChar char="Ø"/>
-            </a:pPr>
-            <a:r>
-              <a:rPr lang="en-US" dirty="0">
-                <a:solidFill>
-                  <a:srgbClr val="333333"/>
-                </a:solidFill>
-                <a:latin typeface="Century Gothic" panose="020B0502020202020204" pitchFamily="34" charset="0"/>
-                <a:ea typeface="Arial"/>
-                <a:cs typeface="Arial"/>
-                <a:sym typeface="Arial"/>
-              </a:rPr>
-              <a:t>Method 2: </a:t>
-            </a:r>
-          </a:p>
-          <a:p>
-            <a:pPr marL="342900" lvl="0" indent="-342900" algn="l" rtl="0">
-              <a:spcBef>
-                <a:spcPts val="1000"/>
-              </a:spcBef>
-              <a:spcAft>
-                <a:spcPts val="0"/>
-              </a:spcAft>
-              <a:buSzPts val="1600"/>
-              <a:buFont typeface="Wingdings" panose="05000000000000000000" pitchFamily="2" charset="2"/>
-              <a:buChar char="Ø"/>
-            </a:pPr>
-            <a:endParaRPr lang="en-US" dirty="0">
-              <a:solidFill>
-                <a:srgbClr val="333333"/>
-              </a:solidFill>
-              <a:latin typeface="Century Gothic" panose="020B0502020202020204" pitchFamily="34" charset="0"/>
-              <a:ea typeface="Arial"/>
-              <a:cs typeface="Arial"/>
-              <a:sym typeface="Arial"/>
-            </a:endParaRPr>
-          </a:p>
-          <a:p>
-            <a:pPr marL="342900" lvl="0" indent="-342900" algn="l" rtl="0">
-              <a:spcBef>
-                <a:spcPts val="1000"/>
-              </a:spcBef>
-              <a:spcAft>
-                <a:spcPts val="0"/>
-              </a:spcAft>
-              <a:buSzPts val="1600"/>
-              <a:buFont typeface="Wingdings" panose="05000000000000000000" pitchFamily="2" charset="2"/>
-              <a:buChar char="Ø"/>
-            </a:pPr>
-            <a:endParaRPr lang="en-US" dirty="0">
-              <a:solidFill>
-                <a:srgbClr val="333333"/>
-              </a:solidFill>
-              <a:latin typeface="Century Gothic" panose="020B0502020202020204" pitchFamily="34" charset="0"/>
-              <a:ea typeface="Arial"/>
-              <a:cs typeface="Arial"/>
-              <a:sym typeface="Arial"/>
-            </a:endParaRPr>
-          </a:p>
-          <a:p>
-            <a:pPr marL="342900" lvl="0" indent="-342900" algn="l" rtl="0">
-              <a:spcBef>
-                <a:spcPts val="1000"/>
-              </a:spcBef>
-              <a:spcAft>
-                <a:spcPts val="0"/>
-              </a:spcAft>
-              <a:buSzPts val="1600"/>
-              <a:buFont typeface="Wingdings" panose="05000000000000000000" pitchFamily="2" charset="2"/>
-              <a:buChar char="Ø"/>
-            </a:pPr>
-            <a:endParaRPr lang="en-US" dirty="0">
-              <a:solidFill>
-                <a:srgbClr val="333333"/>
-              </a:solidFill>
-              <a:latin typeface="Century Gothic" panose="020B0502020202020204" pitchFamily="34" charset="0"/>
-              <a:ea typeface="Arial"/>
-              <a:cs typeface="Arial"/>
-              <a:sym typeface="Arial"/>
-            </a:endParaRPr>
-          </a:p>
-          <a:p>
-            <a:pPr marL="342900" lvl="0" indent="-342900" algn="l" rtl="0">
-              <a:spcBef>
-                <a:spcPts val="1000"/>
-              </a:spcBef>
-              <a:spcAft>
-                <a:spcPts val="0"/>
-              </a:spcAft>
-              <a:buSzPts val="1600"/>
-              <a:buFont typeface="Wingdings" panose="05000000000000000000" pitchFamily="2" charset="2"/>
-              <a:buChar char="Ø"/>
-            </a:pPr>
-            <a:endParaRPr lang="en-US" dirty="0">
-              <a:solidFill>
-                <a:srgbClr val="333333"/>
-              </a:solidFill>
-              <a:latin typeface="Century Gothic" panose="020B0502020202020204" pitchFamily="34" charset="0"/>
-              <a:ea typeface="Arial"/>
-              <a:cs typeface="Arial"/>
-              <a:sym typeface="Arial"/>
-            </a:endParaRPr>
-          </a:p>
-          <a:p>
-            <a:pPr marL="342900" lvl="0" indent="-342900" algn="l" rtl="0">
-              <a:spcBef>
-                <a:spcPts val="1000"/>
-              </a:spcBef>
-              <a:spcAft>
-                <a:spcPts val="0"/>
-              </a:spcAft>
-              <a:buSzPts val="1600"/>
-              <a:buFont typeface="Wingdings" panose="05000000000000000000" pitchFamily="2" charset="2"/>
-              <a:buChar char="Ø"/>
-            </a:pPr>
-            <a:endParaRPr lang="en-US" dirty="0">
-              <a:solidFill>
-                <a:srgbClr val="333333"/>
-              </a:solidFill>
-              <a:latin typeface="Century Gothic" panose="020B0502020202020204" pitchFamily="34" charset="0"/>
-              <a:ea typeface="Arial"/>
-              <a:cs typeface="Arial"/>
-              <a:sym typeface="Arial"/>
-            </a:endParaRPr>
-          </a:p>
-          <a:p>
-            <a:pPr marL="342900" lvl="0" indent="-342900" algn="l" rtl="0">
-              <a:spcBef>
-                <a:spcPts val="1000"/>
-              </a:spcBef>
-              <a:spcAft>
-                <a:spcPts val="0"/>
-              </a:spcAft>
-              <a:buSzPts val="1600"/>
-              <a:buFont typeface="Wingdings" panose="05000000000000000000" pitchFamily="2" charset="2"/>
-              <a:buChar char="Ø"/>
-            </a:pPr>
-            <a:endParaRPr lang="en-US" dirty="0">
-              <a:solidFill>
-                <a:srgbClr val="333333"/>
-              </a:solidFill>
-              <a:latin typeface="Century Gothic" panose="020B0502020202020204" pitchFamily="34" charset="0"/>
-              <a:ea typeface="Arial"/>
-              <a:cs typeface="Arial"/>
-              <a:sym typeface="Arial"/>
-            </a:endParaRPr>
-          </a:p>
-          <a:p>
-            <a:pPr marL="342900" lvl="0" indent="-342900" algn="l" rtl="0">
-              <a:spcBef>
-                <a:spcPts val="1000"/>
-              </a:spcBef>
-              <a:spcAft>
-                <a:spcPts val="0"/>
-              </a:spcAft>
-              <a:buSzPts val="1600"/>
-              <a:buFont typeface="Wingdings" panose="05000000000000000000" pitchFamily="2" charset="2"/>
-              <a:buChar char="Ø"/>
-            </a:pPr>
-            <a:endParaRPr lang="en-US" dirty="0">
-              <a:solidFill>
-                <a:srgbClr val="333333"/>
-              </a:solidFill>
-              <a:latin typeface="Century Gothic" panose="020B0502020202020204" pitchFamily="34" charset="0"/>
-              <a:ea typeface="Arial"/>
-              <a:cs typeface="Arial"/>
-              <a:sym typeface="Arial"/>
-            </a:endParaRPr>
-          </a:p>
-          <a:p>
-            <a:pPr marL="342900" lvl="0" indent="-342900" algn="l" rtl="0">
-              <a:spcBef>
-                <a:spcPts val="1000"/>
-              </a:spcBef>
-              <a:spcAft>
-                <a:spcPts val="0"/>
-              </a:spcAft>
-              <a:buSzPts val="1600"/>
-              <a:buFont typeface="Wingdings" panose="05000000000000000000" pitchFamily="2" charset="2"/>
-              <a:buChar char="Ø"/>
-            </a:pPr>
-            <a:endParaRPr lang="en-US" dirty="0">
-              <a:solidFill>
-                <a:srgbClr val="333333"/>
-              </a:solidFill>
-              <a:latin typeface="Century Gothic" panose="020B0502020202020204" pitchFamily="34" charset="0"/>
-              <a:ea typeface="Arial"/>
-              <a:cs typeface="Arial"/>
-              <a:sym typeface="Arial"/>
-            </a:endParaRPr>
-          </a:p>
-          <a:p>
-            <a:pPr marL="342900" lvl="0" indent="-342900" algn="l" rtl="0">
-              <a:spcBef>
-                <a:spcPts val="1000"/>
-              </a:spcBef>
-              <a:spcAft>
-                <a:spcPts val="0"/>
-              </a:spcAft>
-              <a:buSzPts val="1600"/>
-              <a:buFont typeface="Wingdings" panose="05000000000000000000" pitchFamily="2" charset="2"/>
-              <a:buChar char="Ø"/>
-            </a:pPr>
-            <a:endParaRPr lang="en-US" dirty="0">
-              <a:solidFill>
-                <a:srgbClr val="333333"/>
-              </a:solidFill>
-              <a:latin typeface="Century Gothic" panose="020B0502020202020204" pitchFamily="34" charset="0"/>
-              <a:ea typeface="Arial"/>
-              <a:cs typeface="Arial"/>
-              <a:sym typeface="Arial"/>
-            </a:endParaRPr>
           </a:p>
         </p:txBody>
       </p:sp>
@@ -17962,12 +17596,67 @@
           </a:p>
         </p:txBody>
       </p:sp>
+      <p:sp>
+        <p:nvSpPr>
+          <p:cNvPr id="24" name="Rectangle 23">
+            <a:extLst>
+              <a:ext uri="{FF2B5EF4-FFF2-40B4-BE49-F238E27FC236}">
+                <a16:creationId xmlns:a16="http://schemas.microsoft.com/office/drawing/2014/main" id="{E1B06510-9F1B-8489-AE61-5FA4C2402CA1}"/>
+              </a:ext>
+            </a:extLst>
+          </p:cNvPr>
+          <p:cNvSpPr/>
+          <p:nvPr/>
+        </p:nvSpPr>
+        <p:spPr>
+          <a:xfrm>
+            <a:off x="782258" y="1550710"/>
+            <a:ext cx="193010" cy="158019"/>
+          </a:xfrm>
+          <a:prstGeom prst="rect">
+            <a:avLst/>
+          </a:prstGeom>
+          <a:noFill/>
+          <a:ln w="0">
+            <a:noFill/>
+          </a:ln>
+        </p:spPr>
+        <p:style>
+          <a:lnRef idx="0">
+            <a:scrgbClr r="0" g="0" b="0"/>
+          </a:lnRef>
+          <a:fillRef idx="0">
+            <a:scrgbClr r="0" g="0" b="0"/>
+          </a:fillRef>
+          <a:effectRef idx="0">
+            <a:scrgbClr r="0" g="0" b="0"/>
+          </a:effectRef>
+          <a:fontRef idx="minor"/>
+        </p:style>
+        <p:txBody>
+          <a:bodyPr lIns="90000" tIns="45000" rIns="90000" bIns="45000" anchor="t">
+            <a:noAutofit/>
+          </a:bodyPr>
+          <a:lstStyle/>
+          <a:p>
+            <a:pPr>
+              <a:lnSpc>
+                <a:spcPct val="100000"/>
+              </a:lnSpc>
+              <a:buNone/>
+            </a:pPr>
+            <a:endParaRPr lang="en-US" sz="800" b="0" strike="noStrike" spc="-1" dirty="0">
+              <a:latin typeface="Arial"/>
+            </a:endParaRPr>
+          </a:p>
+        </p:txBody>
+      </p:sp>
       <p:pic>
         <p:nvPicPr>
           <p:cNvPr id="2" name="Picture 1">
             <a:extLst>
               <a:ext uri="{FF2B5EF4-FFF2-40B4-BE49-F238E27FC236}">
-                <a16:creationId xmlns:a16="http://schemas.microsoft.com/office/drawing/2014/main" id="{22CC15A6-B66A-213C-5981-132CCDB286EA}"/>
+                <a16:creationId xmlns:a16="http://schemas.microsoft.com/office/drawing/2014/main" id="{8E3BC800-C550-E407-823E-ADE368396BCC}"/>
               </a:ext>
             </a:extLst>
           </p:cNvPr>
@@ -17980,8 +17669,8 @@
         </p:blipFill>
         <p:spPr>
           <a:xfrm>
-            <a:off x="1890762" y="1979720"/>
-            <a:ext cx="8105494" cy="4143268"/>
+            <a:off x="185850" y="1475874"/>
+            <a:ext cx="5486040" cy="4314600"/>
           </a:xfrm>
           <a:prstGeom prst="rect">
             <a:avLst/>
@@ -17991,10 +17680,401 @@
           </a:ln>
         </p:spPr>
       </p:pic>
+      <p:pic>
+        <p:nvPicPr>
+          <p:cNvPr id="3" name="Picture 2">
+            <a:extLst>
+              <a:ext uri="{FF2B5EF4-FFF2-40B4-BE49-F238E27FC236}">
+                <a16:creationId xmlns:a16="http://schemas.microsoft.com/office/drawing/2014/main" id="{E0A8EF06-3F4E-102C-1606-8C6354487E66}"/>
+              </a:ext>
+            </a:extLst>
+          </p:cNvPr>
+          <p:cNvPicPr/>
+          <p:nvPr/>
+        </p:nvPicPr>
+        <p:blipFill>
+          <a:blip r:embed="rId4"/>
+          <a:stretch/>
+        </p:blipFill>
+        <p:spPr>
+          <a:xfrm>
+            <a:off x="6505514" y="1475874"/>
+            <a:ext cx="5400360" cy="4314600"/>
+          </a:xfrm>
+          <a:prstGeom prst="rect">
+            <a:avLst/>
+          </a:prstGeom>
+          <a:ln w="0">
+            <a:noFill/>
+          </a:ln>
+        </p:spPr>
+      </p:pic>
+      <p:cxnSp>
+        <p:nvCxnSpPr>
+          <p:cNvPr id="11" name="Straight Arrow Connector 10">
+            <a:extLst>
+              <a:ext uri="{FF2B5EF4-FFF2-40B4-BE49-F238E27FC236}">
+                <a16:creationId xmlns:a16="http://schemas.microsoft.com/office/drawing/2014/main" id="{D669B635-2CBA-7A0E-41A2-C611892BE596}"/>
+              </a:ext>
+            </a:extLst>
+          </p:cNvPr>
+          <p:cNvCxnSpPr>
+            <a:cxnSpLocks/>
+          </p:cNvCxnSpPr>
+          <p:nvPr/>
+        </p:nvCxnSpPr>
+        <p:spPr>
+          <a:xfrm>
+            <a:off x="1186175" y="5100472"/>
+            <a:ext cx="3998037" cy="0"/>
+          </a:xfrm>
+          <a:prstGeom prst="straightConnector1">
+            <a:avLst/>
+          </a:prstGeom>
+          <a:ln w="38100">
+            <a:solidFill>
+              <a:schemeClr val="accent4">
+                <a:lumMod val="60000"/>
+                <a:lumOff val="40000"/>
+              </a:schemeClr>
+            </a:solidFill>
+            <a:tailEnd type="triangle"/>
+          </a:ln>
+        </p:spPr>
+        <p:style>
+          <a:lnRef idx="1">
+            <a:schemeClr val="accent5"/>
+          </a:lnRef>
+          <a:fillRef idx="0">
+            <a:schemeClr val="accent5"/>
+          </a:fillRef>
+          <a:effectRef idx="0">
+            <a:schemeClr val="accent5"/>
+          </a:effectRef>
+          <a:fontRef idx="minor">
+            <a:schemeClr val="tx1"/>
+          </a:fontRef>
+        </p:style>
+      </p:cxnSp>
+      <p:cxnSp>
+        <p:nvCxnSpPr>
+          <p:cNvPr id="13" name="Straight Arrow Connector 12">
+            <a:extLst>
+              <a:ext uri="{FF2B5EF4-FFF2-40B4-BE49-F238E27FC236}">
+                <a16:creationId xmlns:a16="http://schemas.microsoft.com/office/drawing/2014/main" id="{D860C9C4-4610-581D-4F7E-85E4D8289949}"/>
+              </a:ext>
+            </a:extLst>
+          </p:cNvPr>
+          <p:cNvCxnSpPr>
+            <a:cxnSpLocks/>
+          </p:cNvCxnSpPr>
+          <p:nvPr/>
+        </p:nvCxnSpPr>
+        <p:spPr>
+          <a:xfrm flipV="1">
+            <a:off x="1977524" y="2082414"/>
+            <a:ext cx="1947931" cy="824007"/>
+          </a:xfrm>
+          <a:prstGeom prst="straightConnector1">
+            <a:avLst/>
+          </a:prstGeom>
+          <a:ln w="28575">
+            <a:prstDash val="sysDash"/>
+            <a:tailEnd type="triangle"/>
+          </a:ln>
+        </p:spPr>
+        <p:style>
+          <a:lnRef idx="1">
+            <a:schemeClr val="accent1"/>
+          </a:lnRef>
+          <a:fillRef idx="0">
+            <a:schemeClr val="accent1"/>
+          </a:fillRef>
+          <a:effectRef idx="0">
+            <a:schemeClr val="accent1"/>
+          </a:effectRef>
+          <a:fontRef idx="minor">
+            <a:schemeClr val="tx1"/>
+          </a:fontRef>
+        </p:style>
+      </p:cxnSp>
+      <p:cxnSp>
+        <p:nvCxnSpPr>
+          <p:cNvPr id="21" name="Straight Arrow Connector 20">
+            <a:extLst>
+              <a:ext uri="{FF2B5EF4-FFF2-40B4-BE49-F238E27FC236}">
+                <a16:creationId xmlns:a16="http://schemas.microsoft.com/office/drawing/2014/main" id="{07CD79C6-107D-57C7-AFD3-D545F23BA1E5}"/>
+              </a:ext>
+            </a:extLst>
+          </p:cNvPr>
+          <p:cNvCxnSpPr>
+            <a:cxnSpLocks/>
+          </p:cNvCxnSpPr>
+          <p:nvPr/>
+        </p:nvCxnSpPr>
+        <p:spPr>
+          <a:xfrm>
+            <a:off x="1867416" y="3856455"/>
+            <a:ext cx="2635554" cy="0"/>
+          </a:xfrm>
+          <a:prstGeom prst="straightConnector1">
+            <a:avLst/>
+          </a:prstGeom>
+          <a:ln w="38100">
+            <a:prstDash val="sysDash"/>
+            <a:tailEnd type="triangle"/>
+          </a:ln>
+        </p:spPr>
+        <p:style>
+          <a:lnRef idx="1">
+            <a:schemeClr val="accent5"/>
+          </a:lnRef>
+          <a:fillRef idx="0">
+            <a:schemeClr val="accent5"/>
+          </a:fillRef>
+          <a:effectRef idx="0">
+            <a:schemeClr val="accent5"/>
+          </a:effectRef>
+          <a:fontRef idx="minor">
+            <a:schemeClr val="tx1"/>
+          </a:fontRef>
+        </p:style>
+      </p:cxnSp>
+      <p:sp>
+        <p:nvSpPr>
+          <p:cNvPr id="26" name="TextBox 25">
+            <a:extLst>
+              <a:ext uri="{FF2B5EF4-FFF2-40B4-BE49-F238E27FC236}">
+                <a16:creationId xmlns:a16="http://schemas.microsoft.com/office/drawing/2014/main" id="{26339B85-D80D-58DE-8FCF-C966763D9EF3}"/>
+              </a:ext>
+            </a:extLst>
+          </p:cNvPr>
+          <p:cNvSpPr txBox="1"/>
+          <p:nvPr/>
+        </p:nvSpPr>
+        <p:spPr>
+          <a:xfrm>
+            <a:off x="1725434" y="4001410"/>
+            <a:ext cx="3071789" cy="954107"/>
+          </a:xfrm>
+          <a:prstGeom prst="rect">
+            <a:avLst/>
+          </a:prstGeom>
+          <a:noFill/>
+        </p:spPr>
+        <p:txBody>
+          <a:bodyPr wrap="square" rtlCol="0">
+            <a:spAutoFit/>
+          </a:bodyPr>
+          <a:lstStyle/>
+          <a:p>
+            <a:r>
+              <a:rPr lang="en-US" dirty="0"/>
+              <a:t># of epoch increases</a:t>
+            </a:r>
+          </a:p>
+          <a:p>
+            <a:r>
+              <a:rPr lang="en-US" dirty="0"/>
+              <a:t>Training accuracy increases</a:t>
+            </a:r>
+          </a:p>
+          <a:p>
+            <a:r>
+              <a:rPr lang="en-US" dirty="0"/>
+              <a:t>Validation accuracy doesn’t increase</a:t>
+            </a:r>
+          </a:p>
+          <a:p>
+            <a:r>
+              <a:rPr lang="en-US" dirty="0"/>
+              <a:t>&gt; Could be due to dataset</a:t>
+            </a:r>
+          </a:p>
+        </p:txBody>
+      </p:sp>
+      <p:cxnSp>
+        <p:nvCxnSpPr>
+          <p:cNvPr id="27" name="Straight Arrow Connector 26">
+            <a:extLst>
+              <a:ext uri="{FF2B5EF4-FFF2-40B4-BE49-F238E27FC236}">
+                <a16:creationId xmlns:a16="http://schemas.microsoft.com/office/drawing/2014/main" id="{04240E84-FB19-910A-56ED-7481D523E834}"/>
+              </a:ext>
+            </a:extLst>
+          </p:cNvPr>
+          <p:cNvCxnSpPr>
+            <a:cxnSpLocks/>
+          </p:cNvCxnSpPr>
+          <p:nvPr/>
+        </p:nvCxnSpPr>
+        <p:spPr>
+          <a:xfrm>
+            <a:off x="8100291" y="2494417"/>
+            <a:ext cx="2114185" cy="738310"/>
+          </a:xfrm>
+          <a:prstGeom prst="straightConnector1">
+            <a:avLst/>
+          </a:prstGeom>
+          <a:ln w="28575">
+            <a:prstDash val="sysDash"/>
+            <a:tailEnd type="triangle"/>
+          </a:ln>
+        </p:spPr>
+        <p:style>
+          <a:lnRef idx="1">
+            <a:schemeClr val="accent1"/>
+          </a:lnRef>
+          <a:fillRef idx="0">
+            <a:schemeClr val="accent1"/>
+          </a:fillRef>
+          <a:effectRef idx="0">
+            <a:schemeClr val="accent1"/>
+          </a:effectRef>
+          <a:fontRef idx="minor">
+            <a:schemeClr val="tx1"/>
+          </a:fontRef>
+        </p:style>
+      </p:cxnSp>
+      <p:cxnSp>
+        <p:nvCxnSpPr>
+          <p:cNvPr id="30" name="Straight Arrow Connector 29">
+            <a:extLst>
+              <a:ext uri="{FF2B5EF4-FFF2-40B4-BE49-F238E27FC236}">
+                <a16:creationId xmlns:a16="http://schemas.microsoft.com/office/drawing/2014/main" id="{AA9F1F78-C8D3-75C2-B873-5E2521426121}"/>
+              </a:ext>
+            </a:extLst>
+          </p:cNvPr>
+          <p:cNvCxnSpPr>
+            <a:cxnSpLocks/>
+          </p:cNvCxnSpPr>
+          <p:nvPr/>
+        </p:nvCxnSpPr>
+        <p:spPr>
+          <a:xfrm>
+            <a:off x="8100291" y="4590746"/>
+            <a:ext cx="2635554" cy="0"/>
+          </a:xfrm>
+          <a:prstGeom prst="straightConnector1">
+            <a:avLst/>
+          </a:prstGeom>
+          <a:ln w="38100">
+            <a:prstDash val="sysDash"/>
+            <a:tailEnd type="triangle"/>
+          </a:ln>
+        </p:spPr>
+        <p:style>
+          <a:lnRef idx="1">
+            <a:schemeClr val="accent5"/>
+          </a:lnRef>
+          <a:fillRef idx="0">
+            <a:schemeClr val="accent5"/>
+          </a:fillRef>
+          <a:effectRef idx="0">
+            <a:schemeClr val="accent5"/>
+          </a:effectRef>
+          <a:fontRef idx="minor">
+            <a:schemeClr val="tx1"/>
+          </a:fontRef>
+        </p:style>
+      </p:cxnSp>
+      <p:cxnSp>
+        <p:nvCxnSpPr>
+          <p:cNvPr id="31" name="Straight Arrow Connector 30">
+            <a:extLst>
+              <a:ext uri="{FF2B5EF4-FFF2-40B4-BE49-F238E27FC236}">
+                <a16:creationId xmlns:a16="http://schemas.microsoft.com/office/drawing/2014/main" id="{7572ACE6-61E2-E435-8AE2-7C50D91BB57D}"/>
+              </a:ext>
+            </a:extLst>
+          </p:cNvPr>
+          <p:cNvCxnSpPr>
+            <a:cxnSpLocks/>
+          </p:cNvCxnSpPr>
+          <p:nvPr/>
+        </p:nvCxnSpPr>
+        <p:spPr>
+          <a:xfrm>
+            <a:off x="7419049" y="5511490"/>
+            <a:ext cx="3998037" cy="0"/>
+          </a:xfrm>
+          <a:prstGeom prst="straightConnector1">
+            <a:avLst/>
+          </a:prstGeom>
+          <a:ln w="38100">
+            <a:solidFill>
+              <a:schemeClr val="accent4">
+                <a:lumMod val="60000"/>
+                <a:lumOff val="40000"/>
+              </a:schemeClr>
+            </a:solidFill>
+            <a:tailEnd type="triangle"/>
+          </a:ln>
+        </p:spPr>
+        <p:style>
+          <a:lnRef idx="1">
+            <a:schemeClr val="accent5"/>
+          </a:lnRef>
+          <a:fillRef idx="0">
+            <a:schemeClr val="accent5"/>
+          </a:fillRef>
+          <a:effectRef idx="0">
+            <a:schemeClr val="accent5"/>
+          </a:effectRef>
+          <a:fontRef idx="minor">
+            <a:schemeClr val="tx1"/>
+          </a:fontRef>
+        </p:style>
+      </p:cxnSp>
+      <p:sp>
+        <p:nvSpPr>
+          <p:cNvPr id="32" name="TextBox 31">
+            <a:extLst>
+              <a:ext uri="{FF2B5EF4-FFF2-40B4-BE49-F238E27FC236}">
+                <a16:creationId xmlns:a16="http://schemas.microsoft.com/office/drawing/2014/main" id="{4E22DC99-23A3-C9D8-E7A7-9D9BC421DF5A}"/>
+              </a:ext>
+            </a:extLst>
+          </p:cNvPr>
+          <p:cNvSpPr txBox="1"/>
+          <p:nvPr/>
+        </p:nvSpPr>
+        <p:spPr>
+          <a:xfrm>
+            <a:off x="7394777" y="3299711"/>
+            <a:ext cx="3071789" cy="738664"/>
+          </a:xfrm>
+          <a:prstGeom prst="rect">
+            <a:avLst/>
+          </a:prstGeom>
+          <a:noFill/>
+        </p:spPr>
+        <p:txBody>
+          <a:bodyPr wrap="square" rtlCol="0">
+            <a:spAutoFit/>
+          </a:bodyPr>
+          <a:lstStyle/>
+          <a:p>
+            <a:r>
+              <a:rPr lang="en-US" dirty="0"/>
+              <a:t># of epoch increases</a:t>
+            </a:r>
+          </a:p>
+          <a:p>
+            <a:r>
+              <a:rPr lang="en-US" dirty="0"/>
+              <a:t>Training loss decreases</a:t>
+            </a:r>
+          </a:p>
+          <a:p>
+            <a:r>
+              <a:rPr lang="en-US" dirty="0"/>
+              <a:t>Validation loss doesn’t decrease</a:t>
+            </a:r>
+          </a:p>
+        </p:txBody>
+      </p:sp>
     </p:spTree>
     <p:extLst>
       <p:ext uri="{BB962C8B-B14F-4D97-AF65-F5344CB8AC3E}">
-        <p14:creationId xmlns:p14="http://schemas.microsoft.com/office/powerpoint/2010/main" val="1491248840"/>
+        <p14:creationId xmlns:p14="http://schemas.microsoft.com/office/powerpoint/2010/main" val="1616121957"/>
       </p:ext>
     </p:extLst>
   </p:cSld>
@@ -18033,8 +18113,8 @@
         </p:nvSpPr>
         <p:spPr>
           <a:xfrm>
-            <a:off x="3540600" y="-1"/>
-            <a:ext cx="5110800" cy="1475875"/>
+            <a:off x="3540600" y="0"/>
+            <a:ext cx="5110800" cy="1507200"/>
           </a:xfrm>
           <a:prstGeom prst="rect">
             <a:avLst/>
@@ -18073,7 +18153,7 @@
             </a:br>
             <a:r>
               <a:rPr lang="en-US" dirty="0"/>
-              <a:t>IMAGE CAPTIONING</a:t>
+              <a:t>SUGGESTION MODEL</a:t>
             </a:r>
             <a:endParaRPr dirty="0"/>
           </a:p>
@@ -18108,13 +18188,10 @@
           </a:bodyPr>
           <a:lstStyle/>
           <a:p>
-            <a:pPr marL="342900" lvl="0" indent="-342900" algn="l" rtl="0">
+            <a:pPr marL="342900" lvl="0" indent="-342900">
               <a:spcBef>
                 <a:spcPts val="1000"/>
               </a:spcBef>
-              <a:spcAft>
-                <a:spcPts val="0"/>
-              </a:spcAft>
               <a:buSzPts val="1600"/>
               <a:buFont typeface="Wingdings" panose="05000000000000000000" pitchFamily="2" charset="2"/>
               <a:buChar char="Ø"/>
@@ -18129,11 +18206,11 @@
                 <a:cs typeface="Arial"/>
                 <a:sym typeface="Arial"/>
               </a:rPr>
-              <a:t>Feature Extraction</a:t>
+              <a:t>sent2vec, Bert Language Model</a:t>
             </a:r>
           </a:p>
           <a:p>
-            <a:pPr marL="800100" lvl="1" indent="-342900">
+            <a:pPr marL="342900" lvl="0" indent="-342900">
               <a:spcBef>
                 <a:spcPts val="1000"/>
               </a:spcBef>
@@ -18151,180 +18228,8 @@
                 <a:cs typeface="Arial"/>
                 <a:sym typeface="Arial"/>
               </a:rPr>
-              <a:t>Resnet50 (last Fully Connected Layer excluded)</a:t>
+              <a:t>GOAL: Try to find the most similar annotation in one higher category</a:t>
             </a:r>
-          </a:p>
-          <a:p>
-            <a:pPr marL="800100" lvl="1" indent="-342900">
-              <a:spcBef>
-                <a:spcPts val="1000"/>
-              </a:spcBef>
-              <a:buSzPts val="1600"/>
-              <a:buFont typeface="Wingdings" panose="05000000000000000000" pitchFamily="2" charset="2"/>
-              <a:buChar char="Ø"/>
-            </a:pPr>
-            <a:r>
-              <a:rPr lang="en-US" dirty="0">
-                <a:solidFill>
-                  <a:srgbClr val="333333"/>
-                </a:solidFill>
-                <a:latin typeface="Century Gothic" panose="020B0502020202020204" pitchFamily="34" charset="0"/>
-                <a:ea typeface="Arial"/>
-                <a:cs typeface="Arial"/>
-                <a:sym typeface="Arial"/>
-              </a:rPr>
-              <a:t>Vector Embedding</a:t>
-            </a:r>
-          </a:p>
-          <a:p>
-            <a:pPr marL="800100" lvl="1" indent="-342900">
-              <a:spcBef>
-                <a:spcPts val="1000"/>
-              </a:spcBef>
-              <a:buSzPts val="1600"/>
-              <a:buFont typeface="Wingdings" panose="05000000000000000000" pitchFamily="2" charset="2"/>
-              <a:buChar char="Ø"/>
-            </a:pPr>
-            <a:endParaRPr lang="en-US" dirty="0">
-              <a:solidFill>
-                <a:srgbClr val="333333"/>
-              </a:solidFill>
-              <a:latin typeface="Century Gothic" panose="020B0502020202020204" pitchFamily="34" charset="0"/>
-              <a:ea typeface="Arial"/>
-              <a:cs typeface="Arial"/>
-              <a:sym typeface="Arial"/>
-            </a:endParaRPr>
-          </a:p>
-          <a:p>
-            <a:pPr marL="342900" lvl="0" indent="-342900" algn="l" rtl="0">
-              <a:spcBef>
-                <a:spcPts val="1000"/>
-              </a:spcBef>
-              <a:spcAft>
-                <a:spcPts val="0"/>
-              </a:spcAft>
-              <a:buSzPts val="1600"/>
-              <a:buFont typeface="Wingdings" panose="05000000000000000000" pitchFamily="2" charset="2"/>
-              <a:buChar char="Ø"/>
-            </a:pPr>
-            <a:endParaRPr lang="en-US" dirty="0">
-              <a:solidFill>
-                <a:srgbClr val="333333"/>
-              </a:solidFill>
-              <a:latin typeface="Century Gothic" panose="020B0502020202020204" pitchFamily="34" charset="0"/>
-              <a:ea typeface="Arial"/>
-              <a:cs typeface="Arial"/>
-              <a:sym typeface="Arial"/>
-            </a:endParaRPr>
-          </a:p>
-          <a:p>
-            <a:pPr marL="0" lvl="0" indent="0" algn="l" rtl="0">
-              <a:spcBef>
-                <a:spcPts val="1000"/>
-              </a:spcBef>
-              <a:spcAft>
-                <a:spcPts val="0"/>
-              </a:spcAft>
-              <a:buSzPts val="1600"/>
-              <a:buNone/>
-            </a:pPr>
-            <a:endParaRPr lang="en-US" dirty="0">
-              <a:solidFill>
-                <a:srgbClr val="333333"/>
-              </a:solidFill>
-              <a:latin typeface="Century Gothic" panose="020B0502020202020204" pitchFamily="34" charset="0"/>
-              <a:ea typeface="Arial"/>
-              <a:cs typeface="Arial"/>
-              <a:sym typeface="Arial"/>
-            </a:endParaRPr>
-          </a:p>
-          <a:p>
-            <a:pPr marL="342900" lvl="0" indent="-342900" algn="l" rtl="0">
-              <a:spcBef>
-                <a:spcPts val="1000"/>
-              </a:spcBef>
-              <a:spcAft>
-                <a:spcPts val="0"/>
-              </a:spcAft>
-              <a:buSzPts val="1600"/>
-              <a:buFont typeface="Wingdings" panose="05000000000000000000" pitchFamily="2" charset="2"/>
-              <a:buChar char="Ø"/>
-            </a:pPr>
-            <a:endParaRPr lang="en-US" dirty="0">
-              <a:solidFill>
-                <a:srgbClr val="333333"/>
-              </a:solidFill>
-              <a:latin typeface="Century Gothic" panose="020B0502020202020204" pitchFamily="34" charset="0"/>
-              <a:ea typeface="Arial"/>
-              <a:cs typeface="Arial"/>
-              <a:sym typeface="Arial"/>
-            </a:endParaRPr>
-          </a:p>
-          <a:p>
-            <a:pPr marL="342900" lvl="0" indent="-342900" algn="l" rtl="0">
-              <a:spcBef>
-                <a:spcPts val="1000"/>
-              </a:spcBef>
-              <a:spcAft>
-                <a:spcPts val="0"/>
-              </a:spcAft>
-              <a:buSzPts val="1600"/>
-              <a:buFont typeface="Wingdings" panose="05000000000000000000" pitchFamily="2" charset="2"/>
-              <a:buChar char="Ø"/>
-            </a:pPr>
-            <a:endParaRPr lang="en-US" dirty="0">
-              <a:solidFill>
-                <a:srgbClr val="333333"/>
-              </a:solidFill>
-              <a:latin typeface="Century Gothic" panose="020B0502020202020204" pitchFamily="34" charset="0"/>
-              <a:ea typeface="Arial"/>
-              <a:cs typeface="Arial"/>
-              <a:sym typeface="Arial"/>
-            </a:endParaRPr>
-          </a:p>
-          <a:p>
-            <a:pPr marL="342900" lvl="0" indent="-342900" algn="l" rtl="0">
-              <a:spcBef>
-                <a:spcPts val="1000"/>
-              </a:spcBef>
-              <a:spcAft>
-                <a:spcPts val="0"/>
-              </a:spcAft>
-              <a:buSzPts val="1600"/>
-              <a:buFont typeface="Wingdings" panose="05000000000000000000" pitchFamily="2" charset="2"/>
-              <a:buChar char="Ø"/>
-            </a:pPr>
-            <a:endParaRPr lang="en-US" dirty="0">
-              <a:solidFill>
-                <a:srgbClr val="333333"/>
-              </a:solidFill>
-              <a:latin typeface="Century Gothic" panose="020B0502020202020204" pitchFamily="34" charset="0"/>
-              <a:ea typeface="Arial"/>
-              <a:cs typeface="Arial"/>
-              <a:sym typeface="Arial"/>
-            </a:endParaRPr>
-          </a:p>
-          <a:p>
-            <a:pPr marL="342900" lvl="0" indent="-342900" algn="l" rtl="0">
-              <a:spcBef>
-                <a:spcPts val="1000"/>
-              </a:spcBef>
-              <a:spcAft>
-                <a:spcPts val="0"/>
-              </a:spcAft>
-              <a:buSzPts val="1600"/>
-              <a:buFont typeface="Wingdings" panose="05000000000000000000" pitchFamily="2" charset="2"/>
-              <a:buChar char="Ø"/>
-            </a:pPr>
-            <a:endParaRPr lang="en-US" dirty="0">
-              <a:solidFill>
-                <a:srgbClr val="333333"/>
-              </a:solidFill>
-              <a:latin typeface="Century Gothic" panose="020B0502020202020204" pitchFamily="34" charset="0"/>
-              <a:ea typeface="Arial"/>
-              <a:cs typeface="Arial"/>
-              <a:sym typeface="Arial"/>
-            </a:endParaRPr>
           </a:p>
         </p:txBody>
       </p:sp>
@@ -18423,13 +18328,18 @@
     </p:spTree>
     <p:extLst>
       <p:ext uri="{BB962C8B-B14F-4D97-AF65-F5344CB8AC3E}">
-        <p14:creationId xmlns:p14="http://schemas.microsoft.com/office/powerpoint/2010/main" val="1373126242"/>
+        <p14:creationId xmlns:p14="http://schemas.microsoft.com/office/powerpoint/2010/main" val="2617706598"/>
       </p:ext>
     </p:extLst>
   </p:cSld>
   <p:clrMapOvr>
     <a:masterClrMapping/>
   </p:clrMapOvr>
+  <p:extLst>
+    <p:ext uri="{6950BFC3-D8DA-4A85-94F7-54DA5524770B}">
+      <p188:commentRel xmlns:p188="http://schemas.microsoft.com/office/powerpoint/2018/8/main" r:id="rId3"/>
+    </p:ext>
+  </p:extLst>
 </p:sld>
 </file>
 
@@ -18510,80 +18420,6 @@
       </p:sp>
       <p:sp>
         <p:nvSpPr>
-          <p:cNvPr id="228" name="Google Shape;228;p7"/>
-          <p:cNvSpPr txBox="1">
-            <a:spLocks noGrp="1"/>
-          </p:cNvSpPr>
-          <p:nvPr>
-            <p:ph type="body" idx="1"/>
-          </p:nvPr>
-        </p:nvSpPr>
-        <p:spPr>
-          <a:xfrm>
-            <a:off x="1268550" y="1133050"/>
-            <a:ext cx="9654900" cy="4785900"/>
-          </a:xfrm>
-          <a:prstGeom prst="rect">
-            <a:avLst/>
-          </a:prstGeom>
-          <a:noFill/>
-          <a:ln>
-            <a:noFill/>
-          </a:ln>
-        </p:spPr>
-        <p:txBody>
-          <a:bodyPr spcFirstLastPara="1" wrap="square" lIns="91425" tIns="45700" rIns="91425" bIns="45700" anchor="ctr" anchorCtr="0">
-            <a:normAutofit/>
-          </a:bodyPr>
-          <a:lstStyle/>
-          <a:p>
-            <a:pPr marL="342900" lvl="0" indent="-342900">
-              <a:spcBef>
-                <a:spcPts val="1000"/>
-              </a:spcBef>
-              <a:buSzPts val="1600"/>
-              <a:buFont typeface="Wingdings" panose="05000000000000000000" pitchFamily="2" charset="2"/>
-              <a:buChar char="Ø"/>
-            </a:pPr>
-            <a:r>
-              <a:rPr lang="en-US" dirty="0">
-                <a:solidFill>
-                  <a:srgbClr val="333333"/>
-                </a:solidFill>
-                <a:latin typeface="Century Gothic" panose="020B0502020202020204" pitchFamily="34" charset="0"/>
-                <a:ea typeface="Arial"/>
-                <a:cs typeface="Arial"/>
-                <a:sym typeface="Arial"/>
-              </a:rPr>
-              <a:t>sent2vec, Bert Language Model</a:t>
-            </a:r>
-          </a:p>
-          <a:p>
-            <a:pPr marL="342900" lvl="0" indent="-342900">
-              <a:spcBef>
-                <a:spcPts val="1000"/>
-              </a:spcBef>
-              <a:buSzPts val="1600"/>
-              <a:buFont typeface="Wingdings" panose="05000000000000000000" pitchFamily="2" charset="2"/>
-              <a:buChar char="Ø"/>
-            </a:pPr>
-            <a:r>
-              <a:rPr lang="en-US" dirty="0">
-                <a:solidFill>
-                  <a:srgbClr val="333333"/>
-                </a:solidFill>
-                <a:latin typeface="Century Gothic" panose="020B0502020202020204" pitchFamily="34" charset="0"/>
-                <a:ea typeface="Arial"/>
-                <a:cs typeface="Arial"/>
-                <a:sym typeface="Arial"/>
-              </a:rPr>
-              <a:t>GOAL: Try to find the most similar annotation in one higher category</a:t>
-            </a:r>
-          </a:p>
-        </p:txBody>
-      </p:sp>
-      <p:sp>
-        <p:nvSpPr>
           <p:cNvPr id="229" name="Google Shape;229;p7"/>
           <p:cNvSpPr txBox="1">
             <a:spLocks noGrp="1"/>
@@ -18674,21 +18510,504 @@
           </a:p>
         </p:txBody>
       </p:sp>
+      <p:pic>
+        <p:nvPicPr>
+          <p:cNvPr id="2" name="Picture 3">
+            <a:extLst>
+              <a:ext uri="{FF2B5EF4-FFF2-40B4-BE49-F238E27FC236}">
+                <a16:creationId xmlns:a16="http://schemas.microsoft.com/office/drawing/2014/main" id="{EF385C0F-FA82-AC90-6A58-A285692A0D26}"/>
+              </a:ext>
+            </a:extLst>
+          </p:cNvPr>
+          <p:cNvPicPr/>
+          <p:nvPr/>
+        </p:nvPicPr>
+        <p:blipFill>
+          <a:blip r:embed="rId3"/>
+          <a:stretch/>
+        </p:blipFill>
+        <p:spPr>
+          <a:xfrm>
+            <a:off x="393265" y="1507200"/>
+            <a:ext cx="4610782" cy="3447919"/>
+          </a:xfrm>
+          <a:prstGeom prst="rect">
+            <a:avLst/>
+          </a:prstGeom>
+          <a:ln w="0">
+            <a:noFill/>
+          </a:ln>
+        </p:spPr>
+      </p:pic>
+      <p:pic>
+        <p:nvPicPr>
+          <p:cNvPr id="4" name="Picture 3" descr="Text&#10;&#10;Description automatically generated with low confidence">
+            <a:extLst>
+              <a:ext uri="{FF2B5EF4-FFF2-40B4-BE49-F238E27FC236}">
+                <a16:creationId xmlns:a16="http://schemas.microsoft.com/office/drawing/2014/main" id="{5AC57CD8-3B00-ABEF-C62A-340DC4E24667}"/>
+              </a:ext>
+            </a:extLst>
+          </p:cNvPr>
+          <p:cNvPicPr>
+            <a:picLocks noChangeAspect="1"/>
+          </p:cNvPicPr>
+          <p:nvPr/>
+        </p:nvPicPr>
+        <p:blipFill>
+          <a:blip r:embed="rId4"/>
+          <a:stretch>
+            <a:fillRect/>
+          </a:stretch>
+        </p:blipFill>
+        <p:spPr>
+          <a:xfrm>
+            <a:off x="5566299" y="1645994"/>
+            <a:ext cx="1447800" cy="1859280"/>
+          </a:xfrm>
+          <a:prstGeom prst="rect">
+            <a:avLst/>
+          </a:prstGeom>
+        </p:spPr>
+      </p:pic>
+      <p:pic>
+        <p:nvPicPr>
+          <p:cNvPr id="6" name="Picture 5" descr="Text&#10;&#10;Description automatically generated">
+            <a:extLst>
+              <a:ext uri="{FF2B5EF4-FFF2-40B4-BE49-F238E27FC236}">
+                <a16:creationId xmlns:a16="http://schemas.microsoft.com/office/drawing/2014/main" id="{D823E084-096C-364F-8312-D591024252CC}"/>
+              </a:ext>
+            </a:extLst>
+          </p:cNvPr>
+          <p:cNvPicPr>
+            <a:picLocks noChangeAspect="1"/>
+          </p:cNvPicPr>
+          <p:nvPr/>
+        </p:nvPicPr>
+        <p:blipFill>
+          <a:blip r:embed="rId5"/>
+          <a:stretch>
+            <a:fillRect/>
+          </a:stretch>
+        </p:blipFill>
+        <p:spPr>
+          <a:xfrm>
+            <a:off x="7039680" y="3703957"/>
+            <a:ext cx="4610782" cy="1343603"/>
+          </a:xfrm>
+          <a:prstGeom prst="rect">
+            <a:avLst/>
+          </a:prstGeom>
+        </p:spPr>
+      </p:pic>
+      <p:sp>
+        <p:nvSpPr>
+          <p:cNvPr id="11" name="Rectangle 10">
+            <a:extLst>
+              <a:ext uri="{FF2B5EF4-FFF2-40B4-BE49-F238E27FC236}">
+                <a16:creationId xmlns:a16="http://schemas.microsoft.com/office/drawing/2014/main" id="{73482A38-9D1F-F5CD-26AE-16C56BBADEF9}"/>
+              </a:ext>
+            </a:extLst>
+          </p:cNvPr>
+          <p:cNvSpPr/>
+          <p:nvPr/>
+        </p:nvSpPr>
+        <p:spPr>
+          <a:xfrm>
+            <a:off x="541538" y="2032986"/>
+            <a:ext cx="932155" cy="2898433"/>
+          </a:xfrm>
+          <a:prstGeom prst="rect">
+            <a:avLst/>
+          </a:prstGeom>
+          <a:noFill/>
+          <a:ln>
+            <a:tailEnd type="triangle"/>
+          </a:ln>
+        </p:spPr>
+        <p:style>
+          <a:lnRef idx="2">
+            <a:schemeClr val="accent4"/>
+          </a:lnRef>
+          <a:fillRef idx="1">
+            <a:schemeClr val="lt1"/>
+          </a:fillRef>
+          <a:effectRef idx="0">
+            <a:schemeClr val="accent4"/>
+          </a:effectRef>
+          <a:fontRef idx="minor">
+            <a:schemeClr val="dk1"/>
+          </a:fontRef>
+        </p:style>
+        <p:txBody>
+          <a:bodyPr rtlCol="0" anchor="ctr"/>
+          <a:lstStyle/>
+          <a:p>
+            <a:pPr algn="ctr"/>
+            <a:endParaRPr lang="en-US"/>
+          </a:p>
+        </p:txBody>
+      </p:sp>
+      <p:cxnSp>
+        <p:nvCxnSpPr>
+          <p:cNvPr id="15" name="Connector: Elbow 14">
+            <a:extLst>
+              <a:ext uri="{FF2B5EF4-FFF2-40B4-BE49-F238E27FC236}">
+                <a16:creationId xmlns:a16="http://schemas.microsoft.com/office/drawing/2014/main" id="{CBE966E4-C199-3BA0-F3CA-0D5FC1A4B1E5}"/>
+              </a:ext>
+            </a:extLst>
+          </p:cNvPr>
+          <p:cNvCxnSpPr>
+            <a:cxnSpLocks/>
+          </p:cNvCxnSpPr>
+          <p:nvPr/>
+        </p:nvCxnSpPr>
+        <p:spPr>
+          <a:xfrm flipV="1">
+            <a:off x="627888" y="1748901"/>
+            <a:ext cx="4832418" cy="1628283"/>
+          </a:xfrm>
+          <a:prstGeom prst="bentConnector3">
+            <a:avLst>
+              <a:gd name="adj1" fmla="val 298"/>
+            </a:avLst>
+          </a:prstGeom>
+          <a:ln w="28575">
+            <a:tailEnd type="triangle"/>
+          </a:ln>
+        </p:spPr>
+        <p:style>
+          <a:lnRef idx="1">
+            <a:schemeClr val="accent5"/>
+          </a:lnRef>
+          <a:fillRef idx="0">
+            <a:schemeClr val="accent5"/>
+          </a:fillRef>
+          <a:effectRef idx="0">
+            <a:schemeClr val="accent5"/>
+          </a:effectRef>
+          <a:fontRef idx="minor">
+            <a:schemeClr val="tx1"/>
+          </a:fontRef>
+        </p:style>
+      </p:cxnSp>
+      <p:cxnSp>
+        <p:nvCxnSpPr>
+          <p:cNvPr id="21" name="Straight Connector 20">
+            <a:extLst>
+              <a:ext uri="{FF2B5EF4-FFF2-40B4-BE49-F238E27FC236}">
+                <a16:creationId xmlns:a16="http://schemas.microsoft.com/office/drawing/2014/main" id="{8800D4F7-2198-BDA3-AA79-B2C8C07E2C05}"/>
+              </a:ext>
+            </a:extLst>
+          </p:cNvPr>
+          <p:cNvCxnSpPr>
+            <a:cxnSpLocks/>
+          </p:cNvCxnSpPr>
+          <p:nvPr/>
+        </p:nvCxnSpPr>
+        <p:spPr>
+          <a:xfrm>
+            <a:off x="5397623" y="1903838"/>
+            <a:ext cx="0" cy="1327321"/>
+          </a:xfrm>
+          <a:prstGeom prst="line">
+            <a:avLst/>
+          </a:prstGeom>
+          <a:ln w="28575">
+            <a:prstDash val="sysDot"/>
+            <a:headEnd type="none" w="med" len="med"/>
+            <a:tailEnd type="none" w="med" len="med"/>
+          </a:ln>
+        </p:spPr>
+        <p:style>
+          <a:lnRef idx="1">
+            <a:schemeClr val="accent5"/>
+          </a:lnRef>
+          <a:fillRef idx="0">
+            <a:schemeClr val="accent5"/>
+          </a:fillRef>
+          <a:effectRef idx="0">
+            <a:schemeClr val="accent5"/>
+          </a:effectRef>
+          <a:fontRef idx="minor">
+            <a:schemeClr val="tx1"/>
+          </a:fontRef>
+        </p:style>
+      </p:cxnSp>
+      <p:cxnSp>
+        <p:nvCxnSpPr>
+          <p:cNvPr id="27" name="Connector: Elbow 26">
+            <a:extLst>
+              <a:ext uri="{FF2B5EF4-FFF2-40B4-BE49-F238E27FC236}">
+                <a16:creationId xmlns:a16="http://schemas.microsoft.com/office/drawing/2014/main" id="{C0DF8FEB-3E54-5728-145F-F35B701EB4BC}"/>
+              </a:ext>
+            </a:extLst>
+          </p:cNvPr>
+          <p:cNvCxnSpPr>
+            <a:cxnSpLocks/>
+          </p:cNvCxnSpPr>
+          <p:nvPr/>
+        </p:nvCxnSpPr>
+        <p:spPr>
+          <a:xfrm flipV="1">
+            <a:off x="1404785" y="3386096"/>
+            <a:ext cx="4055521" cy="536825"/>
+          </a:xfrm>
+          <a:prstGeom prst="bentConnector3">
+            <a:avLst>
+              <a:gd name="adj1" fmla="val 397"/>
+            </a:avLst>
+          </a:prstGeom>
+          <a:ln w="28575">
+            <a:tailEnd type="triangle"/>
+          </a:ln>
+        </p:spPr>
+        <p:style>
+          <a:lnRef idx="1">
+            <a:schemeClr val="accent5"/>
+          </a:lnRef>
+          <a:fillRef idx="0">
+            <a:schemeClr val="accent5"/>
+          </a:fillRef>
+          <a:effectRef idx="0">
+            <a:schemeClr val="accent5"/>
+          </a:effectRef>
+          <a:fontRef idx="minor">
+            <a:schemeClr val="tx1"/>
+          </a:fontRef>
+        </p:style>
+      </p:cxnSp>
+      <p:cxnSp>
+        <p:nvCxnSpPr>
+          <p:cNvPr id="31" name="Straight Arrow Connector 30">
+            <a:extLst>
+              <a:ext uri="{FF2B5EF4-FFF2-40B4-BE49-F238E27FC236}">
+                <a16:creationId xmlns:a16="http://schemas.microsoft.com/office/drawing/2014/main" id="{29A6D61F-0936-ECCC-7752-0D24836A728C}"/>
+              </a:ext>
+            </a:extLst>
+          </p:cNvPr>
+          <p:cNvCxnSpPr>
+            <a:cxnSpLocks/>
+            <a:endCxn id="6" idx="0"/>
+          </p:cNvCxnSpPr>
+          <p:nvPr/>
+        </p:nvCxnSpPr>
+        <p:spPr>
+          <a:xfrm>
+            <a:off x="6908105" y="1958340"/>
+            <a:ext cx="2436966" cy="1745617"/>
+          </a:xfrm>
+          <a:prstGeom prst="straightConnector1">
+            <a:avLst/>
+          </a:prstGeom>
+          <a:ln w="28575">
+            <a:tailEnd type="triangle"/>
+          </a:ln>
+        </p:spPr>
+        <p:style>
+          <a:lnRef idx="1">
+            <a:schemeClr val="accent5"/>
+          </a:lnRef>
+          <a:fillRef idx="0">
+            <a:schemeClr val="accent5"/>
+          </a:fillRef>
+          <a:effectRef idx="0">
+            <a:schemeClr val="accent5"/>
+          </a:effectRef>
+          <a:fontRef idx="minor">
+            <a:schemeClr val="tx1"/>
+          </a:fontRef>
+        </p:style>
+      </p:cxnSp>
+      <p:sp>
+        <p:nvSpPr>
+          <p:cNvPr id="34" name="Rectangle 33">
+            <a:extLst>
+              <a:ext uri="{FF2B5EF4-FFF2-40B4-BE49-F238E27FC236}">
+                <a16:creationId xmlns:a16="http://schemas.microsoft.com/office/drawing/2014/main" id="{FF8E9F49-4975-8655-D7C8-4111DAE8284F}"/>
+              </a:ext>
+            </a:extLst>
+          </p:cNvPr>
+          <p:cNvSpPr/>
+          <p:nvPr/>
+        </p:nvSpPr>
+        <p:spPr>
+          <a:xfrm>
+            <a:off x="5638800" y="1876259"/>
+            <a:ext cx="1269305" cy="156727"/>
+          </a:xfrm>
+          <a:prstGeom prst="rect">
+            <a:avLst/>
+          </a:prstGeom>
+          <a:noFill/>
+          <a:ln>
+            <a:tailEnd type="triangle"/>
+          </a:ln>
+        </p:spPr>
+        <p:style>
+          <a:lnRef idx="2">
+            <a:schemeClr val="accent4"/>
+          </a:lnRef>
+          <a:fillRef idx="1">
+            <a:schemeClr val="lt1"/>
+          </a:fillRef>
+          <a:effectRef idx="0">
+            <a:schemeClr val="accent4"/>
+          </a:effectRef>
+          <a:fontRef idx="minor">
+            <a:schemeClr val="dk1"/>
+          </a:fontRef>
+        </p:style>
+        <p:txBody>
+          <a:bodyPr rtlCol="0" anchor="ctr"/>
+          <a:lstStyle/>
+          <a:p>
+            <a:pPr algn="ctr"/>
+            <a:endParaRPr lang="en-US"/>
+          </a:p>
+        </p:txBody>
+      </p:sp>
+      <p:sp>
+        <p:nvSpPr>
+          <p:cNvPr id="36" name="Rectangle 35">
+            <a:extLst>
+              <a:ext uri="{FF2B5EF4-FFF2-40B4-BE49-F238E27FC236}">
+                <a16:creationId xmlns:a16="http://schemas.microsoft.com/office/drawing/2014/main" id="{0B1AF91F-CB7D-FAC1-D132-AB7E66B11D7F}"/>
+              </a:ext>
+            </a:extLst>
+          </p:cNvPr>
+          <p:cNvSpPr/>
+          <p:nvPr/>
+        </p:nvSpPr>
+        <p:spPr>
+          <a:xfrm>
+            <a:off x="7014099" y="3683000"/>
+            <a:ext cx="92821" cy="166095"/>
+          </a:xfrm>
+          <a:prstGeom prst="rect">
+            <a:avLst/>
+          </a:prstGeom>
+          <a:noFill/>
+          <a:ln w="12700">
+            <a:solidFill>
+              <a:schemeClr val="accent5">
+                <a:lumMod val="60000"/>
+                <a:lumOff val="40000"/>
+              </a:schemeClr>
+            </a:solidFill>
+            <a:tailEnd type="triangle"/>
+          </a:ln>
+        </p:spPr>
+        <p:style>
+          <a:lnRef idx="2">
+            <a:schemeClr val="accent4"/>
+          </a:lnRef>
+          <a:fillRef idx="1">
+            <a:schemeClr val="lt1"/>
+          </a:fillRef>
+          <a:effectRef idx="0">
+            <a:schemeClr val="accent4"/>
+          </a:effectRef>
+          <a:fontRef idx="minor">
+            <a:schemeClr val="dk1"/>
+          </a:fontRef>
+        </p:style>
+        <p:txBody>
+          <a:bodyPr rtlCol="0" anchor="ctr"/>
+          <a:lstStyle/>
+          <a:p>
+            <a:pPr algn="ctr"/>
+            <a:endParaRPr lang="en-US"/>
+          </a:p>
+        </p:txBody>
+      </p:sp>
+      <p:sp>
+        <p:nvSpPr>
+          <p:cNvPr id="37" name="TextBox 36">
+            <a:extLst>
+              <a:ext uri="{FF2B5EF4-FFF2-40B4-BE49-F238E27FC236}">
+                <a16:creationId xmlns:a16="http://schemas.microsoft.com/office/drawing/2014/main" id="{58CB759F-6010-E12F-2425-4E5728774D98}"/>
+              </a:ext>
+            </a:extLst>
+          </p:cNvPr>
+          <p:cNvSpPr txBox="1"/>
+          <p:nvPr/>
+        </p:nvSpPr>
+        <p:spPr>
+          <a:xfrm>
+            <a:off x="5575342" y="3689163"/>
+            <a:ext cx="1202622" cy="307777"/>
+          </a:xfrm>
+          <a:prstGeom prst="rect">
+            <a:avLst/>
+          </a:prstGeom>
+          <a:noFill/>
+        </p:spPr>
+        <p:txBody>
+          <a:bodyPr wrap="square" rtlCol="0">
+            <a:spAutoFit/>
+          </a:bodyPr>
+          <a:lstStyle/>
+          <a:p>
+            <a:r>
+              <a:rPr lang="en-US" dirty="0"/>
+              <a:t>Category “1”</a:t>
+            </a:r>
+          </a:p>
+        </p:txBody>
+      </p:sp>
+      <p:cxnSp>
+        <p:nvCxnSpPr>
+          <p:cNvPr id="39" name="Straight Arrow Connector 38">
+            <a:extLst>
+              <a:ext uri="{FF2B5EF4-FFF2-40B4-BE49-F238E27FC236}">
+                <a16:creationId xmlns:a16="http://schemas.microsoft.com/office/drawing/2014/main" id="{2A0D9747-13D2-B38C-7D96-7E1E785D53EF}"/>
+              </a:ext>
+            </a:extLst>
+          </p:cNvPr>
+          <p:cNvCxnSpPr>
+            <a:cxnSpLocks/>
+            <a:stCxn id="36" idx="1"/>
+            <a:endCxn id="37" idx="3"/>
+          </p:cNvCxnSpPr>
+          <p:nvPr/>
+        </p:nvCxnSpPr>
+        <p:spPr>
+          <a:xfrm flipH="1">
+            <a:off x="6777964" y="3766048"/>
+            <a:ext cx="236135" cy="77004"/>
+          </a:xfrm>
+          <a:prstGeom prst="straightConnector1">
+            <a:avLst/>
+          </a:prstGeom>
+          <a:ln>
+            <a:tailEnd type="triangle"/>
+          </a:ln>
+        </p:spPr>
+        <p:style>
+          <a:lnRef idx="1">
+            <a:schemeClr val="accent1"/>
+          </a:lnRef>
+          <a:fillRef idx="0">
+            <a:schemeClr val="accent1"/>
+          </a:fillRef>
+          <a:effectRef idx="0">
+            <a:schemeClr val="accent1"/>
+          </a:effectRef>
+          <a:fontRef idx="minor">
+            <a:schemeClr val="tx1"/>
+          </a:fontRef>
+        </p:style>
+      </p:cxnSp>
     </p:spTree>
     <p:extLst>
       <p:ext uri="{BB962C8B-B14F-4D97-AF65-F5344CB8AC3E}">
-        <p14:creationId xmlns:p14="http://schemas.microsoft.com/office/powerpoint/2010/main" val="2617706598"/>
+        <p14:creationId xmlns:p14="http://schemas.microsoft.com/office/powerpoint/2010/main" val="4220575020"/>
       </p:ext>
     </p:extLst>
   </p:cSld>
   <p:clrMapOvr>
     <a:masterClrMapping/>
   </p:clrMapOvr>
-  <p:extLst>
-    <p:ext uri="{6950BFC3-D8DA-4A85-94F7-54DA5524770B}">
-      <p188:commentRel xmlns:p188="http://schemas.microsoft.com/office/powerpoint/2018/8/main" r:id="rId3"/>
-    </p:ext>
-  </p:extLst>
 </p:sld>
 </file>
 
@@ -18697,7 +19016,7 @@
   <p:cSld>
     <p:spTree>
       <p:nvGrpSpPr>
-        <p:cNvPr id="1" name="Shape 226"/>
+        <p:cNvPr id="1" name=""/>
         <p:cNvGrpSpPr/>
         <p:nvPr/>
       </p:nvGrpSpPr>
@@ -18711,66 +19030,14 @@
       </p:grpSpPr>
       <p:sp>
         <p:nvSpPr>
-          <p:cNvPr id="227" name="Google Shape;227;p7"/>
-          <p:cNvSpPr txBox="1">
-            <a:spLocks noGrp="1"/>
-          </p:cNvSpPr>
-          <p:nvPr>
-            <p:ph type="title"/>
-          </p:nvPr>
-        </p:nvSpPr>
-        <p:spPr>
-          <a:xfrm>
-            <a:off x="2887900" y="50000"/>
-            <a:ext cx="6416200" cy="1507200"/>
-          </a:xfrm>
-          <a:prstGeom prst="rect">
-            <a:avLst/>
-          </a:prstGeom>
-          <a:noFill/>
-          <a:ln>
-            <a:noFill/>
-          </a:ln>
-        </p:spPr>
-        <p:txBody>
-          <a:bodyPr spcFirstLastPara="1" wrap="square" lIns="91425" tIns="45700" rIns="91425" bIns="45700" anchor="ctr" anchorCtr="0">
-            <a:normAutofit fontScale="90000"/>
-          </a:bodyPr>
-          <a:lstStyle/>
-          <a:p>
-            <a:pPr marL="0" lvl="0" indent="0" algn="ctr" rtl="0">
-              <a:spcBef>
-                <a:spcPts val="0"/>
-              </a:spcBef>
-              <a:spcAft>
-                <a:spcPts val="0"/>
-              </a:spcAft>
-              <a:buClr>
-                <a:schemeClr val="lt1"/>
-              </a:buClr>
-              <a:buSzPts val="3600"/>
-              <a:buFont typeface="Century Gothic"/>
-              <a:buNone/>
-            </a:pPr>
-            <a:r>
-              <a:rPr lang="en-US" dirty="0"/>
-              <a:t>KEY TECHNICAL IDEAS</a:t>
-            </a:r>
-            <a:br>
-              <a:rPr lang="en-US" dirty="0"/>
-            </a:br>
-            <a:r>
-              <a:rPr lang="en-US" dirty="0"/>
-              <a:t>SUGGESTION SENTENCE CREATION</a:t>
-            </a:r>
-            <a:endParaRPr dirty="0"/>
-          </a:p>
-        </p:txBody>
-      </p:sp>
-      <p:sp>
-        <p:nvSpPr>
-          <p:cNvPr id="228" name="Google Shape;228;p7"/>
-          <p:cNvSpPr txBox="1">
+          <p:cNvPr id="3" name="Text Placeholder 2">
+            <a:extLst>
+              <a:ext uri="{FF2B5EF4-FFF2-40B4-BE49-F238E27FC236}">
+                <a16:creationId xmlns:a16="http://schemas.microsoft.com/office/drawing/2014/main" id="{90AABD87-3FC3-E3BB-8853-A44F00C6E45C}"/>
+              </a:ext>
+            </a:extLst>
+          </p:cNvPr>
+          <p:cNvSpPr>
             <a:spLocks noGrp="1"/>
           </p:cNvSpPr>
           <p:nvPr>
@@ -18779,115 +19046,64 @@
         </p:nvSpPr>
         <p:spPr>
           <a:xfrm>
-            <a:off x="1268550" y="1133050"/>
-            <a:ext cx="9654900" cy="4785900"/>
-          </a:xfrm>
-          <a:prstGeom prst="rect">
-            <a:avLst/>
-          </a:prstGeom>
-          <a:noFill/>
-          <a:ln>
-            <a:noFill/>
-          </a:ln>
+            <a:off x="707073" y="2804160"/>
+            <a:ext cx="8534400" cy="1498600"/>
+          </a:xfrm>
         </p:spPr>
         <p:txBody>
-          <a:bodyPr spcFirstLastPara="1" wrap="square" lIns="91425" tIns="45700" rIns="91425" bIns="45700" anchor="ctr" anchorCtr="0">
-            <a:normAutofit/>
-          </a:bodyPr>
+          <a:bodyPr/>
           <a:lstStyle/>
           <a:p>
-            <a:pPr marL="0" lvl="0" indent="0">
-              <a:spcBef>
-                <a:spcPts val="1000"/>
-              </a:spcBef>
-              <a:buSzPts val="1600"/>
-              <a:buNone/>
+            <a:pPr marL="514350" indent="-285750">
+              <a:buFont typeface="Wingdings" panose="05000000000000000000" pitchFamily="2" charset="2"/>
+              <a:buChar char="Ø"/>
             </a:pPr>
-            <a:endParaRPr lang="en-US" dirty="0">
-              <a:solidFill>
-                <a:srgbClr val="333333"/>
-              </a:solidFill>
-              <a:latin typeface="Century Gothic" panose="020B0502020202020204" pitchFamily="34" charset="0"/>
-              <a:ea typeface="Arial"/>
-              <a:cs typeface="Arial"/>
-              <a:sym typeface="Arial"/>
-            </a:endParaRPr>
+            <a:r>
+              <a:rPr lang="en-US" dirty="0"/>
+              <a:t>Vector embedding for sentences</a:t>
+            </a:r>
+          </a:p>
+          <a:p>
+            <a:pPr marL="514350" indent="-285750">
+              <a:buFont typeface="Wingdings" panose="05000000000000000000" pitchFamily="2" charset="2"/>
+              <a:buChar char="Ø"/>
+            </a:pPr>
+            <a:r>
+              <a:rPr lang="en-US" dirty="0"/>
+              <a:t>Vectorize each category</a:t>
+            </a:r>
+          </a:p>
+          <a:p>
+            <a:pPr marL="514350" indent="-285750">
+              <a:buFont typeface="Wingdings" panose="05000000000000000000" pitchFamily="2" charset="2"/>
+              <a:buChar char="Ø"/>
+            </a:pPr>
+            <a:r>
+              <a:rPr lang="en-US" dirty="0"/>
+              <a:t>Easy to compute similarity between sentences</a:t>
+            </a:r>
           </a:p>
         </p:txBody>
       </p:sp>
       <p:sp>
         <p:nvSpPr>
-          <p:cNvPr id="229" name="Google Shape;229;p7"/>
-          <p:cNvSpPr txBox="1">
-            <a:spLocks noGrp="1"/>
-          </p:cNvSpPr>
-          <p:nvPr>
-            <p:ph type="ftr" idx="11"/>
-          </p:nvPr>
-        </p:nvSpPr>
-        <p:spPr>
-          <a:xfrm>
-            <a:off x="684212" y="6172200"/>
-            <a:ext cx="9000000" cy="365125"/>
-          </a:xfrm>
-          <a:prstGeom prst="rect">
-            <a:avLst/>
-          </a:prstGeom>
-          <a:noFill/>
-          <a:ln>
-            <a:noFill/>
-          </a:ln>
-        </p:spPr>
-        <p:txBody>
-          <a:bodyPr spcFirstLastPara="1" wrap="square" lIns="91425" tIns="45700" rIns="91425" bIns="45700" anchor="t" anchorCtr="0">
-            <a:noAutofit/>
-          </a:bodyPr>
-          <a:lstStyle/>
-          <a:p>
-            <a:pPr marL="0" lvl="0" indent="0" algn="l" rtl="0">
-              <a:spcBef>
-                <a:spcPts val="0"/>
-              </a:spcBef>
-              <a:spcAft>
-                <a:spcPts val="0"/>
-              </a:spcAft>
-              <a:buNone/>
-            </a:pPr>
-            <a:r>
-              <a:rPr lang="en-US"/>
-              <a:t>CMP784: Deep Learning, Project Progress Presentation: “dress me up”, Presenters: Tahir Büyükbaşaran, Yusuf Çağrı Öğüt</a:t>
-            </a:r>
-            <a:endParaRPr/>
-          </a:p>
-        </p:txBody>
-      </p:sp>
-      <p:sp>
-        <p:nvSpPr>
-          <p:cNvPr id="230" name="Google Shape;230;p7"/>
-          <p:cNvSpPr txBox="1">
+          <p:cNvPr id="4" name="Slide Number Placeholder 3">
+            <a:extLst>
+              <a:ext uri="{FF2B5EF4-FFF2-40B4-BE49-F238E27FC236}">
+                <a16:creationId xmlns:a16="http://schemas.microsoft.com/office/drawing/2014/main" id="{4DCCD948-2479-6229-F0DD-482F674D3558}"/>
+              </a:ext>
+            </a:extLst>
+          </p:cNvPr>
+          <p:cNvSpPr>
             <a:spLocks noGrp="1"/>
           </p:cNvSpPr>
           <p:nvPr>
             <p:ph type="sldNum" idx="12"/>
           </p:nvPr>
         </p:nvSpPr>
-        <p:spPr>
-          <a:xfrm>
-            <a:off x="10363200" y="5578475"/>
-            <a:ext cx="1142245" cy="669925"/>
-          </a:xfrm>
-          <a:prstGeom prst="rect">
-            <a:avLst/>
-          </a:prstGeom>
-          <a:noFill/>
-          <a:ln>
-            <a:noFill/>
-          </a:ln>
-        </p:spPr>
+        <p:spPr/>
         <p:txBody>
-          <a:bodyPr spcFirstLastPara="1" wrap="square" lIns="91425" tIns="45700" rIns="91425" bIns="45700" anchor="b" anchorCtr="0">
-            <a:noAutofit/>
-          </a:bodyPr>
+          <a:bodyPr/>
           <a:lstStyle/>
           <a:p>
             <a:pPr marL="0" lvl="0" indent="0" algn="r" rtl="0">
@@ -18900,32 +19116,625 @@
               <a:buNone/>
             </a:pPr>
             <a:fld id="{00000000-1234-1234-1234-123412341234}" type="slidenum">
-              <a:rPr lang="en-US"/>
+              <a:rPr lang="en-US" smtClean="0"/>
               <a:t>13</a:t>
             </a:fld>
-            <a:endParaRPr dirty="0"/>
+            <a:endParaRPr lang="en-US"/>
           </a:p>
         </p:txBody>
       </p:sp>
+      <p:pic>
+        <p:nvPicPr>
+          <p:cNvPr id="8" name="Picture 7" descr="Text&#10;&#10;Description automatically generated">
+            <a:extLst>
+              <a:ext uri="{FF2B5EF4-FFF2-40B4-BE49-F238E27FC236}">
+                <a16:creationId xmlns:a16="http://schemas.microsoft.com/office/drawing/2014/main" id="{E6EDD142-7C9E-2C3D-B8E1-84B061CEEDC7}"/>
+              </a:ext>
+            </a:extLst>
+          </p:cNvPr>
+          <p:cNvPicPr>
+            <a:picLocks noChangeAspect="1"/>
+          </p:cNvPicPr>
+          <p:nvPr/>
+        </p:nvPicPr>
+        <p:blipFill>
+          <a:blip r:embed="rId2"/>
+          <a:stretch>
+            <a:fillRect/>
+          </a:stretch>
+        </p:blipFill>
+        <p:spPr>
+          <a:xfrm>
+            <a:off x="1028699" y="996950"/>
+            <a:ext cx="9197340" cy="1150620"/>
+          </a:xfrm>
+          <a:prstGeom prst="rect">
+            <a:avLst/>
+          </a:prstGeom>
+        </p:spPr>
+      </p:pic>
     </p:spTree>
     <p:extLst>
       <p:ext uri="{BB962C8B-B14F-4D97-AF65-F5344CB8AC3E}">
-        <p14:creationId xmlns:p14="http://schemas.microsoft.com/office/powerpoint/2010/main" val="4110519272"/>
+        <p14:creationId xmlns:p14="http://schemas.microsoft.com/office/powerpoint/2010/main" val="3970695047"/>
       </p:ext>
     </p:extLst>
   </p:cSld>
   <p:clrMapOvr>
     <a:masterClrMapping/>
   </p:clrMapOvr>
-  <p:extLst>
-    <p:ext uri="{6950BFC3-D8DA-4A85-94F7-54DA5524770B}">
-      <p188:commentRel xmlns:p188="http://schemas.microsoft.com/office/powerpoint/2018/8/main" r:id="rId3"/>
-    </p:ext>
-  </p:extLst>
 </p:sld>
 </file>
 
 <file path=ppt/slides/slide14.xml><?xml version="1.0" encoding="utf-8"?>
+<p:sld xmlns:a="http://schemas.openxmlformats.org/drawingml/2006/main" xmlns:r="http://schemas.openxmlformats.org/officeDocument/2006/relationships" xmlns:p="http://schemas.openxmlformats.org/presentationml/2006/main">
+  <p:cSld>
+    <p:spTree>
+      <p:nvGrpSpPr>
+        <p:cNvPr id="1" name=""/>
+        <p:cNvGrpSpPr/>
+        <p:nvPr/>
+      </p:nvGrpSpPr>
+      <p:grpSpPr>
+        <a:xfrm>
+          <a:off x="0" y="0"/>
+          <a:ext cx="0" cy="0"/>
+          <a:chOff x="0" y="0"/>
+          <a:chExt cx="0" cy="0"/>
+        </a:xfrm>
+      </p:grpSpPr>
+      <p:sp>
+        <p:nvSpPr>
+          <p:cNvPr id="4" name="Slide Number Placeholder 3">
+            <a:extLst>
+              <a:ext uri="{FF2B5EF4-FFF2-40B4-BE49-F238E27FC236}">
+                <a16:creationId xmlns:a16="http://schemas.microsoft.com/office/drawing/2014/main" id="{4DCCD948-2479-6229-F0DD-482F674D3558}"/>
+              </a:ext>
+            </a:extLst>
+          </p:cNvPr>
+          <p:cNvSpPr>
+            <a:spLocks noGrp="1"/>
+          </p:cNvSpPr>
+          <p:nvPr>
+            <p:ph type="sldNum" idx="12"/>
+          </p:nvPr>
+        </p:nvSpPr>
+        <p:spPr/>
+        <p:txBody>
+          <a:bodyPr/>
+          <a:lstStyle/>
+          <a:p>
+            <a:pPr marL="0" lvl="0" indent="0" algn="r" rtl="0">
+              <a:spcBef>
+                <a:spcPts val="0"/>
+              </a:spcBef>
+              <a:spcAft>
+                <a:spcPts val="0"/>
+              </a:spcAft>
+              <a:buNone/>
+            </a:pPr>
+            <a:fld id="{00000000-1234-1234-1234-123412341234}" type="slidenum">
+              <a:rPr lang="en-US" smtClean="0"/>
+              <a:t>14</a:t>
+            </a:fld>
+            <a:endParaRPr lang="en-US"/>
+          </a:p>
+        </p:txBody>
+      </p:sp>
+      <p:pic>
+        <p:nvPicPr>
+          <p:cNvPr id="6" name="Picture 5" descr="Text&#10;&#10;Description automatically generated">
+            <a:extLst>
+              <a:ext uri="{FF2B5EF4-FFF2-40B4-BE49-F238E27FC236}">
+                <a16:creationId xmlns:a16="http://schemas.microsoft.com/office/drawing/2014/main" id="{D6260A4B-8A57-A8AE-6D08-A1A93B121C4F}"/>
+              </a:ext>
+            </a:extLst>
+          </p:cNvPr>
+          <p:cNvPicPr>
+            <a:picLocks noChangeAspect="1"/>
+          </p:cNvPicPr>
+          <p:nvPr/>
+        </p:nvPicPr>
+        <p:blipFill>
+          <a:blip r:embed="rId2"/>
+          <a:stretch>
+            <a:fillRect/>
+          </a:stretch>
+        </p:blipFill>
+        <p:spPr>
+          <a:xfrm>
+            <a:off x="723899" y="2788920"/>
+            <a:ext cx="7071360" cy="1844040"/>
+          </a:xfrm>
+          <a:prstGeom prst="rect">
+            <a:avLst/>
+          </a:prstGeom>
+        </p:spPr>
+      </p:pic>
+      <p:pic>
+        <p:nvPicPr>
+          <p:cNvPr id="8" name="Picture 7" descr="Text&#10;&#10;Description automatically generated">
+            <a:extLst>
+              <a:ext uri="{FF2B5EF4-FFF2-40B4-BE49-F238E27FC236}">
+                <a16:creationId xmlns:a16="http://schemas.microsoft.com/office/drawing/2014/main" id="{E6EDD142-7C9E-2C3D-B8E1-84B061CEEDC7}"/>
+              </a:ext>
+            </a:extLst>
+          </p:cNvPr>
+          <p:cNvPicPr>
+            <a:picLocks noChangeAspect="1"/>
+          </p:cNvPicPr>
+          <p:nvPr/>
+        </p:nvPicPr>
+        <p:blipFill>
+          <a:blip r:embed="rId3"/>
+          <a:stretch>
+            <a:fillRect/>
+          </a:stretch>
+        </p:blipFill>
+        <p:spPr>
+          <a:xfrm>
+            <a:off x="723899" y="1187450"/>
+            <a:ext cx="9197340" cy="1150620"/>
+          </a:xfrm>
+          <a:prstGeom prst="rect">
+            <a:avLst/>
+          </a:prstGeom>
+        </p:spPr>
+      </p:pic>
+      <p:cxnSp>
+        <p:nvCxnSpPr>
+          <p:cNvPr id="7" name="Straight Arrow Connector 6">
+            <a:extLst>
+              <a:ext uri="{FF2B5EF4-FFF2-40B4-BE49-F238E27FC236}">
+                <a16:creationId xmlns:a16="http://schemas.microsoft.com/office/drawing/2014/main" id="{5666A7A4-1210-E40C-3A34-159E63C1A7A3}"/>
+              </a:ext>
+            </a:extLst>
+          </p:cNvPr>
+          <p:cNvCxnSpPr>
+            <a:cxnSpLocks/>
+            <a:stCxn id="10" idx="3"/>
+            <a:endCxn id="9" idx="1"/>
+          </p:cNvCxnSpPr>
+          <p:nvPr/>
+        </p:nvCxnSpPr>
+        <p:spPr>
+          <a:xfrm flipV="1">
+            <a:off x="7703820" y="3271510"/>
+            <a:ext cx="1470660" cy="668030"/>
+          </a:xfrm>
+          <a:prstGeom prst="straightConnector1">
+            <a:avLst/>
+          </a:prstGeom>
+          <a:ln w="38100">
+            <a:tailEnd type="triangle"/>
+          </a:ln>
+        </p:spPr>
+        <p:style>
+          <a:lnRef idx="1">
+            <a:schemeClr val="accent5"/>
+          </a:lnRef>
+          <a:fillRef idx="0">
+            <a:schemeClr val="accent5"/>
+          </a:fillRef>
+          <a:effectRef idx="0">
+            <a:schemeClr val="accent5"/>
+          </a:effectRef>
+          <a:fontRef idx="minor">
+            <a:schemeClr val="tx1"/>
+          </a:fontRef>
+        </p:style>
+      </p:cxnSp>
+      <p:sp>
+        <p:nvSpPr>
+          <p:cNvPr id="9" name="TextBox 8">
+            <a:extLst>
+              <a:ext uri="{FF2B5EF4-FFF2-40B4-BE49-F238E27FC236}">
+                <a16:creationId xmlns:a16="http://schemas.microsoft.com/office/drawing/2014/main" id="{824A0A38-8654-74A9-D22A-218604C278FF}"/>
+              </a:ext>
+            </a:extLst>
+          </p:cNvPr>
+          <p:cNvSpPr txBox="1"/>
+          <p:nvPr/>
+        </p:nvSpPr>
+        <p:spPr>
+          <a:xfrm>
+            <a:off x="9174480" y="3009900"/>
+            <a:ext cx="2171700" cy="523220"/>
+          </a:xfrm>
+          <a:prstGeom prst="rect">
+            <a:avLst/>
+          </a:prstGeom>
+          <a:noFill/>
+        </p:spPr>
+        <p:txBody>
+          <a:bodyPr wrap="square" rtlCol="0">
+            <a:spAutoFit/>
+          </a:bodyPr>
+          <a:lstStyle/>
+          <a:p>
+            <a:r>
+              <a:rPr lang="en-US" dirty="0"/>
+              <a:t>Search for closest vector embedding in space</a:t>
+            </a:r>
+          </a:p>
+        </p:txBody>
+      </p:sp>
+      <p:sp>
+        <p:nvSpPr>
+          <p:cNvPr id="10" name="Rectangle 9">
+            <a:extLst>
+              <a:ext uri="{FF2B5EF4-FFF2-40B4-BE49-F238E27FC236}">
+                <a16:creationId xmlns:a16="http://schemas.microsoft.com/office/drawing/2014/main" id="{426E8A44-788D-37CE-9E16-039E6C1669C9}"/>
+              </a:ext>
+            </a:extLst>
+          </p:cNvPr>
+          <p:cNvSpPr/>
+          <p:nvPr/>
+        </p:nvSpPr>
+        <p:spPr>
+          <a:xfrm>
+            <a:off x="845820" y="3840480"/>
+            <a:ext cx="6858000" cy="198120"/>
+          </a:xfrm>
+          <a:prstGeom prst="rect">
+            <a:avLst/>
+          </a:prstGeom>
+          <a:ln w="38100">
+            <a:tailEnd type="triangle"/>
+          </a:ln>
+        </p:spPr>
+        <p:style>
+          <a:lnRef idx="1">
+            <a:schemeClr val="accent5"/>
+          </a:lnRef>
+          <a:fillRef idx="0">
+            <a:schemeClr val="accent5"/>
+          </a:fillRef>
+          <a:effectRef idx="0">
+            <a:schemeClr val="accent5"/>
+          </a:effectRef>
+          <a:fontRef idx="minor">
+            <a:schemeClr val="tx1"/>
+          </a:fontRef>
+        </p:style>
+        <p:txBody>
+          <a:bodyPr rtlCol="0" anchor="ctr"/>
+          <a:lstStyle/>
+          <a:p>
+            <a:pPr algn="ctr"/>
+            <a:endParaRPr lang="en-US"/>
+          </a:p>
+        </p:txBody>
+      </p:sp>
+      <p:pic>
+        <p:nvPicPr>
+          <p:cNvPr id="15" name="Picture 14">
+            <a:extLst>
+              <a:ext uri="{FF2B5EF4-FFF2-40B4-BE49-F238E27FC236}">
+                <a16:creationId xmlns:a16="http://schemas.microsoft.com/office/drawing/2014/main" id="{22051B9F-EE52-F983-4814-58308A261E0A}"/>
+              </a:ext>
+            </a:extLst>
+          </p:cNvPr>
+          <p:cNvPicPr>
+            <a:picLocks noChangeAspect="1"/>
+          </p:cNvPicPr>
+          <p:nvPr/>
+        </p:nvPicPr>
+        <p:blipFill>
+          <a:blip r:embed="rId4"/>
+          <a:stretch>
+            <a:fillRect/>
+          </a:stretch>
+        </p:blipFill>
+        <p:spPr>
+          <a:xfrm>
+            <a:off x="686555" y="4991100"/>
+            <a:ext cx="10782300" cy="807720"/>
+          </a:xfrm>
+          <a:prstGeom prst="rect">
+            <a:avLst/>
+          </a:prstGeom>
+        </p:spPr>
+      </p:pic>
+    </p:spTree>
+    <p:extLst>
+      <p:ext uri="{BB962C8B-B14F-4D97-AF65-F5344CB8AC3E}">
+        <p14:creationId xmlns:p14="http://schemas.microsoft.com/office/powerpoint/2010/main" val="3284530556"/>
+      </p:ext>
+    </p:extLst>
+  </p:cSld>
+  <p:clrMapOvr>
+    <a:masterClrMapping/>
+  </p:clrMapOvr>
+</p:sld>
+</file>
+
+<file path=ppt/slides/slide15.xml><?xml version="1.0" encoding="utf-8"?>
+<p:sld xmlns:a="http://schemas.openxmlformats.org/drawingml/2006/main" xmlns:r="http://schemas.openxmlformats.org/officeDocument/2006/relationships" xmlns:p="http://schemas.openxmlformats.org/presentationml/2006/main">
+  <p:cSld>
+    <p:spTree>
+      <p:nvGrpSpPr>
+        <p:cNvPr id="1" name=""/>
+        <p:cNvGrpSpPr/>
+        <p:nvPr/>
+      </p:nvGrpSpPr>
+      <p:grpSpPr>
+        <a:xfrm>
+          <a:off x="0" y="0"/>
+          <a:ext cx="0" cy="0"/>
+          <a:chOff x="0" y="0"/>
+          <a:chExt cx="0" cy="0"/>
+        </a:xfrm>
+      </p:grpSpPr>
+      <p:sp>
+        <p:nvSpPr>
+          <p:cNvPr id="4" name="Slide Number Placeholder 3">
+            <a:extLst>
+              <a:ext uri="{FF2B5EF4-FFF2-40B4-BE49-F238E27FC236}">
+                <a16:creationId xmlns:a16="http://schemas.microsoft.com/office/drawing/2014/main" id="{4DCCD948-2479-6229-F0DD-482F674D3558}"/>
+              </a:ext>
+            </a:extLst>
+          </p:cNvPr>
+          <p:cNvSpPr>
+            <a:spLocks noGrp="1"/>
+          </p:cNvSpPr>
+          <p:nvPr>
+            <p:ph type="sldNum" idx="12"/>
+          </p:nvPr>
+        </p:nvSpPr>
+        <p:spPr/>
+        <p:txBody>
+          <a:bodyPr/>
+          <a:lstStyle/>
+          <a:p>
+            <a:pPr marL="0" lvl="0" indent="0" algn="r" rtl="0">
+              <a:spcBef>
+                <a:spcPts val="0"/>
+              </a:spcBef>
+              <a:spcAft>
+                <a:spcPts val="0"/>
+              </a:spcAft>
+              <a:buNone/>
+            </a:pPr>
+            <a:fld id="{00000000-1234-1234-1234-123412341234}" type="slidenum">
+              <a:rPr lang="en-US" smtClean="0"/>
+              <a:t>15</a:t>
+            </a:fld>
+            <a:endParaRPr lang="en-US"/>
+          </a:p>
+        </p:txBody>
+      </p:sp>
+      <p:pic>
+        <p:nvPicPr>
+          <p:cNvPr id="8" name="Picture 7" descr="Text&#10;&#10;Description automatically generated">
+            <a:extLst>
+              <a:ext uri="{FF2B5EF4-FFF2-40B4-BE49-F238E27FC236}">
+                <a16:creationId xmlns:a16="http://schemas.microsoft.com/office/drawing/2014/main" id="{E6EDD142-7C9E-2C3D-B8E1-84B061CEEDC7}"/>
+              </a:ext>
+            </a:extLst>
+          </p:cNvPr>
+          <p:cNvPicPr>
+            <a:picLocks noChangeAspect="1"/>
+          </p:cNvPicPr>
+          <p:nvPr/>
+        </p:nvPicPr>
+        <p:blipFill>
+          <a:blip r:embed="rId2"/>
+          <a:stretch>
+            <a:fillRect/>
+          </a:stretch>
+        </p:blipFill>
+        <p:spPr>
+          <a:xfrm>
+            <a:off x="1062990" y="1168390"/>
+            <a:ext cx="9197340" cy="1150620"/>
+          </a:xfrm>
+          <a:prstGeom prst="rect">
+            <a:avLst/>
+          </a:prstGeom>
+        </p:spPr>
+      </p:pic>
+      <p:grpSp>
+        <p:nvGrpSpPr>
+          <p:cNvPr id="18" name="Group 17">
+            <a:extLst>
+              <a:ext uri="{FF2B5EF4-FFF2-40B4-BE49-F238E27FC236}">
+                <a16:creationId xmlns:a16="http://schemas.microsoft.com/office/drawing/2014/main" id="{3F0034D5-227C-F9E8-AB7B-B07F3ABDACA8}"/>
+              </a:ext>
+            </a:extLst>
+          </p:cNvPr>
+          <p:cNvGrpSpPr/>
+          <p:nvPr/>
+        </p:nvGrpSpPr>
+        <p:grpSpPr>
+          <a:xfrm>
+            <a:off x="537210" y="3823345"/>
+            <a:ext cx="10782300" cy="807720"/>
+            <a:chOff x="369570" y="4364365"/>
+            <a:chExt cx="10782300" cy="807720"/>
+          </a:xfrm>
+        </p:grpSpPr>
+        <p:pic>
+          <p:nvPicPr>
+            <p:cNvPr id="15" name="Picture 14">
+              <a:extLst>
+                <a:ext uri="{FF2B5EF4-FFF2-40B4-BE49-F238E27FC236}">
+                  <a16:creationId xmlns:a16="http://schemas.microsoft.com/office/drawing/2014/main" id="{22051B9F-EE52-F983-4814-58308A261E0A}"/>
+                </a:ext>
+              </a:extLst>
+            </p:cNvPr>
+            <p:cNvPicPr>
+              <a:picLocks noChangeAspect="1"/>
+            </p:cNvPicPr>
+            <p:nvPr/>
+          </p:nvPicPr>
+          <p:blipFill>
+            <a:blip r:embed="rId3"/>
+            <a:stretch>
+              <a:fillRect/>
+            </a:stretch>
+          </p:blipFill>
+          <p:spPr>
+            <a:xfrm>
+              <a:off x="369570" y="4364365"/>
+              <a:ext cx="10782300" cy="807720"/>
+            </a:xfrm>
+            <a:prstGeom prst="rect">
+              <a:avLst/>
+            </a:prstGeom>
+          </p:spPr>
+        </p:pic>
+        <p:sp>
+          <p:nvSpPr>
+            <p:cNvPr id="10" name="Rectangle 9">
+              <a:extLst>
+                <a:ext uri="{FF2B5EF4-FFF2-40B4-BE49-F238E27FC236}">
+                  <a16:creationId xmlns:a16="http://schemas.microsoft.com/office/drawing/2014/main" id="{426E8A44-788D-37CE-9E16-039E6C1669C9}"/>
+                </a:ext>
+              </a:extLst>
+            </p:cNvPr>
+            <p:cNvSpPr/>
+            <p:nvPr/>
+          </p:nvSpPr>
+          <p:spPr>
+            <a:xfrm>
+              <a:off x="5737860" y="4526280"/>
+              <a:ext cx="868680" cy="205740"/>
+            </a:xfrm>
+            <a:prstGeom prst="rect">
+              <a:avLst/>
+            </a:prstGeom>
+            <a:ln w="38100">
+              <a:tailEnd type="triangle"/>
+            </a:ln>
+          </p:spPr>
+          <p:style>
+            <a:lnRef idx="1">
+              <a:schemeClr val="accent5"/>
+            </a:lnRef>
+            <a:fillRef idx="0">
+              <a:schemeClr val="accent5"/>
+            </a:fillRef>
+            <a:effectRef idx="0">
+              <a:schemeClr val="accent5"/>
+            </a:effectRef>
+            <a:fontRef idx="minor">
+              <a:schemeClr val="tx1"/>
+            </a:fontRef>
+          </p:style>
+          <p:txBody>
+            <a:bodyPr rtlCol="0" anchor="ctr"/>
+            <a:lstStyle/>
+            <a:p>
+              <a:pPr algn="ctr"/>
+              <a:endParaRPr lang="en-US"/>
+            </a:p>
+          </p:txBody>
+        </p:sp>
+        <p:sp>
+          <p:nvSpPr>
+            <p:cNvPr id="11" name="Rectangle 10">
+              <a:extLst>
+                <a:ext uri="{FF2B5EF4-FFF2-40B4-BE49-F238E27FC236}">
+                  <a16:creationId xmlns:a16="http://schemas.microsoft.com/office/drawing/2014/main" id="{B0EE2A33-2147-3E47-E7FC-1F8471F0E8F8}"/>
+                </a:ext>
+              </a:extLst>
+            </p:cNvPr>
+            <p:cNvSpPr/>
+            <p:nvPr/>
+          </p:nvSpPr>
+          <p:spPr>
+            <a:xfrm>
+              <a:off x="10260330" y="4853940"/>
+              <a:ext cx="868680" cy="205740"/>
+            </a:xfrm>
+            <a:prstGeom prst="rect">
+              <a:avLst/>
+            </a:prstGeom>
+            <a:ln w="38100">
+              <a:tailEnd type="triangle"/>
+            </a:ln>
+          </p:spPr>
+          <p:style>
+            <a:lnRef idx="1">
+              <a:schemeClr val="accent5"/>
+            </a:lnRef>
+            <a:fillRef idx="0">
+              <a:schemeClr val="accent5"/>
+            </a:fillRef>
+            <a:effectRef idx="0">
+              <a:schemeClr val="accent5"/>
+            </a:effectRef>
+            <a:fontRef idx="minor">
+              <a:schemeClr val="tx1"/>
+            </a:fontRef>
+          </p:style>
+          <p:txBody>
+            <a:bodyPr rtlCol="0" anchor="ctr"/>
+            <a:lstStyle/>
+            <a:p>
+              <a:pPr algn="ctr"/>
+              <a:endParaRPr lang="en-US"/>
+            </a:p>
+          </p:txBody>
+        </p:sp>
+        <p:cxnSp>
+          <p:nvCxnSpPr>
+            <p:cNvPr id="13" name="Straight Arrow Connector 12">
+              <a:extLst>
+                <a:ext uri="{FF2B5EF4-FFF2-40B4-BE49-F238E27FC236}">
+                  <a16:creationId xmlns:a16="http://schemas.microsoft.com/office/drawing/2014/main" id="{91A0645A-99F1-FB22-5B21-E22B4720ACDB}"/>
+                </a:ext>
+              </a:extLst>
+            </p:cNvPr>
+            <p:cNvCxnSpPr>
+              <a:cxnSpLocks/>
+            </p:cNvCxnSpPr>
+            <p:nvPr/>
+          </p:nvCxnSpPr>
+          <p:spPr>
+            <a:xfrm>
+              <a:off x="6606540" y="4629150"/>
+              <a:ext cx="3909060" cy="224790"/>
+            </a:xfrm>
+            <a:prstGeom prst="straightConnector1">
+              <a:avLst/>
+            </a:prstGeom>
+            <a:ln w="38100">
+              <a:headEnd type="triangle" w="med" len="med"/>
+              <a:tailEnd type="triangle" w="med" len="med"/>
+            </a:ln>
+          </p:spPr>
+          <p:style>
+            <a:lnRef idx="1">
+              <a:schemeClr val="accent5"/>
+            </a:lnRef>
+            <a:fillRef idx="0">
+              <a:schemeClr val="accent5"/>
+            </a:fillRef>
+            <a:effectRef idx="0">
+              <a:schemeClr val="accent5"/>
+            </a:effectRef>
+            <a:fontRef idx="minor">
+              <a:schemeClr val="tx1"/>
+            </a:fontRef>
+          </p:style>
+        </p:cxnSp>
+      </p:grpSp>
+    </p:spTree>
+    <p:extLst>
+      <p:ext uri="{BB962C8B-B14F-4D97-AF65-F5344CB8AC3E}">
+        <p14:creationId xmlns:p14="http://schemas.microsoft.com/office/powerpoint/2010/main" val="1012179514"/>
+      </p:ext>
+    </p:extLst>
+  </p:cSld>
+  <p:clrMapOvr>
+    <a:masterClrMapping/>
+  </p:clrMapOvr>
+</p:sld>
+</file>
+
+<file path=ppt/slides/slide16.xml><?xml version="1.0" encoding="utf-8"?>
 <p:sld xmlns:a="http://schemas.openxmlformats.org/drawingml/2006/main" xmlns:r="http://schemas.openxmlformats.org/officeDocument/2006/relationships" xmlns:p="http://schemas.openxmlformats.org/presentationml/2006/main">
   <p:cSld>
     <p:spTree>
@@ -19610,7 +20419,7 @@
             </a:pPr>
             <a:fld id="{00000000-1234-1234-1234-123412341234}" type="slidenum">
               <a:rPr lang="en-US"/>
-              <a:t>14</a:t>
+              <a:t>16</a:t>
             </a:fld>
             <a:endParaRPr dirty="0"/>
           </a:p>
@@ -19629,7 +20438,7 @@
 </p:sld>
 </file>
 
-<file path=ppt/slides/slide15.xml><?xml version="1.0" encoding="utf-8"?>
+<file path=ppt/slides/slide17.xml><?xml version="1.0" encoding="utf-8"?>
 <p:sld xmlns:a="http://schemas.openxmlformats.org/drawingml/2006/main" xmlns:r="http://schemas.openxmlformats.org/officeDocument/2006/relationships" xmlns:p="http://schemas.openxmlformats.org/presentationml/2006/main">
   <p:cSld>
     <p:spTree>
@@ -19690,10 +20499,10 @@
               <a:buNone/>
             </a:pPr>
             <a:r>
-              <a:rPr lang="en-US"/>
-              <a:t>THANK YOU FOR YOUR TIME!</a:t>
+              <a:rPr lang="en-US" dirty="0"/>
+              <a:t>YOUR QUESTIONS</a:t>
             </a:r>
-            <a:endParaRPr/>
+            <a:endParaRPr dirty="0"/>
           </a:p>
         </p:txBody>
       </p:sp>
@@ -19783,13 +20592,186 @@
             </a:pPr>
             <a:fld id="{00000000-1234-1234-1234-123412341234}" type="slidenum">
               <a:rPr lang="en-US"/>
-              <a:t>15</a:t>
+              <a:t>17</a:t>
             </a:fld>
             <a:endParaRPr/>
           </a:p>
         </p:txBody>
       </p:sp>
     </p:spTree>
+  </p:cSld>
+  <p:clrMapOvr>
+    <a:masterClrMapping/>
+  </p:clrMapOvr>
+</p:sld>
+</file>
+
+<file path=ppt/slides/slide18.xml><?xml version="1.0" encoding="utf-8"?>
+<p:sld xmlns:a="http://schemas.openxmlformats.org/drawingml/2006/main" xmlns:r="http://schemas.openxmlformats.org/officeDocument/2006/relationships" xmlns:p="http://schemas.openxmlformats.org/presentationml/2006/main">
+  <p:cSld>
+    <p:spTree>
+      <p:nvGrpSpPr>
+        <p:cNvPr id="1" name="Shape 270"/>
+        <p:cNvGrpSpPr/>
+        <p:nvPr/>
+      </p:nvGrpSpPr>
+      <p:grpSpPr>
+        <a:xfrm>
+          <a:off x="0" y="0"/>
+          <a:ext cx="0" cy="0"/>
+          <a:chOff x="0" y="0"/>
+          <a:chExt cx="0" cy="0"/>
+        </a:xfrm>
+      </p:grpSpPr>
+      <p:sp>
+        <p:nvSpPr>
+          <p:cNvPr id="271" name="Google Shape;271;p10"/>
+          <p:cNvSpPr txBox="1">
+            <a:spLocks noGrp="1"/>
+          </p:cNvSpPr>
+          <p:nvPr>
+            <p:ph type="title"/>
+          </p:nvPr>
+        </p:nvSpPr>
+        <p:spPr>
+          <a:xfrm>
+            <a:off x="1762125" y="2569632"/>
+            <a:ext cx="8534400" cy="1507067"/>
+          </a:xfrm>
+          <a:prstGeom prst="rect">
+            <a:avLst/>
+          </a:prstGeom>
+          <a:noFill/>
+          <a:ln>
+            <a:noFill/>
+          </a:ln>
+        </p:spPr>
+        <p:txBody>
+          <a:bodyPr spcFirstLastPara="1" wrap="square" lIns="91425" tIns="45700" rIns="91425" bIns="45700" anchor="ctr" anchorCtr="0">
+            <a:normAutofit/>
+          </a:bodyPr>
+          <a:lstStyle/>
+          <a:p>
+            <a:pPr marL="0" lvl="0" indent="0" algn="ctr" rtl="0">
+              <a:spcBef>
+                <a:spcPts val="0"/>
+              </a:spcBef>
+              <a:spcAft>
+                <a:spcPts val="0"/>
+              </a:spcAft>
+              <a:buClr>
+                <a:schemeClr val="lt1"/>
+              </a:buClr>
+              <a:buSzPts val="3600"/>
+              <a:buFont typeface="Century Gothic"/>
+              <a:buNone/>
+            </a:pPr>
+            <a:r>
+              <a:rPr lang="en-US"/>
+              <a:t>THANK YOU FOR YOUR TIME!</a:t>
+            </a:r>
+            <a:endParaRPr/>
+          </a:p>
+        </p:txBody>
+      </p:sp>
+      <p:sp>
+        <p:nvSpPr>
+          <p:cNvPr id="272" name="Google Shape;272;p10"/>
+          <p:cNvSpPr txBox="1">
+            <a:spLocks noGrp="1"/>
+          </p:cNvSpPr>
+          <p:nvPr>
+            <p:ph type="ftr" idx="11"/>
+          </p:nvPr>
+        </p:nvSpPr>
+        <p:spPr>
+          <a:xfrm>
+            <a:off x="684212" y="6172200"/>
+            <a:ext cx="9000000" cy="365125"/>
+          </a:xfrm>
+          <a:prstGeom prst="rect">
+            <a:avLst/>
+          </a:prstGeom>
+          <a:noFill/>
+          <a:ln>
+            <a:noFill/>
+          </a:ln>
+        </p:spPr>
+        <p:txBody>
+          <a:bodyPr spcFirstLastPara="1" wrap="square" lIns="91425" tIns="45700" rIns="91425" bIns="45700" anchor="t" anchorCtr="0">
+            <a:noAutofit/>
+          </a:bodyPr>
+          <a:lstStyle/>
+          <a:p>
+            <a:pPr marL="0" lvl="0" indent="0" algn="l" rtl="0">
+              <a:spcBef>
+                <a:spcPts val="0"/>
+              </a:spcBef>
+              <a:spcAft>
+                <a:spcPts val="0"/>
+              </a:spcAft>
+              <a:buNone/>
+            </a:pPr>
+            <a:r>
+              <a:rPr lang="en-US"/>
+              <a:t>CMP784: Deep Learning, Project Progress Presentation: “dress me up”, Presenters: Tahir Büyükbaşaran, Yusuf Çağrı Öğüt</a:t>
+            </a:r>
+            <a:endParaRPr/>
+          </a:p>
+        </p:txBody>
+      </p:sp>
+      <p:sp>
+        <p:nvSpPr>
+          <p:cNvPr id="273" name="Google Shape;273;p10"/>
+          <p:cNvSpPr txBox="1">
+            <a:spLocks noGrp="1"/>
+          </p:cNvSpPr>
+          <p:nvPr>
+            <p:ph type="sldNum" idx="12"/>
+          </p:nvPr>
+        </p:nvSpPr>
+        <p:spPr>
+          <a:xfrm>
+            <a:off x="10363200" y="5578475"/>
+            <a:ext cx="1142245" cy="669925"/>
+          </a:xfrm>
+          <a:prstGeom prst="rect">
+            <a:avLst/>
+          </a:prstGeom>
+          <a:noFill/>
+          <a:ln>
+            <a:noFill/>
+          </a:ln>
+        </p:spPr>
+        <p:txBody>
+          <a:bodyPr spcFirstLastPara="1" wrap="square" lIns="91425" tIns="45700" rIns="91425" bIns="45700" anchor="b" anchorCtr="0">
+            <a:noAutofit/>
+          </a:bodyPr>
+          <a:lstStyle/>
+          <a:p>
+            <a:pPr marL="0" lvl="0" indent="0" algn="r" rtl="0">
+              <a:spcBef>
+                <a:spcPts val="0"/>
+              </a:spcBef>
+              <a:spcAft>
+                <a:spcPts val="0"/>
+              </a:spcAft>
+              <a:buNone/>
+            </a:pPr>
+            <a:fld id="{00000000-1234-1234-1234-123412341234}" type="slidenum">
+              <a:rPr lang="en-US"/>
+              <a:t>18</a:t>
+            </a:fld>
+            <a:endParaRPr/>
+          </a:p>
+        </p:txBody>
+      </p:sp>
+    </p:spTree>
+    <p:extLst>
+      <p:ext uri="{BB962C8B-B14F-4D97-AF65-F5344CB8AC3E}">
+        <p14:creationId xmlns:p14="http://schemas.microsoft.com/office/powerpoint/2010/main" val="2125646775"/>
+      </p:ext>
+    </p:extLst>
   </p:cSld>
   <p:clrMapOvr>
     <a:masterClrMapping/>
@@ -20996,8 +21978,8 @@
         </p:nvSpPr>
         <p:spPr>
           <a:xfrm>
-            <a:off x="3540600" y="0"/>
-            <a:ext cx="5110800" cy="1507200"/>
+            <a:off x="3540600" y="-1"/>
+            <a:ext cx="5110800" cy="1475875"/>
           </a:xfrm>
           <a:prstGeom prst="rect">
             <a:avLst/>
@@ -21009,11 +21991,11 @@
         </p:spPr>
         <p:txBody>
           <a:bodyPr spcFirstLastPara="1" wrap="square" lIns="91425" tIns="45700" rIns="91425" bIns="45700" anchor="ctr" anchorCtr="0">
-            <a:normAutofit/>
+            <a:normAutofit fontScale="90000"/>
           </a:bodyPr>
           <a:lstStyle/>
           <a:p>
-            <a:pPr marL="0" lvl="0" indent="0" algn="l" rtl="0">
+            <a:pPr marL="0" lvl="0" indent="0" algn="ctr" rtl="0">
               <a:spcBef>
                 <a:spcPts val="0"/>
               </a:spcBef>
@@ -21028,88 +22010,24 @@
               <a:buNone/>
             </a:pPr>
             <a:r>
-              <a:rPr lang="en-US"/>
+              <a:rPr lang="en-US" dirty="0"/>
               <a:t>KEY TECHNICAL IDEAS</a:t>
             </a:r>
-            <a:endParaRPr/>
-          </a:p>
-        </p:txBody>
-      </p:sp>
-      <p:sp>
-        <p:nvSpPr>
-          <p:cNvPr id="228" name="Google Shape;228;p7"/>
-          <p:cNvSpPr txBox="1">
-            <a:spLocks noGrp="1"/>
-          </p:cNvSpPr>
-          <p:nvPr>
-            <p:ph type="body" idx="1"/>
-          </p:nvPr>
-        </p:nvSpPr>
-        <p:spPr>
-          <a:xfrm>
-            <a:off x="1268550" y="1133050"/>
-            <a:ext cx="9654900" cy="4785900"/>
-          </a:xfrm>
-          <a:prstGeom prst="rect">
-            <a:avLst/>
-          </a:prstGeom>
-          <a:noFill/>
-          <a:ln>
-            <a:noFill/>
-          </a:ln>
-        </p:spPr>
-        <p:txBody>
-          <a:bodyPr spcFirstLastPara="1" wrap="square" lIns="91425" tIns="45700" rIns="91425" bIns="45700" anchor="ctr" anchorCtr="0">
-            <a:normAutofit/>
-          </a:bodyPr>
-          <a:lstStyle/>
-          <a:p>
-            <a:pPr marL="285750" lvl="0" indent="-285750" algn="l" rtl="0">
-              <a:spcBef>
-                <a:spcPts val="1000"/>
-              </a:spcBef>
-              <a:spcAft>
-                <a:spcPts val="0"/>
-              </a:spcAft>
-              <a:buSzPts val="1600"/>
-              <a:buChar char="▶"/>
-            </a:pPr>
+            <a:br>
+              <a:rPr lang="en-US" dirty="0"/>
+            </a:br>
             <a:r>
-              <a:rPr lang="en-US" dirty="0">
-                <a:solidFill>
-                  <a:srgbClr val="333333"/>
-                </a:solidFill>
-                <a:latin typeface="Century Gothic" panose="020B0502020202020204" pitchFamily="34" charset="0"/>
-                <a:ea typeface="Arial"/>
-                <a:cs typeface="Arial"/>
-                <a:sym typeface="Arial"/>
-              </a:rPr>
+              <a:rPr lang="en-US" dirty="0"/>
               <a:t>IMAGE CAPTIONING</a:t>
             </a:r>
-          </a:p>
-          <a:p>
-            <a:pPr marL="285750" lvl="0" indent="-285750" algn="l" rtl="0">
-              <a:spcBef>
-                <a:spcPts val="1000"/>
-              </a:spcBef>
-              <a:spcAft>
-                <a:spcPts val="0"/>
-              </a:spcAft>
-              <a:buSzPts val="1600"/>
-              <a:buChar char="▶"/>
-            </a:pPr>
+            <a:br>
+              <a:rPr lang="en-US" dirty="0"/>
+            </a:br>
             <a:r>
-              <a:rPr lang="en-US" dirty="0">
-                <a:solidFill>
-                  <a:srgbClr val="333333"/>
-                </a:solidFill>
-                <a:latin typeface="Century Gothic" panose="020B0502020202020204" pitchFamily="34" charset="0"/>
-                <a:ea typeface="Arial"/>
-                <a:cs typeface="Arial"/>
-                <a:sym typeface="Arial"/>
-              </a:rPr>
-              <a:t>SUGGESTION MODEL</a:t>
+              <a:rPr lang="en-US" dirty="0"/>
+              <a:t>Dataset Preparation</a:t>
             </a:r>
+            <a:endParaRPr dirty="0"/>
           </a:p>
         </p:txBody>
       </p:sp>
@@ -21205,7 +22123,1021 @@
           </a:p>
         </p:txBody>
       </p:sp>
+      <p:pic>
+        <p:nvPicPr>
+          <p:cNvPr id="2" name="Picture 1">
+            <a:extLst>
+              <a:ext uri="{FF2B5EF4-FFF2-40B4-BE49-F238E27FC236}">
+                <a16:creationId xmlns:a16="http://schemas.microsoft.com/office/drawing/2014/main" id="{5398158D-F4D2-8C6D-F577-5A4C92B61205}"/>
+              </a:ext>
+            </a:extLst>
+          </p:cNvPr>
+          <p:cNvPicPr/>
+          <p:nvPr/>
+        </p:nvPicPr>
+        <p:blipFill>
+          <a:blip r:embed="rId3"/>
+          <a:stretch/>
+        </p:blipFill>
+        <p:spPr>
+          <a:xfrm>
+            <a:off x="526655" y="3759809"/>
+            <a:ext cx="11123450" cy="1966021"/>
+          </a:xfrm>
+          <a:prstGeom prst="rect">
+            <a:avLst/>
+          </a:prstGeom>
+          <a:ln w="0">
+            <a:noFill/>
+          </a:ln>
+        </p:spPr>
+      </p:pic>
+      <p:sp>
+        <p:nvSpPr>
+          <p:cNvPr id="4" name="Freeform 97">
+            <a:extLst>
+              <a:ext uri="{FF2B5EF4-FFF2-40B4-BE49-F238E27FC236}">
+                <a16:creationId xmlns:a16="http://schemas.microsoft.com/office/drawing/2014/main" id="{41532F27-F409-69D2-D4F9-D2DF34E0CD5C}"/>
+              </a:ext>
+            </a:extLst>
+          </p:cNvPr>
+          <p:cNvSpPr/>
+          <p:nvPr/>
+        </p:nvSpPr>
+        <p:spPr>
+          <a:xfrm>
+            <a:off x="4136190" y="1932401"/>
+            <a:ext cx="1371240" cy="685440"/>
+          </a:xfrm>
+          <a:custGeom>
+            <a:avLst/>
+            <a:gdLst/>
+            <a:ahLst/>
+            <a:cxnLst/>
+            <a:rect l="l" t="t" r="r" b="b"/>
+            <a:pathLst>
+              <a:path w="21600" h="21600">
+                <a:moveTo>
+                  <a:pt x="0" y="0"/>
+                </a:moveTo>
+                <a:lnTo>
+                  <a:pt x="17990" y="0"/>
+                </a:lnTo>
+                <a:lnTo>
+                  <a:pt x="21600" y="10800"/>
+                </a:lnTo>
+                <a:lnTo>
+                  <a:pt x="17990" y="21600"/>
+                </a:lnTo>
+                <a:lnTo>
+                  <a:pt x="0" y="21600"/>
+                </a:lnTo>
+                <a:lnTo>
+                  <a:pt x="3610" y="10800"/>
+                </a:lnTo>
+                <a:close/>
+              </a:path>
+            </a:pathLst>
+          </a:custGeom>
+          <a:solidFill>
+            <a:srgbClr val="729FCF"/>
+          </a:solidFill>
+          <a:ln w="0">
+            <a:solidFill>
+              <a:srgbClr val="FF0000"/>
+            </a:solidFill>
+          </a:ln>
+        </p:spPr>
+        <p:style>
+          <a:lnRef idx="0">
+            <a:scrgbClr r="0" g="0" b="0"/>
+          </a:lnRef>
+          <a:fillRef idx="0">
+            <a:scrgbClr r="0" g="0" b="0"/>
+          </a:fillRef>
+          <a:effectRef idx="0">
+            <a:scrgbClr r="0" g="0" b="0"/>
+          </a:effectRef>
+          <a:fontRef idx="minor"/>
+        </p:style>
+        <p:txBody>
+          <a:bodyPr lIns="90000" tIns="45000" rIns="90000" bIns="45000" anchor="ctr">
+            <a:noAutofit/>
+          </a:bodyPr>
+          <a:lstStyle/>
+          <a:p>
+            <a:pPr algn="ctr">
+              <a:lnSpc>
+                <a:spcPct val="100000"/>
+              </a:lnSpc>
+              <a:buNone/>
+            </a:pPr>
+            <a:r>
+              <a:rPr lang="en-US" sz="800" b="0" strike="noStrike" spc="-1" dirty="0">
+                <a:solidFill>
+                  <a:srgbClr val="000000"/>
+                </a:solidFill>
+                <a:latin typeface="Arial"/>
+                <a:ea typeface="DejaVu Sans"/>
+              </a:rPr>
+              <a:t>Air Clothing</a:t>
+            </a:r>
+            <a:endParaRPr lang="en-US" sz="800" b="0" strike="noStrike" spc="-1" dirty="0">
+              <a:latin typeface="Arial"/>
+            </a:endParaRPr>
+          </a:p>
+        </p:txBody>
+      </p:sp>
+      <p:pic>
+        <p:nvPicPr>
+          <p:cNvPr id="5" name="Picture 4">
+            <a:extLst>
+              <a:ext uri="{FF2B5EF4-FFF2-40B4-BE49-F238E27FC236}">
+                <a16:creationId xmlns:a16="http://schemas.microsoft.com/office/drawing/2014/main" id="{2000E974-5289-AFED-ED2E-0F7302C276CC}"/>
+              </a:ext>
+            </a:extLst>
+          </p:cNvPr>
+          <p:cNvPicPr/>
+          <p:nvPr/>
+        </p:nvPicPr>
+        <p:blipFill>
+          <a:blip r:embed="rId4"/>
+          <a:stretch/>
+        </p:blipFill>
+        <p:spPr>
+          <a:xfrm>
+            <a:off x="6756761" y="1547602"/>
+            <a:ext cx="4583513" cy="1828080"/>
+          </a:xfrm>
+          <a:prstGeom prst="rect">
+            <a:avLst/>
+          </a:prstGeom>
+          <a:ln w="0">
+            <a:noFill/>
+          </a:ln>
+        </p:spPr>
+      </p:pic>
+      <p:grpSp>
+        <p:nvGrpSpPr>
+          <p:cNvPr id="7" name="Group 6">
+            <a:extLst>
+              <a:ext uri="{FF2B5EF4-FFF2-40B4-BE49-F238E27FC236}">
+                <a16:creationId xmlns:a16="http://schemas.microsoft.com/office/drawing/2014/main" id="{2A679DFD-3A34-EF12-0E92-E7A1614BE56E}"/>
+              </a:ext>
+            </a:extLst>
+          </p:cNvPr>
+          <p:cNvGrpSpPr/>
+          <p:nvPr/>
+        </p:nvGrpSpPr>
+        <p:grpSpPr>
+          <a:xfrm>
+            <a:off x="534275" y="1172572"/>
+            <a:ext cx="2352584" cy="2256428"/>
+            <a:chOff x="534275" y="1172572"/>
+            <a:chExt cx="2352584" cy="2256428"/>
+          </a:xfrm>
+        </p:grpSpPr>
+        <p:pic>
+          <p:nvPicPr>
+            <p:cNvPr id="3" name="Picture 2">
+              <a:extLst>
+                <a:ext uri="{FF2B5EF4-FFF2-40B4-BE49-F238E27FC236}">
+                  <a16:creationId xmlns:a16="http://schemas.microsoft.com/office/drawing/2014/main" id="{28F62AE0-79A1-FB87-14D6-E59F102D8127}"/>
+                </a:ext>
+              </a:extLst>
+            </p:cNvPr>
+            <p:cNvPicPr/>
+            <p:nvPr/>
+          </p:nvPicPr>
+          <p:blipFill>
+            <a:blip r:embed="rId5"/>
+            <a:stretch/>
+          </p:blipFill>
+          <p:spPr>
+            <a:xfrm>
+              <a:off x="1051940" y="1172572"/>
+              <a:ext cx="1218600" cy="1828080"/>
+            </a:xfrm>
+            <a:prstGeom prst="rect">
+              <a:avLst/>
+            </a:prstGeom>
+            <a:ln w="0">
+              <a:noFill/>
+            </a:ln>
+          </p:spPr>
+        </p:pic>
+        <p:sp>
+          <p:nvSpPr>
+            <p:cNvPr id="6" name="TextBox 5">
+              <a:extLst>
+                <a:ext uri="{FF2B5EF4-FFF2-40B4-BE49-F238E27FC236}">
+                  <a16:creationId xmlns:a16="http://schemas.microsoft.com/office/drawing/2014/main" id="{1DF6302A-95BB-B3EE-D39B-E1F0CE37AE12}"/>
+                </a:ext>
+              </a:extLst>
+            </p:cNvPr>
+            <p:cNvSpPr txBox="1"/>
+            <p:nvPr/>
+          </p:nvSpPr>
+          <p:spPr>
+            <a:xfrm>
+              <a:off x="534275" y="2998113"/>
+              <a:ext cx="2352584" cy="430887"/>
+            </a:xfrm>
+            <a:prstGeom prst="rect">
+              <a:avLst/>
+            </a:prstGeom>
+            <a:noFill/>
+          </p:spPr>
+          <p:txBody>
+            <a:bodyPr wrap="square" rtlCol="0">
+              <a:spAutoFit/>
+            </a:bodyPr>
+            <a:lstStyle/>
+            <a:p>
+              <a:r>
+                <a:rPr lang="en-US" sz="1100" b="0" strike="noStrike" spc="-1" dirty="0" err="1">
+                  <a:latin typeface="Arial"/>
+                </a:rPr>
+                <a:t>Netilook</a:t>
+              </a:r>
+              <a:r>
+                <a:rPr lang="en-US" sz="1100" b="0" strike="noStrike" spc="-1" dirty="0">
+                  <a:latin typeface="Arial"/>
+                </a:rPr>
+                <a:t>/</a:t>
+              </a:r>
+              <a:r>
+                <a:rPr lang="en-US" sz="1100" b="0" strike="noStrike" spc="-1" dirty="0" err="1">
+                  <a:latin typeface="Arial"/>
+                </a:rPr>
+                <a:t>img</a:t>
+              </a:r>
+              <a:r>
+                <a:rPr lang="en-US" sz="1100" b="0" strike="noStrike" spc="-1" dirty="0">
+                  <a:latin typeface="Arial"/>
+                </a:rPr>
+                <a:t>/001/000/635/01.jpg</a:t>
+              </a:r>
+            </a:p>
+            <a:p>
+              <a:endParaRPr lang="en-US" sz="1100" dirty="0"/>
+            </a:p>
+          </p:txBody>
+        </p:sp>
+      </p:grpSp>
+      <p:cxnSp>
+        <p:nvCxnSpPr>
+          <p:cNvPr id="9" name="Straight Arrow Connector 8">
+            <a:extLst>
+              <a:ext uri="{FF2B5EF4-FFF2-40B4-BE49-F238E27FC236}">
+                <a16:creationId xmlns:a16="http://schemas.microsoft.com/office/drawing/2014/main" id="{D4B32CD3-1861-BDB8-2981-F880C3294392}"/>
+              </a:ext>
+            </a:extLst>
+          </p:cNvPr>
+          <p:cNvCxnSpPr>
+            <a:cxnSpLocks/>
+            <a:stCxn id="3" idx="3"/>
+          </p:cNvCxnSpPr>
+          <p:nvPr/>
+        </p:nvCxnSpPr>
+        <p:spPr>
+          <a:xfrm>
+            <a:off x="2270540" y="2086612"/>
+            <a:ext cx="2070641" cy="188509"/>
+          </a:xfrm>
+          <a:prstGeom prst="straightConnector1">
+            <a:avLst/>
+          </a:prstGeom>
+          <a:ln w="38100">
+            <a:tailEnd type="triangle"/>
+          </a:ln>
+        </p:spPr>
+        <p:style>
+          <a:lnRef idx="1">
+            <a:schemeClr val="accent5"/>
+          </a:lnRef>
+          <a:fillRef idx="0">
+            <a:schemeClr val="accent5"/>
+          </a:fillRef>
+          <a:effectRef idx="0">
+            <a:schemeClr val="accent5"/>
+          </a:effectRef>
+          <a:fontRef idx="minor">
+            <a:schemeClr val="tx1"/>
+          </a:fontRef>
+        </p:style>
+      </p:cxnSp>
+      <p:sp>
+        <p:nvSpPr>
+          <p:cNvPr id="11" name="TextBox 10">
+            <a:extLst>
+              <a:ext uri="{FF2B5EF4-FFF2-40B4-BE49-F238E27FC236}">
+                <a16:creationId xmlns:a16="http://schemas.microsoft.com/office/drawing/2014/main" id="{943E1813-A83E-18F2-155C-4845C8FBB4F0}"/>
+              </a:ext>
+            </a:extLst>
+          </p:cNvPr>
+          <p:cNvSpPr txBox="1"/>
+          <p:nvPr/>
+        </p:nvSpPr>
+        <p:spPr>
+          <a:xfrm>
+            <a:off x="5530075" y="1509726"/>
+            <a:ext cx="1427016" cy="938719"/>
+          </a:xfrm>
+          <a:prstGeom prst="rect">
+            <a:avLst/>
+          </a:prstGeom>
+          <a:noFill/>
+        </p:spPr>
+        <p:txBody>
+          <a:bodyPr wrap="square" rtlCol="0">
+            <a:spAutoFit/>
+          </a:bodyPr>
+          <a:lstStyle/>
+          <a:p>
+            <a:r>
+              <a:rPr lang="en-US" sz="1100" b="0" strike="noStrike" spc="-1" dirty="0">
+                <a:latin typeface="Arial"/>
+              </a:rPr>
+              <a:t>brown no pattern woman summer dress short sleeves   woman</a:t>
+            </a:r>
+          </a:p>
+          <a:p>
+            <a:endParaRPr lang="en-US" sz="1100" dirty="0"/>
+          </a:p>
+        </p:txBody>
+      </p:sp>
+      <p:cxnSp>
+        <p:nvCxnSpPr>
+          <p:cNvPr id="12" name="Straight Arrow Connector 11">
+            <a:extLst>
+              <a:ext uri="{FF2B5EF4-FFF2-40B4-BE49-F238E27FC236}">
+                <a16:creationId xmlns:a16="http://schemas.microsoft.com/office/drawing/2014/main" id="{9A11DD2C-DD13-3D7E-7AE7-B721A239E68B}"/>
+              </a:ext>
+            </a:extLst>
+          </p:cNvPr>
+          <p:cNvCxnSpPr>
+            <a:cxnSpLocks/>
+            <a:endCxn id="5" idx="1"/>
+          </p:cNvCxnSpPr>
+          <p:nvPr/>
+        </p:nvCxnSpPr>
+        <p:spPr>
+          <a:xfrm>
+            <a:off x="5507430" y="2275121"/>
+            <a:ext cx="1249331" cy="186521"/>
+          </a:xfrm>
+          <a:prstGeom prst="straightConnector1">
+            <a:avLst/>
+          </a:prstGeom>
+          <a:ln w="38100">
+            <a:tailEnd type="triangle"/>
+          </a:ln>
+        </p:spPr>
+        <p:style>
+          <a:lnRef idx="1">
+            <a:schemeClr val="accent5"/>
+          </a:lnRef>
+          <a:fillRef idx="0">
+            <a:schemeClr val="accent5"/>
+          </a:fillRef>
+          <a:effectRef idx="0">
+            <a:schemeClr val="accent5"/>
+          </a:effectRef>
+          <a:fontRef idx="minor">
+            <a:schemeClr val="tx1"/>
+          </a:fontRef>
+        </p:style>
+      </p:cxnSp>
+      <p:sp>
+        <p:nvSpPr>
+          <p:cNvPr id="15" name="Rectangle 14">
+            <a:extLst>
+              <a:ext uri="{FF2B5EF4-FFF2-40B4-BE49-F238E27FC236}">
+                <a16:creationId xmlns:a16="http://schemas.microsoft.com/office/drawing/2014/main" id="{33EF338F-889E-7700-250C-AFA03D612081}"/>
+              </a:ext>
+            </a:extLst>
+          </p:cNvPr>
+          <p:cNvSpPr/>
+          <p:nvPr/>
+        </p:nvSpPr>
+        <p:spPr>
+          <a:xfrm>
+            <a:off x="2010460" y="5189219"/>
+            <a:ext cx="443180" cy="251461"/>
+          </a:xfrm>
+          <a:prstGeom prst="rect">
+            <a:avLst/>
+          </a:prstGeom>
+          <a:ln w="38100">
+            <a:tailEnd type="triangle"/>
+          </a:ln>
+        </p:spPr>
+        <p:style>
+          <a:lnRef idx="1">
+            <a:schemeClr val="accent5"/>
+          </a:lnRef>
+          <a:fillRef idx="0">
+            <a:schemeClr val="accent5"/>
+          </a:fillRef>
+          <a:effectRef idx="0">
+            <a:schemeClr val="accent5"/>
+          </a:effectRef>
+          <a:fontRef idx="minor">
+            <a:schemeClr val="tx1"/>
+          </a:fontRef>
+        </p:style>
+        <p:txBody>
+          <a:bodyPr rtlCol="0" anchor="ctr"/>
+          <a:lstStyle/>
+          <a:p>
+            <a:pPr algn="ctr"/>
+            <a:endParaRPr lang="en-US"/>
+          </a:p>
+        </p:txBody>
+      </p:sp>
+      <p:cxnSp>
+        <p:nvCxnSpPr>
+          <p:cNvPr id="16" name="Straight Arrow Connector 15">
+            <a:extLst>
+              <a:ext uri="{FF2B5EF4-FFF2-40B4-BE49-F238E27FC236}">
+                <a16:creationId xmlns:a16="http://schemas.microsoft.com/office/drawing/2014/main" id="{1A09B3A7-9F29-3EE9-FA99-C33E8F6B0D0A}"/>
+              </a:ext>
+            </a:extLst>
+          </p:cNvPr>
+          <p:cNvCxnSpPr>
+            <a:cxnSpLocks/>
+          </p:cNvCxnSpPr>
+          <p:nvPr/>
+        </p:nvCxnSpPr>
+        <p:spPr>
+          <a:xfrm>
+            <a:off x="1614940" y="3262622"/>
+            <a:ext cx="655600" cy="1812298"/>
+          </a:xfrm>
+          <a:prstGeom prst="straightConnector1">
+            <a:avLst/>
+          </a:prstGeom>
+          <a:ln w="38100">
+            <a:headEnd type="triangle" w="med" len="med"/>
+            <a:tailEnd type="triangle" w="med" len="med"/>
+          </a:ln>
+        </p:spPr>
+        <p:style>
+          <a:lnRef idx="1">
+            <a:schemeClr val="accent5"/>
+          </a:lnRef>
+          <a:fillRef idx="0">
+            <a:schemeClr val="accent5"/>
+          </a:fillRef>
+          <a:effectRef idx="0">
+            <a:schemeClr val="accent5"/>
+          </a:effectRef>
+          <a:fontRef idx="minor">
+            <a:schemeClr val="tx1"/>
+          </a:fontRef>
+        </p:style>
+      </p:cxnSp>
+      <p:sp>
+        <p:nvSpPr>
+          <p:cNvPr id="18" name="Rectangle 17">
+            <a:extLst>
+              <a:ext uri="{FF2B5EF4-FFF2-40B4-BE49-F238E27FC236}">
+                <a16:creationId xmlns:a16="http://schemas.microsoft.com/office/drawing/2014/main" id="{14574484-FEB8-32A6-FEC3-9811AD7AEDDD}"/>
+              </a:ext>
+            </a:extLst>
+          </p:cNvPr>
+          <p:cNvSpPr/>
+          <p:nvPr/>
+        </p:nvSpPr>
+        <p:spPr>
+          <a:xfrm>
+            <a:off x="7780020" y="1547603"/>
+            <a:ext cx="119380" cy="1787418"/>
+          </a:xfrm>
+          <a:prstGeom prst="rect">
+            <a:avLst/>
+          </a:prstGeom>
+          <a:ln w="19050">
+            <a:tailEnd type="triangle"/>
+          </a:ln>
+        </p:spPr>
+        <p:style>
+          <a:lnRef idx="1">
+            <a:schemeClr val="accent5"/>
+          </a:lnRef>
+          <a:fillRef idx="0">
+            <a:schemeClr val="accent5"/>
+          </a:fillRef>
+          <a:effectRef idx="0">
+            <a:schemeClr val="accent5"/>
+          </a:effectRef>
+          <a:fontRef idx="minor">
+            <a:schemeClr val="tx1"/>
+          </a:fontRef>
+        </p:style>
+        <p:txBody>
+          <a:bodyPr rtlCol="0" anchor="ctr"/>
+          <a:lstStyle/>
+          <a:p>
+            <a:pPr algn="ctr"/>
+            <a:endParaRPr lang="en-US"/>
+          </a:p>
+        </p:txBody>
+      </p:sp>
+      <p:sp>
+        <p:nvSpPr>
+          <p:cNvPr id="19" name="Rectangle 18">
+            <a:extLst>
+              <a:ext uri="{FF2B5EF4-FFF2-40B4-BE49-F238E27FC236}">
+                <a16:creationId xmlns:a16="http://schemas.microsoft.com/office/drawing/2014/main" id="{8EB678B0-B034-B801-1FA4-6CFD123C7215}"/>
+              </a:ext>
+            </a:extLst>
+          </p:cNvPr>
+          <p:cNvSpPr/>
+          <p:nvPr/>
+        </p:nvSpPr>
+        <p:spPr>
+          <a:xfrm>
+            <a:off x="4442460" y="4944591"/>
+            <a:ext cx="815340" cy="496089"/>
+          </a:xfrm>
+          <a:prstGeom prst="rect">
+            <a:avLst/>
+          </a:prstGeom>
+          <a:ln w="38100">
+            <a:tailEnd type="triangle"/>
+          </a:ln>
+        </p:spPr>
+        <p:style>
+          <a:lnRef idx="1">
+            <a:schemeClr val="accent5"/>
+          </a:lnRef>
+          <a:fillRef idx="0">
+            <a:schemeClr val="accent5"/>
+          </a:fillRef>
+          <a:effectRef idx="0">
+            <a:schemeClr val="accent5"/>
+          </a:effectRef>
+          <a:fontRef idx="minor">
+            <a:schemeClr val="tx1"/>
+          </a:fontRef>
+        </p:style>
+        <p:txBody>
+          <a:bodyPr rtlCol="0" anchor="ctr"/>
+          <a:lstStyle/>
+          <a:p>
+            <a:pPr algn="ctr"/>
+            <a:endParaRPr lang="en-US"/>
+          </a:p>
+        </p:txBody>
+      </p:sp>
+      <p:cxnSp>
+        <p:nvCxnSpPr>
+          <p:cNvPr id="20" name="Straight Arrow Connector 19">
+            <a:extLst>
+              <a:ext uri="{FF2B5EF4-FFF2-40B4-BE49-F238E27FC236}">
+                <a16:creationId xmlns:a16="http://schemas.microsoft.com/office/drawing/2014/main" id="{6D7AACAF-9944-6988-7C75-513E16CA117F}"/>
+              </a:ext>
+            </a:extLst>
+          </p:cNvPr>
+          <p:cNvCxnSpPr>
+            <a:cxnSpLocks/>
+          </p:cNvCxnSpPr>
+          <p:nvPr/>
+        </p:nvCxnSpPr>
+        <p:spPr>
+          <a:xfrm flipV="1">
+            <a:off x="5257800" y="2572660"/>
+            <a:ext cx="2522220" cy="2379551"/>
+          </a:xfrm>
+          <a:prstGeom prst="straightConnector1">
+            <a:avLst/>
+          </a:prstGeom>
+          <a:ln w="38100">
+            <a:tailEnd type="triangle"/>
+          </a:ln>
+        </p:spPr>
+        <p:style>
+          <a:lnRef idx="1">
+            <a:schemeClr val="accent5"/>
+          </a:lnRef>
+          <a:fillRef idx="0">
+            <a:schemeClr val="accent5"/>
+          </a:fillRef>
+          <a:effectRef idx="0">
+            <a:schemeClr val="accent5"/>
+          </a:effectRef>
+          <a:fontRef idx="minor">
+            <a:schemeClr val="tx1"/>
+          </a:fontRef>
+        </p:style>
+      </p:cxnSp>
+      <p:sp>
+        <p:nvSpPr>
+          <p:cNvPr id="23" name="Rectangle 22">
+            <a:extLst>
+              <a:ext uri="{FF2B5EF4-FFF2-40B4-BE49-F238E27FC236}">
+                <a16:creationId xmlns:a16="http://schemas.microsoft.com/office/drawing/2014/main" id="{289ECAC3-E0C5-08DC-0C3B-D833C4D4F41B}"/>
+              </a:ext>
+            </a:extLst>
+          </p:cNvPr>
+          <p:cNvSpPr/>
+          <p:nvPr/>
+        </p:nvSpPr>
+        <p:spPr>
+          <a:xfrm>
+            <a:off x="5222240" y="4944591"/>
+            <a:ext cx="736600" cy="496089"/>
+          </a:xfrm>
+          <a:prstGeom prst="rect">
+            <a:avLst/>
+          </a:prstGeom>
+          <a:ln w="38100">
+            <a:tailEnd type="triangle"/>
+          </a:ln>
+        </p:spPr>
+        <p:style>
+          <a:lnRef idx="1">
+            <a:schemeClr val="accent5"/>
+          </a:lnRef>
+          <a:fillRef idx="0">
+            <a:schemeClr val="accent5"/>
+          </a:fillRef>
+          <a:effectRef idx="0">
+            <a:schemeClr val="accent5"/>
+          </a:effectRef>
+          <a:fontRef idx="minor">
+            <a:schemeClr val="tx1"/>
+          </a:fontRef>
+        </p:style>
+        <p:txBody>
+          <a:bodyPr rtlCol="0" anchor="ctr"/>
+          <a:lstStyle/>
+          <a:p>
+            <a:pPr algn="ctr"/>
+            <a:endParaRPr lang="en-US"/>
+          </a:p>
+        </p:txBody>
+      </p:sp>
+      <p:cxnSp>
+        <p:nvCxnSpPr>
+          <p:cNvPr id="24" name="Straight Arrow Connector 23">
+            <a:extLst>
+              <a:ext uri="{FF2B5EF4-FFF2-40B4-BE49-F238E27FC236}">
+                <a16:creationId xmlns:a16="http://schemas.microsoft.com/office/drawing/2014/main" id="{A5C37F64-2891-F80C-EB11-5610DAB91D15}"/>
+              </a:ext>
+            </a:extLst>
+          </p:cNvPr>
+          <p:cNvCxnSpPr>
+            <a:cxnSpLocks/>
+          </p:cNvCxnSpPr>
+          <p:nvPr/>
+        </p:nvCxnSpPr>
+        <p:spPr>
+          <a:xfrm flipV="1">
+            <a:off x="5907024" y="4608576"/>
+            <a:ext cx="1172153" cy="336015"/>
+          </a:xfrm>
+          <a:prstGeom prst="straightConnector1">
+            <a:avLst/>
+          </a:prstGeom>
+          <a:ln w="38100">
+            <a:tailEnd type="triangle"/>
+          </a:ln>
+        </p:spPr>
+        <p:style>
+          <a:lnRef idx="1">
+            <a:schemeClr val="accent5"/>
+          </a:lnRef>
+          <a:fillRef idx="0">
+            <a:schemeClr val="accent5"/>
+          </a:fillRef>
+          <a:effectRef idx="0">
+            <a:schemeClr val="accent5"/>
+          </a:effectRef>
+          <a:fontRef idx="minor">
+            <a:schemeClr val="tx1"/>
+          </a:fontRef>
+        </p:style>
+      </p:cxnSp>
+      <p:sp>
+        <p:nvSpPr>
+          <p:cNvPr id="28" name="TextBox 27">
+            <a:extLst>
+              <a:ext uri="{FF2B5EF4-FFF2-40B4-BE49-F238E27FC236}">
+                <a16:creationId xmlns:a16="http://schemas.microsoft.com/office/drawing/2014/main" id="{68462ACE-C37F-1E77-9470-3877C8EF355F}"/>
+              </a:ext>
+            </a:extLst>
+          </p:cNvPr>
+          <p:cNvSpPr txBox="1"/>
+          <p:nvPr/>
+        </p:nvSpPr>
+        <p:spPr>
+          <a:xfrm>
+            <a:off x="6213790" y="4302071"/>
+            <a:ext cx="4122327" cy="430887"/>
+          </a:xfrm>
+          <a:prstGeom prst="rect">
+            <a:avLst/>
+          </a:prstGeom>
+          <a:noFill/>
+        </p:spPr>
+        <p:txBody>
+          <a:bodyPr wrap="square" rtlCol="0">
+            <a:spAutoFit/>
+          </a:bodyPr>
+          <a:lstStyle/>
+          <a:p>
+            <a:r>
+              <a:rPr lang="en-US" sz="1100" b="0" strike="noStrike" spc="-1" dirty="0">
+                <a:latin typeface="Arial"/>
+              </a:rPr>
+              <a:t>≥1</a:t>
+            </a:r>
+          </a:p>
+          <a:p>
+            <a:endParaRPr lang="en-US" sz="1100" dirty="0"/>
+          </a:p>
+        </p:txBody>
+      </p:sp>
+      <p:cxnSp>
+        <p:nvCxnSpPr>
+          <p:cNvPr id="29" name="Straight Arrow Connector 28">
+            <a:extLst>
+              <a:ext uri="{FF2B5EF4-FFF2-40B4-BE49-F238E27FC236}">
+                <a16:creationId xmlns:a16="http://schemas.microsoft.com/office/drawing/2014/main" id="{8924A719-C4E5-D1CB-B08E-9E96533BE670}"/>
+              </a:ext>
+            </a:extLst>
+          </p:cNvPr>
+          <p:cNvCxnSpPr>
+            <a:cxnSpLocks/>
+          </p:cNvCxnSpPr>
+          <p:nvPr/>
+        </p:nvCxnSpPr>
+        <p:spPr>
+          <a:xfrm>
+            <a:off x="4821810" y="2617841"/>
+            <a:ext cx="0" cy="253415"/>
+          </a:xfrm>
+          <a:prstGeom prst="straightConnector1">
+            <a:avLst/>
+          </a:prstGeom>
+          <a:ln w="38100">
+            <a:tailEnd type="triangle"/>
+          </a:ln>
+        </p:spPr>
+        <p:style>
+          <a:lnRef idx="1">
+            <a:schemeClr val="accent5"/>
+          </a:lnRef>
+          <a:fillRef idx="0">
+            <a:schemeClr val="accent5"/>
+          </a:fillRef>
+          <a:effectRef idx="0">
+            <a:schemeClr val="accent5"/>
+          </a:effectRef>
+          <a:fontRef idx="minor">
+            <a:schemeClr val="tx1"/>
+          </a:fontRef>
+        </p:style>
+      </p:cxnSp>
+      <p:sp>
+        <p:nvSpPr>
+          <p:cNvPr id="37" name="TextBox 36">
+            <a:extLst>
+              <a:ext uri="{FF2B5EF4-FFF2-40B4-BE49-F238E27FC236}">
+                <a16:creationId xmlns:a16="http://schemas.microsoft.com/office/drawing/2014/main" id="{49D754E3-E554-EE25-EDE7-91A45AC71DF1}"/>
+              </a:ext>
+            </a:extLst>
+          </p:cNvPr>
+          <p:cNvSpPr txBox="1"/>
+          <p:nvPr/>
+        </p:nvSpPr>
+        <p:spPr>
+          <a:xfrm>
+            <a:off x="4204773" y="2814432"/>
+            <a:ext cx="1427016" cy="600164"/>
+          </a:xfrm>
+          <a:prstGeom prst="rect">
+            <a:avLst/>
+          </a:prstGeom>
+          <a:noFill/>
+        </p:spPr>
+        <p:txBody>
+          <a:bodyPr wrap="square" rtlCol="0">
+            <a:spAutoFit/>
+          </a:bodyPr>
+          <a:lstStyle/>
+          <a:p>
+            <a:r>
+              <a:rPr lang="en-US" sz="1100" b="0" strike="noStrike" spc="-1" dirty="0">
+                <a:latin typeface="Arial"/>
+              </a:rPr>
+              <a:t>Image2text, YOLOv3 based</a:t>
+            </a:r>
+          </a:p>
+          <a:p>
+            <a:endParaRPr lang="en-US" sz="1100" dirty="0"/>
+          </a:p>
+        </p:txBody>
+      </p:sp>
+      <p:sp>
+        <p:nvSpPr>
+          <p:cNvPr id="38" name="TextBox 37">
+            <a:extLst>
+              <a:ext uri="{FF2B5EF4-FFF2-40B4-BE49-F238E27FC236}">
+                <a16:creationId xmlns:a16="http://schemas.microsoft.com/office/drawing/2014/main" id="{38A2C00A-173C-7627-126A-08B2830C5EAE}"/>
+              </a:ext>
+            </a:extLst>
+          </p:cNvPr>
+          <p:cNvSpPr txBox="1"/>
+          <p:nvPr/>
+        </p:nvSpPr>
+        <p:spPr>
+          <a:xfrm>
+            <a:off x="316254" y="376498"/>
+            <a:ext cx="3160453" cy="1169551"/>
+          </a:xfrm>
+          <a:prstGeom prst="rect">
+            <a:avLst/>
+          </a:prstGeom>
+          <a:noFill/>
+        </p:spPr>
+        <p:txBody>
+          <a:bodyPr wrap="square" rtlCol="0">
+            <a:spAutoFit/>
+          </a:bodyPr>
+          <a:lstStyle/>
+          <a:p>
+            <a:r>
+              <a:rPr lang="en-US" dirty="0"/>
+              <a:t>Preprocessing:</a:t>
+            </a:r>
+          </a:p>
+          <a:p>
+            <a:pPr marL="171450" indent="-171450">
+              <a:buFont typeface="Arial" panose="020B0604020202020204" pitchFamily="34" charset="0"/>
+              <a:buChar char="•"/>
+            </a:pPr>
+            <a:r>
+              <a:rPr lang="en-US" dirty="0"/>
+              <a:t>Filtering broken images</a:t>
+            </a:r>
+          </a:p>
+          <a:p>
+            <a:pPr marL="171450" indent="-171450">
+              <a:buFont typeface="Arial" panose="020B0604020202020204" pitchFamily="34" charset="0"/>
+              <a:buChar char="•"/>
+            </a:pPr>
+            <a:r>
+              <a:rPr lang="en-US" dirty="0"/>
+              <a:t>Text sanitizing (space removal etc.)</a:t>
+            </a:r>
+          </a:p>
+          <a:p>
+            <a:pPr marL="171450" indent="-171450">
+              <a:buFont typeface="Arial" panose="020B0604020202020204" pitchFamily="34" charset="0"/>
+              <a:buChar char="•"/>
+            </a:pPr>
+            <a:endParaRPr lang="en-US" dirty="0"/>
+          </a:p>
+          <a:p>
+            <a:pPr marL="171450" indent="-171450">
+              <a:buFont typeface="Arial" panose="020B0604020202020204" pitchFamily="34" charset="0"/>
+              <a:buChar char="•"/>
+            </a:pPr>
+            <a:endParaRPr lang="en-US" dirty="0"/>
+          </a:p>
+        </p:txBody>
+      </p:sp>
+      <p:sp>
+        <p:nvSpPr>
+          <p:cNvPr id="39" name="TextBox 38">
+            <a:extLst>
+              <a:ext uri="{FF2B5EF4-FFF2-40B4-BE49-F238E27FC236}">
+                <a16:creationId xmlns:a16="http://schemas.microsoft.com/office/drawing/2014/main" id="{2561463F-EF9B-FE6F-14B9-44AF4204F00E}"/>
+              </a:ext>
+            </a:extLst>
+          </p:cNvPr>
+          <p:cNvSpPr txBox="1"/>
+          <p:nvPr/>
+        </p:nvSpPr>
+        <p:spPr>
+          <a:xfrm>
+            <a:off x="8791610" y="279416"/>
+            <a:ext cx="3160453" cy="1384995"/>
+          </a:xfrm>
+          <a:prstGeom prst="rect">
+            <a:avLst/>
+          </a:prstGeom>
+          <a:noFill/>
+        </p:spPr>
+        <p:txBody>
+          <a:bodyPr wrap="square" rtlCol="0">
+            <a:spAutoFit/>
+          </a:bodyPr>
+          <a:lstStyle/>
+          <a:p>
+            <a:r>
+              <a:rPr lang="en-US" dirty="0"/>
+              <a:t>3 Datasets combined:</a:t>
+            </a:r>
+          </a:p>
+          <a:p>
+            <a:pPr marL="171450" indent="-171450">
+              <a:buFont typeface="Arial" panose="020B0604020202020204" pitchFamily="34" charset="0"/>
+              <a:buChar char="•"/>
+            </a:pPr>
+            <a:r>
+              <a:rPr lang="en-US" dirty="0"/>
+              <a:t># of comments</a:t>
+            </a:r>
+          </a:p>
+          <a:p>
+            <a:pPr marL="171450" indent="-171450">
+              <a:buFont typeface="Arial" panose="020B0604020202020204" pitchFamily="34" charset="0"/>
+              <a:buChar char="•"/>
+            </a:pPr>
+            <a:r>
+              <a:rPr lang="en-US" dirty="0"/>
+              <a:t>Image path</a:t>
+            </a:r>
+          </a:p>
+          <a:p>
+            <a:pPr marL="171450" indent="-171450">
+              <a:buFont typeface="Arial" panose="020B0604020202020204" pitchFamily="34" charset="0"/>
+              <a:buChar char="•"/>
+            </a:pPr>
+            <a:r>
+              <a:rPr lang="en-US" dirty="0"/>
+              <a:t>Image text</a:t>
+            </a:r>
+          </a:p>
+          <a:p>
+            <a:pPr marL="171450" indent="-171450">
+              <a:buFont typeface="Arial" panose="020B0604020202020204" pitchFamily="34" charset="0"/>
+              <a:buChar char="•"/>
+            </a:pPr>
+            <a:endParaRPr lang="en-US" dirty="0"/>
+          </a:p>
+          <a:p>
+            <a:pPr marL="171450" indent="-171450">
+              <a:buFont typeface="Arial" panose="020B0604020202020204" pitchFamily="34" charset="0"/>
+              <a:buChar char="•"/>
+            </a:pPr>
+            <a:endParaRPr lang="en-US" dirty="0"/>
+          </a:p>
+        </p:txBody>
+      </p:sp>
+      <p:cxnSp>
+        <p:nvCxnSpPr>
+          <p:cNvPr id="40" name="Straight Arrow Connector 39">
+            <a:extLst>
+              <a:ext uri="{FF2B5EF4-FFF2-40B4-BE49-F238E27FC236}">
+                <a16:creationId xmlns:a16="http://schemas.microsoft.com/office/drawing/2014/main" id="{E4F9673F-E3F9-54A7-2928-73F8A8F6E4F5}"/>
+              </a:ext>
+            </a:extLst>
+          </p:cNvPr>
+          <p:cNvCxnSpPr>
+            <a:cxnSpLocks/>
+            <a:endCxn id="39" idx="1"/>
+          </p:cNvCxnSpPr>
+          <p:nvPr/>
+        </p:nvCxnSpPr>
+        <p:spPr>
+          <a:xfrm flipV="1">
+            <a:off x="8456052" y="971914"/>
+            <a:ext cx="335558" cy="547692"/>
+          </a:xfrm>
+          <a:prstGeom prst="straightConnector1">
+            <a:avLst/>
+          </a:prstGeom>
+          <a:ln w="38100">
+            <a:tailEnd type="triangle"/>
+          </a:ln>
+        </p:spPr>
+        <p:style>
+          <a:lnRef idx="1">
+            <a:schemeClr val="accent5"/>
+          </a:lnRef>
+          <a:fillRef idx="0">
+            <a:schemeClr val="accent5"/>
+          </a:fillRef>
+          <a:effectRef idx="0">
+            <a:schemeClr val="accent5"/>
+          </a:effectRef>
+          <a:fontRef idx="minor">
+            <a:schemeClr val="tx1"/>
+          </a:fontRef>
+        </p:style>
+      </p:cxnSp>
     </p:spTree>
+    <p:extLst>
+      <p:ext uri="{BB962C8B-B14F-4D97-AF65-F5344CB8AC3E}">
+        <p14:creationId xmlns:p14="http://schemas.microsoft.com/office/powerpoint/2010/main" val="362438242"/>
+      </p:ext>
+    </p:extLst>
   </p:cSld>
   <p:clrMapOvr>
     <a:masterClrMapping/>
@@ -21255,7 +23187,7 @@
         </p:spPr>
         <p:txBody>
           <a:bodyPr spcFirstLastPara="1" wrap="square" lIns="91425" tIns="45700" rIns="91425" bIns="45700" anchor="ctr" anchorCtr="0">
-            <a:normAutofit/>
+            <a:normAutofit fontScale="90000"/>
           </a:bodyPr>
           <a:lstStyle/>
           <a:p>
@@ -21284,161 +23216,14 @@
               <a:rPr lang="en-US" dirty="0"/>
               <a:t>IMAGE CAPTIONING</a:t>
             </a:r>
+            <a:br>
+              <a:rPr lang="en-US" dirty="0"/>
+            </a:br>
+            <a:r>
+              <a:rPr lang="en-US" dirty="0"/>
+              <a:t>Dataset Preparation</a:t>
+            </a:r>
             <a:endParaRPr dirty="0"/>
-          </a:p>
-        </p:txBody>
-      </p:sp>
-      <p:sp>
-        <p:nvSpPr>
-          <p:cNvPr id="228" name="Google Shape;228;p7"/>
-          <p:cNvSpPr txBox="1">
-            <a:spLocks noGrp="1"/>
-          </p:cNvSpPr>
-          <p:nvPr>
-            <p:ph type="body" idx="1"/>
-          </p:nvPr>
-        </p:nvSpPr>
-        <p:spPr>
-          <a:xfrm>
-            <a:off x="1268550" y="1133050"/>
-            <a:ext cx="9654900" cy="4785900"/>
-          </a:xfrm>
-          <a:prstGeom prst="rect">
-            <a:avLst/>
-          </a:prstGeom>
-          <a:noFill/>
-          <a:ln>
-            <a:noFill/>
-          </a:ln>
-        </p:spPr>
-        <p:txBody>
-          <a:bodyPr spcFirstLastPara="1" wrap="square" lIns="91425" tIns="45700" rIns="91425" bIns="45700" anchor="ctr" anchorCtr="0">
-            <a:normAutofit/>
-          </a:bodyPr>
-          <a:lstStyle/>
-          <a:p>
-            <a:pPr marL="342900" lvl="0" indent="-342900" algn="l" rtl="0">
-              <a:spcBef>
-                <a:spcPts val="1000"/>
-              </a:spcBef>
-              <a:spcAft>
-                <a:spcPts val="0"/>
-              </a:spcAft>
-              <a:buSzPts val="1600"/>
-              <a:buFont typeface="Wingdings" panose="05000000000000000000" pitchFamily="2" charset="2"/>
-              <a:buChar char="Ø"/>
-            </a:pPr>
-            <a:r>
-              <a:rPr lang="en-US" dirty="0">
-                <a:solidFill>
-                  <a:srgbClr val="333333"/>
-                </a:solidFill>
-                <a:latin typeface="Century Gothic" panose="020B0502020202020204" pitchFamily="34" charset="0"/>
-                <a:ea typeface="Arial"/>
-                <a:cs typeface="Arial"/>
-                <a:sym typeface="Arial"/>
-              </a:rPr>
-              <a:t>Filtering broken images</a:t>
-            </a:r>
-          </a:p>
-          <a:p>
-            <a:pPr marL="342900" lvl="0" indent="-342900" algn="l" rtl="0">
-              <a:spcBef>
-                <a:spcPts val="1000"/>
-              </a:spcBef>
-              <a:spcAft>
-                <a:spcPts val="0"/>
-              </a:spcAft>
-              <a:buSzPts val="1600"/>
-              <a:buFont typeface="Wingdings" panose="05000000000000000000" pitchFamily="2" charset="2"/>
-              <a:buChar char="Ø"/>
-            </a:pPr>
-            <a:r>
-              <a:rPr lang="en-US" dirty="0">
-                <a:solidFill>
-                  <a:srgbClr val="333333"/>
-                </a:solidFill>
-                <a:latin typeface="Century Gothic" panose="020B0502020202020204" pitchFamily="34" charset="0"/>
-                <a:ea typeface="Arial"/>
-                <a:cs typeface="Arial"/>
-                <a:sym typeface="Arial"/>
-              </a:rPr>
-              <a:t>Texturize images with </a:t>
-            </a:r>
-            <a:r>
-              <a:rPr lang="en-US" dirty="0" err="1">
-                <a:solidFill>
-                  <a:srgbClr val="333333"/>
-                </a:solidFill>
-                <a:latin typeface="Century Gothic" panose="020B0502020202020204" pitchFamily="34" charset="0"/>
-                <a:ea typeface="Arial"/>
-                <a:cs typeface="Arial"/>
-                <a:sym typeface="Arial"/>
-              </a:rPr>
-              <a:t>Airxxxx</a:t>
-            </a:r>
-            <a:r>
-              <a:rPr lang="en-US" dirty="0">
-                <a:solidFill>
-                  <a:srgbClr val="333333"/>
-                </a:solidFill>
-                <a:latin typeface="Century Gothic" panose="020B0502020202020204" pitchFamily="34" charset="0"/>
-                <a:ea typeface="Arial"/>
-                <a:cs typeface="Arial"/>
-                <a:sym typeface="Arial"/>
-              </a:rPr>
-              <a:t> (based on YOLOv3)</a:t>
-            </a:r>
-          </a:p>
-          <a:p>
-            <a:pPr marL="342900" lvl="0" indent="-342900" algn="l" rtl="0">
-              <a:spcBef>
-                <a:spcPts val="1000"/>
-              </a:spcBef>
-              <a:spcAft>
-                <a:spcPts val="0"/>
-              </a:spcAft>
-              <a:buSzPts val="1600"/>
-              <a:buFont typeface="Wingdings" panose="05000000000000000000" pitchFamily="2" charset="2"/>
-              <a:buChar char="Ø"/>
-            </a:pPr>
-            <a:r>
-              <a:rPr lang="en-US" dirty="0">
-                <a:solidFill>
-                  <a:srgbClr val="333333"/>
-                </a:solidFill>
-                <a:latin typeface="Century Gothic" panose="020B0502020202020204" pitchFamily="34" charset="0"/>
-                <a:ea typeface="Arial"/>
-                <a:cs typeface="Arial"/>
-                <a:sym typeface="Arial"/>
-              </a:rPr>
-              <a:t>Filtered images with heart rating&gt;=1</a:t>
-            </a:r>
-          </a:p>
-          <a:p>
-            <a:pPr marL="342900" lvl="0" indent="-342900" algn="l" rtl="0">
-              <a:spcBef>
-                <a:spcPts val="1000"/>
-              </a:spcBef>
-              <a:spcAft>
-                <a:spcPts val="0"/>
-              </a:spcAft>
-              <a:buSzPts val="1600"/>
-              <a:buFont typeface="Wingdings" panose="05000000000000000000" pitchFamily="2" charset="2"/>
-              <a:buChar char="Ø"/>
-            </a:pPr>
-            <a:r>
-              <a:rPr lang="en-US" dirty="0">
-                <a:solidFill>
-                  <a:srgbClr val="333333"/>
-                </a:solidFill>
-                <a:latin typeface="Century Gothic" panose="020B0502020202020204" pitchFamily="34" charset="0"/>
-                <a:ea typeface="Arial"/>
-                <a:cs typeface="Arial"/>
-                <a:sym typeface="Arial"/>
-              </a:rPr>
-              <a:t>Text sanitizing (space removal etc.)</a:t>
-            </a:r>
           </a:p>
         </p:txBody>
       </p:sp>
@@ -21534,21 +23319,966 @@
           </a:p>
         </p:txBody>
       </p:sp>
+      <p:grpSp>
+        <p:nvGrpSpPr>
+          <p:cNvPr id="8" name="Group 7">
+            <a:extLst>
+              <a:ext uri="{FF2B5EF4-FFF2-40B4-BE49-F238E27FC236}">
+                <a16:creationId xmlns:a16="http://schemas.microsoft.com/office/drawing/2014/main" id="{9D90EE82-A338-63FF-58E9-B36D46C8FD84}"/>
+              </a:ext>
+            </a:extLst>
+          </p:cNvPr>
+          <p:cNvGrpSpPr/>
+          <p:nvPr/>
+        </p:nvGrpSpPr>
+        <p:grpSpPr>
+          <a:xfrm>
+            <a:off x="72636" y="2008265"/>
+            <a:ext cx="2352584" cy="2256428"/>
+            <a:chOff x="534275" y="1172572"/>
+            <a:chExt cx="2352584" cy="2256428"/>
+          </a:xfrm>
+        </p:grpSpPr>
+        <p:pic>
+          <p:nvPicPr>
+            <p:cNvPr id="10" name="Picture 9">
+              <a:extLst>
+                <a:ext uri="{FF2B5EF4-FFF2-40B4-BE49-F238E27FC236}">
+                  <a16:creationId xmlns:a16="http://schemas.microsoft.com/office/drawing/2014/main" id="{BA825855-D432-796D-9AAC-5EF5590E7FB6}"/>
+                </a:ext>
+              </a:extLst>
+            </p:cNvPr>
+            <p:cNvPicPr/>
+            <p:nvPr/>
+          </p:nvPicPr>
+          <p:blipFill>
+            <a:blip r:embed="rId3"/>
+            <a:stretch/>
+          </p:blipFill>
+          <p:spPr>
+            <a:xfrm>
+              <a:off x="1051940" y="1172572"/>
+              <a:ext cx="1218600" cy="1828080"/>
+            </a:xfrm>
+            <a:prstGeom prst="rect">
+              <a:avLst/>
+            </a:prstGeom>
+            <a:ln w="0">
+              <a:noFill/>
+            </a:ln>
+          </p:spPr>
+        </p:pic>
+        <p:sp>
+          <p:nvSpPr>
+            <p:cNvPr id="13" name="TextBox 12">
+              <a:extLst>
+                <a:ext uri="{FF2B5EF4-FFF2-40B4-BE49-F238E27FC236}">
+                  <a16:creationId xmlns:a16="http://schemas.microsoft.com/office/drawing/2014/main" id="{78F2964F-02FC-F5BD-98C2-2B56B9DEF908}"/>
+                </a:ext>
+              </a:extLst>
+            </p:cNvPr>
+            <p:cNvSpPr txBox="1"/>
+            <p:nvPr/>
+          </p:nvSpPr>
+          <p:spPr>
+            <a:xfrm>
+              <a:off x="534275" y="2998113"/>
+              <a:ext cx="2352584" cy="430887"/>
+            </a:xfrm>
+            <a:prstGeom prst="rect">
+              <a:avLst/>
+            </a:prstGeom>
+            <a:noFill/>
+          </p:spPr>
+          <p:txBody>
+            <a:bodyPr wrap="square" rtlCol="0">
+              <a:spAutoFit/>
+            </a:bodyPr>
+            <a:lstStyle/>
+            <a:p>
+              <a:r>
+                <a:rPr lang="en-US" sz="1100" b="0" strike="noStrike" spc="-1" dirty="0" err="1">
+                  <a:latin typeface="Arial"/>
+                </a:rPr>
+                <a:t>Netilook</a:t>
+              </a:r>
+              <a:r>
+                <a:rPr lang="en-US" sz="1100" b="0" strike="noStrike" spc="-1" dirty="0">
+                  <a:latin typeface="Arial"/>
+                </a:rPr>
+                <a:t>/</a:t>
+              </a:r>
+              <a:r>
+                <a:rPr lang="en-US" sz="1100" b="0" strike="noStrike" spc="-1" dirty="0" err="1">
+                  <a:latin typeface="Arial"/>
+                </a:rPr>
+                <a:t>img</a:t>
+              </a:r>
+              <a:r>
+                <a:rPr lang="en-US" sz="1100" b="0" strike="noStrike" spc="-1" dirty="0">
+                  <a:latin typeface="Arial"/>
+                </a:rPr>
+                <a:t>/001/000/635/01.jpg</a:t>
+              </a:r>
+            </a:p>
+            <a:p>
+              <a:endParaRPr lang="en-US" sz="1100" dirty="0"/>
+            </a:p>
+          </p:txBody>
+        </p:sp>
+      </p:grpSp>
+      <p:cxnSp>
+        <p:nvCxnSpPr>
+          <p:cNvPr id="14" name="Straight Arrow Connector 13">
+            <a:extLst>
+              <a:ext uri="{FF2B5EF4-FFF2-40B4-BE49-F238E27FC236}">
+                <a16:creationId xmlns:a16="http://schemas.microsoft.com/office/drawing/2014/main" id="{89376371-F345-422A-510F-CE8A6504EE8A}"/>
+              </a:ext>
+            </a:extLst>
+          </p:cNvPr>
+          <p:cNvCxnSpPr>
+            <a:cxnSpLocks/>
+            <a:stCxn id="10" idx="3"/>
+          </p:cNvCxnSpPr>
+          <p:nvPr/>
+        </p:nvCxnSpPr>
+        <p:spPr>
+          <a:xfrm>
+            <a:off x="1808901" y="2922305"/>
+            <a:ext cx="1005320" cy="0"/>
+          </a:xfrm>
+          <a:prstGeom prst="straightConnector1">
+            <a:avLst/>
+          </a:prstGeom>
+          <a:ln w="38100">
+            <a:tailEnd type="triangle"/>
+          </a:ln>
+        </p:spPr>
+        <p:style>
+          <a:lnRef idx="1">
+            <a:schemeClr val="accent5"/>
+          </a:lnRef>
+          <a:fillRef idx="0">
+            <a:schemeClr val="accent5"/>
+          </a:fillRef>
+          <a:effectRef idx="0">
+            <a:schemeClr val="accent5"/>
+          </a:effectRef>
+          <a:fontRef idx="minor">
+            <a:schemeClr val="tx1"/>
+          </a:fontRef>
+        </p:style>
+      </p:cxnSp>
+      <p:pic>
+        <p:nvPicPr>
+          <p:cNvPr id="17" name="Picture 16">
+            <a:extLst>
+              <a:ext uri="{FF2B5EF4-FFF2-40B4-BE49-F238E27FC236}">
+                <a16:creationId xmlns:a16="http://schemas.microsoft.com/office/drawing/2014/main" id="{069EBFCE-2E1D-8535-66AA-1857AFC6B389}"/>
+              </a:ext>
+            </a:extLst>
+          </p:cNvPr>
+          <p:cNvPicPr/>
+          <p:nvPr/>
+        </p:nvPicPr>
+        <p:blipFill>
+          <a:blip r:embed="rId4"/>
+          <a:stretch/>
+        </p:blipFill>
+        <p:spPr>
+          <a:xfrm>
+            <a:off x="2814221" y="2100717"/>
+            <a:ext cx="4388400" cy="1723320"/>
+          </a:xfrm>
+          <a:prstGeom prst="rect">
+            <a:avLst/>
+          </a:prstGeom>
+          <a:ln w="0">
+            <a:noFill/>
+          </a:ln>
+        </p:spPr>
+      </p:pic>
+      <p:cxnSp>
+        <p:nvCxnSpPr>
+          <p:cNvPr id="22" name="Straight Arrow Connector 21">
+            <a:extLst>
+              <a:ext uri="{FF2B5EF4-FFF2-40B4-BE49-F238E27FC236}">
+                <a16:creationId xmlns:a16="http://schemas.microsoft.com/office/drawing/2014/main" id="{90F4806E-F9D7-C68D-60DC-C330D929942A}"/>
+              </a:ext>
+            </a:extLst>
+          </p:cNvPr>
+          <p:cNvCxnSpPr>
+            <a:cxnSpLocks/>
+          </p:cNvCxnSpPr>
+          <p:nvPr/>
+        </p:nvCxnSpPr>
+        <p:spPr>
+          <a:xfrm>
+            <a:off x="7202621" y="2962377"/>
+            <a:ext cx="1005320" cy="0"/>
+          </a:xfrm>
+          <a:prstGeom prst="straightConnector1">
+            <a:avLst/>
+          </a:prstGeom>
+          <a:ln w="38100">
+            <a:tailEnd type="triangle"/>
+          </a:ln>
+        </p:spPr>
+        <p:style>
+          <a:lnRef idx="1">
+            <a:schemeClr val="accent5"/>
+          </a:lnRef>
+          <a:fillRef idx="0">
+            <a:schemeClr val="accent5"/>
+          </a:fillRef>
+          <a:effectRef idx="0">
+            <a:schemeClr val="accent5"/>
+          </a:effectRef>
+          <a:fontRef idx="minor">
+            <a:schemeClr val="tx1"/>
+          </a:fontRef>
+        </p:style>
+      </p:cxnSp>
+      <p:sp>
+        <p:nvSpPr>
+          <p:cNvPr id="25" name="TextBox 24">
+            <a:extLst>
+              <a:ext uri="{FF2B5EF4-FFF2-40B4-BE49-F238E27FC236}">
+                <a16:creationId xmlns:a16="http://schemas.microsoft.com/office/drawing/2014/main" id="{2E14ED77-8261-57EF-654B-12F086FA01DF}"/>
+              </a:ext>
+            </a:extLst>
+          </p:cNvPr>
+          <p:cNvSpPr txBox="1"/>
+          <p:nvPr/>
+        </p:nvSpPr>
+        <p:spPr>
+          <a:xfrm>
+            <a:off x="7299303" y="2196384"/>
+            <a:ext cx="1265179" cy="738664"/>
+          </a:xfrm>
+          <a:prstGeom prst="rect">
+            <a:avLst/>
+          </a:prstGeom>
+          <a:noFill/>
+        </p:spPr>
+        <p:txBody>
+          <a:bodyPr wrap="square" rtlCol="0">
+            <a:spAutoFit/>
+          </a:bodyPr>
+          <a:lstStyle/>
+          <a:p>
+            <a:r>
+              <a:rPr lang="en-US" dirty="0"/>
+              <a:t>Image Features</a:t>
+            </a:r>
+          </a:p>
+          <a:p>
+            <a:r>
+              <a:rPr lang="en-US" dirty="0"/>
+              <a:t>[2048]</a:t>
+            </a:r>
+          </a:p>
+        </p:txBody>
+      </p:sp>
+      <p:pic>
+        <p:nvPicPr>
+          <p:cNvPr id="26" name="Picture 25">
+            <a:extLst>
+              <a:ext uri="{FF2B5EF4-FFF2-40B4-BE49-F238E27FC236}">
+                <a16:creationId xmlns:a16="http://schemas.microsoft.com/office/drawing/2014/main" id="{88032E95-31B3-4A65-12DB-A4702E70D597}"/>
+              </a:ext>
+            </a:extLst>
+          </p:cNvPr>
+          <p:cNvPicPr/>
+          <p:nvPr/>
+        </p:nvPicPr>
+        <p:blipFill>
+          <a:blip r:embed="rId5"/>
+          <a:stretch/>
+        </p:blipFill>
+        <p:spPr>
+          <a:xfrm>
+            <a:off x="209915" y="4190116"/>
+            <a:ext cx="3998101" cy="1723321"/>
+          </a:xfrm>
+          <a:prstGeom prst="rect">
+            <a:avLst/>
+          </a:prstGeom>
+          <a:ln w="0">
+            <a:noFill/>
+          </a:ln>
+        </p:spPr>
+      </p:pic>
+      <p:sp>
+        <p:nvSpPr>
+          <p:cNvPr id="27" name="Freeform 110">
+            <a:extLst>
+              <a:ext uri="{FF2B5EF4-FFF2-40B4-BE49-F238E27FC236}">
+                <a16:creationId xmlns:a16="http://schemas.microsoft.com/office/drawing/2014/main" id="{BCC86E2B-E97E-8F27-E441-43C46823C7D0}"/>
+              </a:ext>
+            </a:extLst>
+          </p:cNvPr>
+          <p:cNvSpPr/>
+          <p:nvPr/>
+        </p:nvSpPr>
+        <p:spPr>
+          <a:xfrm>
+            <a:off x="5181780" y="4588910"/>
+            <a:ext cx="1828440" cy="914040"/>
+          </a:xfrm>
+          <a:custGeom>
+            <a:avLst/>
+            <a:gdLst/>
+            <a:ahLst/>
+            <a:cxnLst/>
+            <a:rect l="l" t="t" r="r" b="b"/>
+            <a:pathLst>
+              <a:path w="21600" h="21600">
+                <a:moveTo>
+                  <a:pt x="0" y="0"/>
+                </a:moveTo>
+                <a:lnTo>
+                  <a:pt x="18220" y="0"/>
+                </a:lnTo>
+                <a:lnTo>
+                  <a:pt x="21600" y="10800"/>
+                </a:lnTo>
+                <a:lnTo>
+                  <a:pt x="18220" y="21600"/>
+                </a:lnTo>
+                <a:lnTo>
+                  <a:pt x="0" y="21600"/>
+                </a:lnTo>
+                <a:lnTo>
+                  <a:pt x="3380" y="10800"/>
+                </a:lnTo>
+                <a:close/>
+              </a:path>
+            </a:pathLst>
+          </a:custGeom>
+          <a:solidFill>
+            <a:srgbClr val="729FCF"/>
+          </a:solidFill>
+          <a:ln w="0">
+            <a:solidFill>
+              <a:srgbClr val="FF0000"/>
+            </a:solidFill>
+          </a:ln>
+        </p:spPr>
+        <p:style>
+          <a:lnRef idx="0">
+            <a:scrgbClr r="0" g="0" b="0"/>
+          </a:lnRef>
+          <a:fillRef idx="0">
+            <a:scrgbClr r="0" g="0" b="0"/>
+          </a:fillRef>
+          <a:effectRef idx="0">
+            <a:scrgbClr r="0" g="0" b="0"/>
+          </a:effectRef>
+          <a:fontRef idx="minor"/>
+        </p:style>
+        <p:txBody>
+          <a:bodyPr lIns="90000" tIns="45000" rIns="90000" bIns="45000" anchor="ctr">
+            <a:noAutofit/>
+          </a:bodyPr>
+          <a:lstStyle/>
+          <a:p>
+            <a:pPr algn="ctr">
+              <a:lnSpc>
+                <a:spcPct val="100000"/>
+              </a:lnSpc>
+              <a:buNone/>
+            </a:pPr>
+            <a:r>
+              <a:rPr lang="en-US" sz="800" b="0" strike="noStrike" spc="-1" dirty="0">
+                <a:solidFill>
+                  <a:srgbClr val="000000"/>
+                </a:solidFill>
+                <a:latin typeface="Arial"/>
+                <a:ea typeface="DejaVu Sans"/>
+              </a:rPr>
+              <a:t>Sentence Transformer</a:t>
+            </a:r>
+            <a:endParaRPr lang="en-US" sz="800" b="0" strike="noStrike" spc="-1" dirty="0">
+              <a:latin typeface="Arial"/>
+            </a:endParaRPr>
+          </a:p>
+        </p:txBody>
+      </p:sp>
+      <p:cxnSp>
+        <p:nvCxnSpPr>
+          <p:cNvPr id="30" name="Straight Arrow Connector 29">
+            <a:extLst>
+              <a:ext uri="{FF2B5EF4-FFF2-40B4-BE49-F238E27FC236}">
+                <a16:creationId xmlns:a16="http://schemas.microsoft.com/office/drawing/2014/main" id="{7BBDCB19-57E9-5C98-D69A-4D25DAD6B4D1}"/>
+              </a:ext>
+            </a:extLst>
+          </p:cNvPr>
+          <p:cNvCxnSpPr>
+            <a:cxnSpLocks/>
+          </p:cNvCxnSpPr>
+          <p:nvPr/>
+        </p:nvCxnSpPr>
+        <p:spPr>
+          <a:xfrm>
+            <a:off x="4208016" y="5045930"/>
+            <a:ext cx="1247904" cy="0"/>
+          </a:xfrm>
+          <a:prstGeom prst="straightConnector1">
+            <a:avLst/>
+          </a:prstGeom>
+          <a:ln w="38100">
+            <a:tailEnd type="triangle"/>
+          </a:ln>
+        </p:spPr>
+        <p:style>
+          <a:lnRef idx="1">
+            <a:schemeClr val="accent5"/>
+          </a:lnRef>
+          <a:fillRef idx="0">
+            <a:schemeClr val="accent5"/>
+          </a:fillRef>
+          <a:effectRef idx="0">
+            <a:schemeClr val="accent5"/>
+          </a:effectRef>
+          <a:fontRef idx="minor">
+            <a:schemeClr val="tx1"/>
+          </a:fontRef>
+        </p:style>
+      </p:cxnSp>
+      <p:cxnSp>
+        <p:nvCxnSpPr>
+          <p:cNvPr id="32" name="Connector: Elbow 31">
+            <a:extLst>
+              <a:ext uri="{FF2B5EF4-FFF2-40B4-BE49-F238E27FC236}">
+                <a16:creationId xmlns:a16="http://schemas.microsoft.com/office/drawing/2014/main" id="{CB4DC6A0-BB6C-44B6-2BED-A3EF3459756C}"/>
+              </a:ext>
+            </a:extLst>
+          </p:cNvPr>
+          <p:cNvCxnSpPr>
+            <a:cxnSpLocks/>
+            <a:endCxn id="42" idx="1"/>
+          </p:cNvCxnSpPr>
+          <p:nvPr/>
+        </p:nvCxnSpPr>
+        <p:spPr>
+          <a:xfrm rot="5400000" flipH="1" flipV="1">
+            <a:off x="6987365" y="3381895"/>
+            <a:ext cx="1686891" cy="1641180"/>
+          </a:xfrm>
+          <a:prstGeom prst="bentConnector3">
+            <a:avLst>
+              <a:gd name="adj1" fmla="val 763"/>
+            </a:avLst>
+          </a:prstGeom>
+          <a:ln w="38100">
+            <a:tailEnd type="triangle"/>
+          </a:ln>
+        </p:spPr>
+        <p:style>
+          <a:lnRef idx="1">
+            <a:schemeClr val="accent5"/>
+          </a:lnRef>
+          <a:fillRef idx="0">
+            <a:schemeClr val="accent5"/>
+          </a:fillRef>
+          <a:effectRef idx="0">
+            <a:schemeClr val="accent5"/>
+          </a:effectRef>
+          <a:fontRef idx="minor">
+            <a:schemeClr val="tx1"/>
+          </a:fontRef>
+        </p:style>
+      </p:cxnSp>
+      <p:sp>
+        <p:nvSpPr>
+          <p:cNvPr id="33" name="TextBox 32">
+            <a:extLst>
+              <a:ext uri="{FF2B5EF4-FFF2-40B4-BE49-F238E27FC236}">
+                <a16:creationId xmlns:a16="http://schemas.microsoft.com/office/drawing/2014/main" id="{28F59415-D805-E97A-7033-2CEE1360F39E}"/>
+              </a:ext>
+            </a:extLst>
+          </p:cNvPr>
+          <p:cNvSpPr txBox="1"/>
+          <p:nvPr/>
+        </p:nvSpPr>
+        <p:spPr>
+          <a:xfrm>
+            <a:off x="7237782" y="4469015"/>
+            <a:ext cx="1265179" cy="523220"/>
+          </a:xfrm>
+          <a:prstGeom prst="rect">
+            <a:avLst/>
+          </a:prstGeom>
+          <a:noFill/>
+        </p:spPr>
+        <p:txBody>
+          <a:bodyPr wrap="square" rtlCol="0">
+            <a:spAutoFit/>
+          </a:bodyPr>
+          <a:lstStyle/>
+          <a:p>
+            <a:r>
+              <a:rPr lang="en-US" dirty="0"/>
+              <a:t>Embeddings</a:t>
+            </a:r>
+          </a:p>
+          <a:p>
+            <a:r>
+              <a:rPr lang="en-US" dirty="0"/>
+              <a:t>[48]</a:t>
+            </a:r>
+          </a:p>
+        </p:txBody>
+      </p:sp>
+      <p:sp>
+        <p:nvSpPr>
+          <p:cNvPr id="42" name="Plus Sign 41">
+            <a:extLst>
+              <a:ext uri="{FF2B5EF4-FFF2-40B4-BE49-F238E27FC236}">
+                <a16:creationId xmlns:a16="http://schemas.microsoft.com/office/drawing/2014/main" id="{11C62EBC-B90D-01D7-3B8D-86F1D9AF2890}"/>
+              </a:ext>
+            </a:extLst>
+          </p:cNvPr>
+          <p:cNvSpPr/>
+          <p:nvPr/>
+        </p:nvSpPr>
+        <p:spPr>
+          <a:xfrm>
+            <a:off x="8052157" y="2422627"/>
+            <a:ext cx="1198486" cy="1079500"/>
+          </a:xfrm>
+          <a:prstGeom prst="mathPlus">
+            <a:avLst/>
+          </a:prstGeom>
+        </p:spPr>
+        <p:style>
+          <a:lnRef idx="2">
+            <a:schemeClr val="accent5">
+              <a:shade val="50000"/>
+            </a:schemeClr>
+          </a:lnRef>
+          <a:fillRef idx="1">
+            <a:schemeClr val="accent5"/>
+          </a:fillRef>
+          <a:effectRef idx="0">
+            <a:schemeClr val="accent5"/>
+          </a:effectRef>
+          <a:fontRef idx="minor">
+            <a:schemeClr val="lt1"/>
+          </a:fontRef>
+        </p:style>
+        <p:txBody>
+          <a:bodyPr rtlCol="0" anchor="ctr"/>
+          <a:lstStyle/>
+          <a:p>
+            <a:pPr algn="ctr"/>
+            <a:endParaRPr lang="en-US"/>
+          </a:p>
+        </p:txBody>
+      </p:sp>
+      <p:sp>
+        <p:nvSpPr>
+          <p:cNvPr id="44" name="TextBox 43">
+            <a:extLst>
+              <a:ext uri="{FF2B5EF4-FFF2-40B4-BE49-F238E27FC236}">
+                <a16:creationId xmlns:a16="http://schemas.microsoft.com/office/drawing/2014/main" id="{9F34FD8F-1ED0-DADA-370F-8C116E9436AC}"/>
+              </a:ext>
+            </a:extLst>
+          </p:cNvPr>
+          <p:cNvSpPr txBox="1"/>
+          <p:nvPr/>
+        </p:nvSpPr>
+        <p:spPr>
+          <a:xfrm>
+            <a:off x="8088755" y="2233114"/>
+            <a:ext cx="1265179" cy="307777"/>
+          </a:xfrm>
+          <a:prstGeom prst="rect">
+            <a:avLst/>
+          </a:prstGeom>
+          <a:noFill/>
+        </p:spPr>
+        <p:txBody>
+          <a:bodyPr wrap="square" rtlCol="0">
+            <a:spAutoFit/>
+          </a:bodyPr>
+          <a:lstStyle/>
+          <a:p>
+            <a:r>
+              <a:rPr lang="en-US" dirty="0"/>
+              <a:t>Concatenate</a:t>
+            </a:r>
+          </a:p>
+        </p:txBody>
+      </p:sp>
+      <p:cxnSp>
+        <p:nvCxnSpPr>
+          <p:cNvPr id="45" name="Straight Arrow Connector 44">
+            <a:extLst>
+              <a:ext uri="{FF2B5EF4-FFF2-40B4-BE49-F238E27FC236}">
+                <a16:creationId xmlns:a16="http://schemas.microsoft.com/office/drawing/2014/main" id="{EE74BC4A-6F0A-D41B-8950-492C5200CE9D}"/>
+              </a:ext>
+            </a:extLst>
+          </p:cNvPr>
+          <p:cNvCxnSpPr>
+            <a:cxnSpLocks/>
+          </p:cNvCxnSpPr>
+          <p:nvPr/>
+        </p:nvCxnSpPr>
+        <p:spPr>
+          <a:xfrm>
+            <a:off x="9103922" y="2952214"/>
+            <a:ext cx="1005320" cy="0"/>
+          </a:xfrm>
+          <a:prstGeom prst="straightConnector1">
+            <a:avLst/>
+          </a:prstGeom>
+          <a:ln w="38100">
+            <a:tailEnd type="triangle"/>
+          </a:ln>
+        </p:spPr>
+        <p:style>
+          <a:lnRef idx="1">
+            <a:schemeClr val="accent5"/>
+          </a:lnRef>
+          <a:fillRef idx="0">
+            <a:schemeClr val="accent5"/>
+          </a:fillRef>
+          <a:effectRef idx="0">
+            <a:schemeClr val="accent5"/>
+          </a:effectRef>
+          <a:fontRef idx="minor">
+            <a:schemeClr val="tx1"/>
+          </a:fontRef>
+        </p:style>
+      </p:cxnSp>
+      <p:sp>
+        <p:nvSpPr>
+          <p:cNvPr id="46" name="TextBox 45">
+            <a:extLst>
+              <a:ext uri="{FF2B5EF4-FFF2-40B4-BE49-F238E27FC236}">
+                <a16:creationId xmlns:a16="http://schemas.microsoft.com/office/drawing/2014/main" id="{E2B9ECCB-0795-916A-61A3-849251E6057F}"/>
+              </a:ext>
+            </a:extLst>
+          </p:cNvPr>
+          <p:cNvSpPr txBox="1"/>
+          <p:nvPr/>
+        </p:nvSpPr>
+        <p:spPr>
+          <a:xfrm>
+            <a:off x="10062525" y="2598003"/>
+            <a:ext cx="1753654" cy="1200329"/>
+          </a:xfrm>
+          <a:prstGeom prst="rect">
+            <a:avLst/>
+          </a:prstGeom>
+          <a:noFill/>
+          <a:ln w="38100"/>
+        </p:spPr>
+        <p:style>
+          <a:lnRef idx="2">
+            <a:schemeClr val="accent5"/>
+          </a:lnRef>
+          <a:fillRef idx="1">
+            <a:schemeClr val="lt1"/>
+          </a:fillRef>
+          <a:effectRef idx="0">
+            <a:schemeClr val="accent5"/>
+          </a:effectRef>
+          <a:fontRef idx="minor">
+            <a:schemeClr val="dk1"/>
+          </a:fontRef>
+        </p:style>
+        <p:txBody>
+          <a:bodyPr wrap="square" rtlCol="0">
+            <a:spAutoFit/>
+          </a:bodyPr>
+          <a:lstStyle/>
+          <a:p>
+            <a:r>
+              <a:rPr lang="en-US" sz="2400" dirty="0"/>
+              <a:t>Generated Features</a:t>
+            </a:r>
+          </a:p>
+          <a:p>
+            <a:r>
+              <a:rPr lang="en-US" sz="2400" dirty="0"/>
+              <a:t>[2096]</a:t>
+            </a:r>
+          </a:p>
+        </p:txBody>
+      </p:sp>
+      <p:cxnSp>
+        <p:nvCxnSpPr>
+          <p:cNvPr id="47" name="Straight Arrow Connector 46">
+            <a:extLst>
+              <a:ext uri="{FF2B5EF4-FFF2-40B4-BE49-F238E27FC236}">
+                <a16:creationId xmlns:a16="http://schemas.microsoft.com/office/drawing/2014/main" id="{E9796A1F-5056-D716-3476-D20257CF49B3}"/>
+              </a:ext>
+            </a:extLst>
+          </p:cNvPr>
+          <p:cNvCxnSpPr>
+            <a:cxnSpLocks/>
+            <a:stCxn id="17" idx="0"/>
+          </p:cNvCxnSpPr>
+          <p:nvPr/>
+        </p:nvCxnSpPr>
+        <p:spPr>
+          <a:xfrm flipH="1" flipV="1">
+            <a:off x="3444240" y="1747520"/>
+            <a:ext cx="1564181" cy="353197"/>
+          </a:xfrm>
+          <a:prstGeom prst="straightConnector1">
+            <a:avLst/>
+          </a:prstGeom>
+          <a:ln w="38100">
+            <a:tailEnd type="triangle"/>
+          </a:ln>
+        </p:spPr>
+        <p:style>
+          <a:lnRef idx="1">
+            <a:schemeClr val="accent5"/>
+          </a:lnRef>
+          <a:fillRef idx="0">
+            <a:schemeClr val="accent5"/>
+          </a:fillRef>
+          <a:effectRef idx="0">
+            <a:schemeClr val="accent5"/>
+          </a:effectRef>
+          <a:fontRef idx="minor">
+            <a:schemeClr val="tx1"/>
+          </a:fontRef>
+        </p:style>
+      </p:cxnSp>
+      <p:sp>
+        <p:nvSpPr>
+          <p:cNvPr id="50" name="TextBox 49">
+            <a:extLst>
+              <a:ext uri="{FF2B5EF4-FFF2-40B4-BE49-F238E27FC236}">
+                <a16:creationId xmlns:a16="http://schemas.microsoft.com/office/drawing/2014/main" id="{94645B1B-73AF-0032-733B-4351A437411A}"/>
+              </a:ext>
+            </a:extLst>
+          </p:cNvPr>
+          <p:cNvSpPr txBox="1"/>
+          <p:nvPr/>
+        </p:nvSpPr>
+        <p:spPr>
+          <a:xfrm>
+            <a:off x="1445020" y="918335"/>
+            <a:ext cx="2578340" cy="954107"/>
+          </a:xfrm>
+          <a:prstGeom prst="rect">
+            <a:avLst/>
+          </a:prstGeom>
+          <a:noFill/>
+        </p:spPr>
+        <p:txBody>
+          <a:bodyPr wrap="square" rtlCol="0">
+            <a:spAutoFit/>
+          </a:bodyPr>
+          <a:lstStyle/>
+          <a:p>
+            <a:endParaRPr lang="en-US" dirty="0"/>
+          </a:p>
+          <a:p>
+            <a:pPr marL="285750" indent="-285750">
+              <a:buFont typeface="Wingdings" panose="05000000000000000000" pitchFamily="2" charset="2"/>
+              <a:buChar char="§"/>
+            </a:pPr>
+            <a:r>
+              <a:rPr lang="en-US" dirty="0"/>
+              <a:t>Resnet Based</a:t>
+            </a:r>
+          </a:p>
+          <a:p>
+            <a:pPr marL="285750" indent="-285750">
+              <a:buFont typeface="Wingdings" panose="05000000000000000000" pitchFamily="2" charset="2"/>
+              <a:buChar char="§"/>
+            </a:pPr>
+            <a:r>
+              <a:rPr lang="en-US" dirty="0"/>
+              <a:t>Classifier layer removed</a:t>
+            </a:r>
+          </a:p>
+          <a:p>
+            <a:pPr marL="285750" indent="-285750">
+              <a:buFont typeface="Wingdings" panose="05000000000000000000" pitchFamily="2" charset="2"/>
+              <a:buChar char="§"/>
+            </a:pPr>
+            <a:endParaRPr lang="en-US" dirty="0"/>
+          </a:p>
+        </p:txBody>
+      </p:sp>
+      <p:sp>
+        <p:nvSpPr>
+          <p:cNvPr id="51" name="Rectangle 50">
+            <a:extLst>
+              <a:ext uri="{FF2B5EF4-FFF2-40B4-BE49-F238E27FC236}">
+                <a16:creationId xmlns:a16="http://schemas.microsoft.com/office/drawing/2014/main" id="{6064D1DB-1606-B54C-5D37-068771A0F9B4}"/>
+              </a:ext>
+            </a:extLst>
+          </p:cNvPr>
+          <p:cNvSpPr/>
+          <p:nvPr/>
+        </p:nvSpPr>
+        <p:spPr>
+          <a:xfrm>
+            <a:off x="5184212" y="2540891"/>
+            <a:ext cx="271708" cy="232789"/>
+          </a:xfrm>
+          <a:prstGeom prst="rect">
+            <a:avLst/>
+          </a:prstGeom>
+          <a:ln w="38100">
+            <a:tailEnd type="triangle"/>
+          </a:ln>
+        </p:spPr>
+        <p:style>
+          <a:lnRef idx="1">
+            <a:schemeClr val="accent5"/>
+          </a:lnRef>
+          <a:fillRef idx="0">
+            <a:schemeClr val="accent5"/>
+          </a:fillRef>
+          <a:effectRef idx="0">
+            <a:schemeClr val="accent5"/>
+          </a:effectRef>
+          <a:fontRef idx="minor">
+            <a:schemeClr val="tx1"/>
+          </a:fontRef>
+        </p:style>
+        <p:txBody>
+          <a:bodyPr rtlCol="0" anchor="ctr"/>
+          <a:lstStyle/>
+          <a:p>
+            <a:pPr algn="ctr"/>
+            <a:endParaRPr lang="en-US"/>
+          </a:p>
+        </p:txBody>
+      </p:sp>
+      <p:cxnSp>
+        <p:nvCxnSpPr>
+          <p:cNvPr id="52" name="Straight Arrow Connector 51">
+            <a:extLst>
+              <a:ext uri="{FF2B5EF4-FFF2-40B4-BE49-F238E27FC236}">
+                <a16:creationId xmlns:a16="http://schemas.microsoft.com/office/drawing/2014/main" id="{36AA9179-1FB5-2D84-B29B-45DB6CC2D4A3}"/>
+              </a:ext>
+            </a:extLst>
+          </p:cNvPr>
+          <p:cNvCxnSpPr>
+            <a:cxnSpLocks/>
+            <a:stCxn id="51" idx="0"/>
+          </p:cNvCxnSpPr>
+          <p:nvPr/>
+        </p:nvCxnSpPr>
+        <p:spPr>
+          <a:xfrm flipV="1">
+            <a:off x="5320066" y="1747520"/>
+            <a:ext cx="441209" cy="793371"/>
+          </a:xfrm>
+          <a:prstGeom prst="straightConnector1">
+            <a:avLst/>
+          </a:prstGeom>
+          <a:ln w="38100">
+            <a:tailEnd type="triangle"/>
+          </a:ln>
+        </p:spPr>
+        <p:style>
+          <a:lnRef idx="1">
+            <a:schemeClr val="accent5"/>
+          </a:lnRef>
+          <a:fillRef idx="0">
+            <a:schemeClr val="accent5"/>
+          </a:fillRef>
+          <a:effectRef idx="0">
+            <a:schemeClr val="accent5"/>
+          </a:effectRef>
+          <a:fontRef idx="minor">
+            <a:schemeClr val="tx1"/>
+          </a:fontRef>
+        </p:style>
+      </p:cxnSp>
+      <p:sp>
+        <p:nvSpPr>
+          <p:cNvPr id="55" name="TextBox 54">
+            <a:extLst>
+              <a:ext uri="{FF2B5EF4-FFF2-40B4-BE49-F238E27FC236}">
+                <a16:creationId xmlns:a16="http://schemas.microsoft.com/office/drawing/2014/main" id="{21A29937-0AE8-774A-2C1E-CEFFEE940FA1}"/>
+              </a:ext>
+            </a:extLst>
+          </p:cNvPr>
+          <p:cNvSpPr txBox="1"/>
+          <p:nvPr/>
+        </p:nvSpPr>
+        <p:spPr>
+          <a:xfrm>
+            <a:off x="5761275" y="1568658"/>
+            <a:ext cx="1401033" cy="523220"/>
+          </a:xfrm>
+          <a:prstGeom prst="rect">
+            <a:avLst/>
+          </a:prstGeom>
+          <a:noFill/>
+        </p:spPr>
+        <p:txBody>
+          <a:bodyPr wrap="square" rtlCol="0">
+            <a:spAutoFit/>
+          </a:bodyPr>
+          <a:lstStyle/>
+          <a:p>
+            <a:r>
+              <a:rPr lang="en-US" dirty="0"/>
+              <a:t>Inputs resized to 224x224</a:t>
+            </a:r>
+          </a:p>
+        </p:txBody>
+      </p:sp>
+      <p:sp>
+        <p:nvSpPr>
+          <p:cNvPr id="59" name="TextBox 58">
+            <a:extLst>
+              <a:ext uri="{FF2B5EF4-FFF2-40B4-BE49-F238E27FC236}">
+                <a16:creationId xmlns:a16="http://schemas.microsoft.com/office/drawing/2014/main" id="{A79F607B-DCEE-7B70-E36A-AE64A6A8CE1C}"/>
+              </a:ext>
+            </a:extLst>
+          </p:cNvPr>
+          <p:cNvSpPr txBox="1"/>
+          <p:nvPr/>
+        </p:nvSpPr>
+        <p:spPr>
+          <a:xfrm>
+            <a:off x="4226330" y="4730625"/>
+            <a:ext cx="1265179" cy="307777"/>
+          </a:xfrm>
+          <a:prstGeom prst="rect">
+            <a:avLst/>
+          </a:prstGeom>
+          <a:noFill/>
+        </p:spPr>
+        <p:txBody>
+          <a:bodyPr wrap="square" rtlCol="0">
+            <a:spAutoFit/>
+          </a:bodyPr>
+          <a:lstStyle/>
+          <a:p>
+            <a:r>
+              <a:rPr lang="en-US" dirty="0"/>
+              <a:t>Image Text</a:t>
+            </a:r>
+          </a:p>
+        </p:txBody>
+      </p:sp>
     </p:spTree>
     <p:extLst>
       <p:ext uri="{BB962C8B-B14F-4D97-AF65-F5344CB8AC3E}">
-        <p14:creationId xmlns:p14="http://schemas.microsoft.com/office/powerpoint/2010/main" val="2566457756"/>
+        <p14:creationId xmlns:p14="http://schemas.microsoft.com/office/powerpoint/2010/main" val="1711600677"/>
       </p:ext>
     </p:extLst>
   </p:cSld>
   <p:clrMapOvr>
     <a:masterClrMapping/>
   </p:clrMapOvr>
-  <p:extLst>
-    <p:ext uri="{6950BFC3-D8DA-4A85-94F7-54DA5524770B}">
-      <p188:commentRel xmlns:p188="http://schemas.microsoft.com/office/powerpoint/2018/8/main" r:id="rId3"/>
-    </p:ext>
-  </p:extLst>
 </p:sld>
 </file>
 
@@ -21594,7 +24324,7 @@
         </p:spPr>
         <p:txBody>
           <a:bodyPr spcFirstLastPara="1" wrap="square" lIns="91425" tIns="45700" rIns="91425" bIns="45700" anchor="ctr" anchorCtr="0">
-            <a:normAutofit/>
+            <a:normAutofit fontScale="90000"/>
           </a:bodyPr>
           <a:lstStyle/>
           <a:p>
@@ -21623,288 +24353,14 @@
               <a:rPr lang="en-US" dirty="0"/>
               <a:t>IMAGE CAPTIONING</a:t>
             </a:r>
+            <a:br>
+              <a:rPr lang="en-US" dirty="0"/>
+            </a:br>
+            <a:r>
+              <a:rPr lang="en-US" dirty="0"/>
+              <a:t>Dataset Preparation</a:t>
+            </a:r>
             <a:endParaRPr dirty="0"/>
-          </a:p>
-        </p:txBody>
-      </p:sp>
-      <p:sp>
-        <p:nvSpPr>
-          <p:cNvPr id="228" name="Google Shape;228;p7"/>
-          <p:cNvSpPr txBox="1">
-            <a:spLocks noGrp="1"/>
-          </p:cNvSpPr>
-          <p:nvPr>
-            <p:ph type="body" idx="1"/>
-          </p:nvPr>
-        </p:nvSpPr>
-        <p:spPr>
-          <a:xfrm>
-            <a:off x="1268550" y="1133050"/>
-            <a:ext cx="9654900" cy="4785900"/>
-          </a:xfrm>
-          <a:prstGeom prst="rect">
-            <a:avLst/>
-          </a:prstGeom>
-          <a:noFill/>
-          <a:ln>
-            <a:noFill/>
-          </a:ln>
-        </p:spPr>
-        <p:txBody>
-          <a:bodyPr spcFirstLastPara="1" wrap="square" lIns="91425" tIns="45700" rIns="91425" bIns="45700" anchor="ctr" anchorCtr="0">
-            <a:normAutofit/>
-          </a:bodyPr>
-          <a:lstStyle/>
-          <a:p>
-            <a:pPr marL="342900" lvl="0" indent="-342900" algn="l" rtl="0">
-              <a:spcBef>
-                <a:spcPts val="1000"/>
-              </a:spcBef>
-              <a:spcAft>
-                <a:spcPts val="0"/>
-              </a:spcAft>
-              <a:buSzPts val="1600"/>
-              <a:buFont typeface="Wingdings" panose="05000000000000000000" pitchFamily="2" charset="2"/>
-              <a:buChar char="Ø"/>
-            </a:pPr>
-            <a:r>
-              <a:rPr lang="en-US" dirty="0">
-                <a:solidFill>
-                  <a:srgbClr val="333333"/>
-                </a:solidFill>
-                <a:latin typeface="Century Gothic" panose="020B0502020202020204" pitchFamily="34" charset="0"/>
-                <a:ea typeface="Arial"/>
-                <a:cs typeface="Arial"/>
-                <a:sym typeface="Arial"/>
-              </a:rPr>
-              <a:t>Using MySQL, # of comments calculated</a:t>
-            </a:r>
-          </a:p>
-          <a:p>
-            <a:pPr marL="342900" lvl="0" indent="-342900" algn="l" rtl="0">
-              <a:spcBef>
-                <a:spcPts val="1000"/>
-              </a:spcBef>
-              <a:spcAft>
-                <a:spcPts val="0"/>
-              </a:spcAft>
-              <a:buSzPts val="1600"/>
-              <a:buFont typeface="Wingdings" panose="05000000000000000000" pitchFamily="2" charset="2"/>
-              <a:buChar char="Ø"/>
-            </a:pPr>
-            <a:r>
-              <a:rPr lang="en-US" dirty="0">
-                <a:solidFill>
-                  <a:srgbClr val="333333"/>
-                </a:solidFill>
-                <a:latin typeface="Century Gothic" panose="020B0502020202020204" pitchFamily="34" charset="0"/>
-                <a:ea typeface="Arial"/>
-                <a:cs typeface="Arial"/>
-                <a:sym typeface="Arial"/>
-              </a:rPr>
-              <a:t>Histogram for training dataset</a:t>
-            </a:r>
-          </a:p>
-          <a:p>
-            <a:pPr marL="342900" lvl="0" indent="-342900" algn="l" rtl="0">
-              <a:spcBef>
-                <a:spcPts val="1000"/>
-              </a:spcBef>
-              <a:spcAft>
-                <a:spcPts val="0"/>
-              </a:spcAft>
-              <a:buSzPts val="1600"/>
-              <a:buFont typeface="Wingdings" panose="05000000000000000000" pitchFamily="2" charset="2"/>
-              <a:buChar char="Ø"/>
-            </a:pPr>
-            <a:r>
-              <a:rPr lang="en-US" dirty="0">
-                <a:solidFill>
-                  <a:srgbClr val="333333"/>
-                </a:solidFill>
-                <a:latin typeface="Century Gothic" panose="020B0502020202020204" pitchFamily="34" charset="0"/>
-                <a:ea typeface="Arial"/>
-                <a:cs typeface="Arial"/>
-                <a:sym typeface="Arial"/>
-              </a:rPr>
-              <a:t>Piling up in heart ratings, rather number of comments are used to avoid overfitting</a:t>
-            </a:r>
-          </a:p>
-          <a:p>
-            <a:pPr marL="342900" lvl="0" indent="-342900" algn="l" rtl="0">
-              <a:spcBef>
-                <a:spcPts val="1000"/>
-              </a:spcBef>
-              <a:spcAft>
-                <a:spcPts val="0"/>
-              </a:spcAft>
-              <a:buSzPts val="1600"/>
-              <a:buFont typeface="Wingdings" panose="05000000000000000000" pitchFamily="2" charset="2"/>
-              <a:buChar char="Ø"/>
-            </a:pPr>
-            <a:endParaRPr lang="en-US" dirty="0">
-              <a:solidFill>
-                <a:srgbClr val="333333"/>
-              </a:solidFill>
-              <a:latin typeface="Century Gothic" panose="020B0502020202020204" pitchFamily="34" charset="0"/>
-              <a:ea typeface="Arial"/>
-              <a:cs typeface="Arial"/>
-              <a:sym typeface="Arial"/>
-            </a:endParaRPr>
-          </a:p>
-          <a:p>
-            <a:pPr marL="342900" lvl="0" indent="-342900" algn="l" rtl="0">
-              <a:spcBef>
-                <a:spcPts val="1000"/>
-              </a:spcBef>
-              <a:spcAft>
-                <a:spcPts val="0"/>
-              </a:spcAft>
-              <a:buSzPts val="1600"/>
-              <a:buFont typeface="Wingdings" panose="05000000000000000000" pitchFamily="2" charset="2"/>
-              <a:buChar char="Ø"/>
-            </a:pPr>
-            <a:endParaRPr lang="en-US" dirty="0">
-              <a:solidFill>
-                <a:srgbClr val="333333"/>
-              </a:solidFill>
-              <a:latin typeface="Century Gothic" panose="020B0502020202020204" pitchFamily="34" charset="0"/>
-              <a:ea typeface="Arial"/>
-              <a:cs typeface="Arial"/>
-              <a:sym typeface="Arial"/>
-            </a:endParaRPr>
-          </a:p>
-          <a:p>
-            <a:pPr marL="342900" lvl="0" indent="-342900" algn="l" rtl="0">
-              <a:spcBef>
-                <a:spcPts val="1000"/>
-              </a:spcBef>
-              <a:spcAft>
-                <a:spcPts val="0"/>
-              </a:spcAft>
-              <a:buSzPts val="1600"/>
-              <a:buFont typeface="Wingdings" panose="05000000000000000000" pitchFamily="2" charset="2"/>
-              <a:buChar char="Ø"/>
-            </a:pPr>
-            <a:endParaRPr lang="en-US" dirty="0">
-              <a:solidFill>
-                <a:srgbClr val="333333"/>
-              </a:solidFill>
-              <a:latin typeface="Century Gothic" panose="020B0502020202020204" pitchFamily="34" charset="0"/>
-              <a:ea typeface="Arial"/>
-              <a:cs typeface="Arial"/>
-              <a:sym typeface="Arial"/>
-            </a:endParaRPr>
-          </a:p>
-          <a:p>
-            <a:pPr marL="342900" lvl="0" indent="-342900" algn="l" rtl="0">
-              <a:spcBef>
-                <a:spcPts val="1000"/>
-              </a:spcBef>
-              <a:spcAft>
-                <a:spcPts val="0"/>
-              </a:spcAft>
-              <a:buSzPts val="1600"/>
-              <a:buFont typeface="Wingdings" panose="05000000000000000000" pitchFamily="2" charset="2"/>
-              <a:buChar char="Ø"/>
-            </a:pPr>
-            <a:endParaRPr lang="en-US" dirty="0">
-              <a:solidFill>
-                <a:srgbClr val="333333"/>
-              </a:solidFill>
-              <a:latin typeface="Century Gothic" panose="020B0502020202020204" pitchFamily="34" charset="0"/>
-              <a:ea typeface="Arial"/>
-              <a:cs typeface="Arial"/>
-              <a:sym typeface="Arial"/>
-            </a:endParaRPr>
-          </a:p>
-          <a:p>
-            <a:pPr marL="342900" lvl="0" indent="-342900" algn="l" rtl="0">
-              <a:spcBef>
-                <a:spcPts val="1000"/>
-              </a:spcBef>
-              <a:spcAft>
-                <a:spcPts val="0"/>
-              </a:spcAft>
-              <a:buSzPts val="1600"/>
-              <a:buFont typeface="Wingdings" panose="05000000000000000000" pitchFamily="2" charset="2"/>
-              <a:buChar char="Ø"/>
-            </a:pPr>
-            <a:endParaRPr lang="en-US" dirty="0">
-              <a:solidFill>
-                <a:srgbClr val="333333"/>
-              </a:solidFill>
-              <a:latin typeface="Century Gothic" panose="020B0502020202020204" pitchFamily="34" charset="0"/>
-              <a:ea typeface="Arial"/>
-              <a:cs typeface="Arial"/>
-              <a:sym typeface="Arial"/>
-            </a:endParaRPr>
-          </a:p>
-          <a:p>
-            <a:pPr marL="342900" lvl="0" indent="-342900" algn="l" rtl="0">
-              <a:spcBef>
-                <a:spcPts val="1000"/>
-              </a:spcBef>
-              <a:spcAft>
-                <a:spcPts val="0"/>
-              </a:spcAft>
-              <a:buSzPts val="1600"/>
-              <a:buFont typeface="Wingdings" panose="05000000000000000000" pitchFamily="2" charset="2"/>
-              <a:buChar char="Ø"/>
-            </a:pPr>
-            <a:endParaRPr lang="en-US" dirty="0">
-              <a:solidFill>
-                <a:srgbClr val="333333"/>
-              </a:solidFill>
-              <a:latin typeface="Century Gothic" panose="020B0502020202020204" pitchFamily="34" charset="0"/>
-              <a:ea typeface="Arial"/>
-              <a:cs typeface="Arial"/>
-              <a:sym typeface="Arial"/>
-            </a:endParaRPr>
-          </a:p>
-          <a:p>
-            <a:pPr marL="342900" lvl="0" indent="-342900" algn="l" rtl="0">
-              <a:spcBef>
-                <a:spcPts val="1000"/>
-              </a:spcBef>
-              <a:spcAft>
-                <a:spcPts val="0"/>
-              </a:spcAft>
-              <a:buSzPts val="1600"/>
-              <a:buFont typeface="Wingdings" panose="05000000000000000000" pitchFamily="2" charset="2"/>
-              <a:buChar char="Ø"/>
-            </a:pPr>
-            <a:endParaRPr lang="en-US" dirty="0">
-              <a:solidFill>
-                <a:srgbClr val="333333"/>
-              </a:solidFill>
-              <a:latin typeface="Century Gothic" panose="020B0502020202020204" pitchFamily="34" charset="0"/>
-              <a:ea typeface="Arial"/>
-              <a:cs typeface="Arial"/>
-              <a:sym typeface="Arial"/>
-            </a:endParaRPr>
-          </a:p>
-          <a:p>
-            <a:pPr marL="342900" lvl="0" indent="-342900" algn="l" rtl="0">
-              <a:spcBef>
-                <a:spcPts val="1000"/>
-              </a:spcBef>
-              <a:spcAft>
-                <a:spcPts val="0"/>
-              </a:spcAft>
-              <a:buSzPts val="1600"/>
-              <a:buFont typeface="Wingdings" panose="05000000000000000000" pitchFamily="2" charset="2"/>
-              <a:buChar char="Ø"/>
-            </a:pPr>
-            <a:endParaRPr lang="en-US" dirty="0">
-              <a:solidFill>
-                <a:srgbClr val="333333"/>
-              </a:solidFill>
-              <a:latin typeface="Century Gothic" panose="020B0502020202020204" pitchFamily="34" charset="0"/>
-              <a:ea typeface="Arial"/>
-              <a:cs typeface="Arial"/>
-              <a:sym typeface="Arial"/>
-            </a:endParaRPr>
           </a:p>
         </p:txBody>
       </p:sp>
@@ -22000,12 +24456,67 @@
           </a:p>
         </p:txBody>
       </p:sp>
+      <p:sp>
+        <p:nvSpPr>
+          <p:cNvPr id="24" name="Rectangle 23">
+            <a:extLst>
+              <a:ext uri="{FF2B5EF4-FFF2-40B4-BE49-F238E27FC236}">
+                <a16:creationId xmlns:a16="http://schemas.microsoft.com/office/drawing/2014/main" id="{E1B06510-9F1B-8489-AE61-5FA4C2402CA1}"/>
+              </a:ext>
+            </a:extLst>
+          </p:cNvPr>
+          <p:cNvSpPr/>
+          <p:nvPr/>
+        </p:nvSpPr>
+        <p:spPr>
+          <a:xfrm>
+            <a:off x="782258" y="1550710"/>
+            <a:ext cx="193010" cy="158019"/>
+          </a:xfrm>
+          <a:prstGeom prst="rect">
+            <a:avLst/>
+          </a:prstGeom>
+          <a:noFill/>
+          <a:ln w="0">
+            <a:noFill/>
+          </a:ln>
+        </p:spPr>
+        <p:style>
+          <a:lnRef idx="0">
+            <a:scrgbClr r="0" g="0" b="0"/>
+          </a:lnRef>
+          <a:fillRef idx="0">
+            <a:scrgbClr r="0" g="0" b="0"/>
+          </a:fillRef>
+          <a:effectRef idx="0">
+            <a:scrgbClr r="0" g="0" b="0"/>
+          </a:effectRef>
+          <a:fontRef idx="minor"/>
+        </p:style>
+        <p:txBody>
+          <a:bodyPr lIns="90000" tIns="45000" rIns="90000" bIns="45000" anchor="t">
+            <a:noAutofit/>
+          </a:bodyPr>
+          <a:lstStyle/>
+          <a:p>
+            <a:pPr>
+              <a:lnSpc>
+                <a:spcPct val="100000"/>
+              </a:lnSpc>
+              <a:buNone/>
+            </a:pPr>
+            <a:endParaRPr lang="en-US" sz="800" b="0" strike="noStrike" spc="-1" dirty="0">
+              <a:latin typeface="Arial"/>
+            </a:endParaRPr>
+          </a:p>
+        </p:txBody>
+      </p:sp>
       <p:grpSp>
         <p:nvGrpSpPr>
-          <p:cNvPr id="12" name="Group 11">
+          <p:cNvPr id="192" name="Group 191">
             <a:extLst>
               <a:ext uri="{FF2B5EF4-FFF2-40B4-BE49-F238E27FC236}">
-                <a16:creationId xmlns:a16="http://schemas.microsoft.com/office/drawing/2014/main" id="{D9BE5D7C-F966-4057-198D-6133FBCDABD0}"/>
+                <a16:creationId xmlns:a16="http://schemas.microsoft.com/office/drawing/2014/main" id="{5FC5AB5C-16CD-FC49-B838-42A2317F777E}"/>
               </a:ext>
             </a:extLst>
           </p:cNvPr>
@@ -22014,204 +24525,890 @@
         </p:nvGrpSpPr>
         <p:grpSpPr>
           <a:xfrm>
-            <a:off x="1962418" y="2551478"/>
-            <a:ext cx="7706914" cy="3620722"/>
-            <a:chOff x="1047566" y="2187833"/>
-            <a:chExt cx="8237403" cy="3916897"/>
+            <a:off x="316760" y="1550710"/>
+            <a:ext cx="6447680" cy="4773400"/>
+            <a:chOff x="786240" y="132840"/>
+            <a:chExt cx="10056600" cy="6723360"/>
           </a:xfrm>
         </p:grpSpPr>
         <p:pic>
           <p:nvPicPr>
-            <p:cNvPr id="2" name="Picture 1">
+            <p:cNvPr id="41" name="Picture 1">
               <a:extLst>
                 <a:ext uri="{FF2B5EF4-FFF2-40B4-BE49-F238E27FC236}">
-                  <a16:creationId xmlns:a16="http://schemas.microsoft.com/office/drawing/2014/main" id="{1A7C0FBD-86BE-53DE-B4DD-09A00767ECD1}"/>
+                  <a16:creationId xmlns:a16="http://schemas.microsoft.com/office/drawing/2014/main" id="{400B2660-75C6-B981-910C-9AD9712B9924}"/>
                 </a:ext>
               </a:extLst>
             </p:cNvPr>
-            <p:cNvPicPr>
-              <a:picLocks noChangeAspect="1"/>
-            </p:cNvPicPr>
+            <p:cNvPicPr/>
             <p:nvPr/>
           </p:nvPicPr>
           <p:blipFill>
-            <a:blip r:embed="rId3">
-              <a:extLst>
-                <a:ext uri="{28A0092B-C50C-407E-A947-70E740481C1C}">
-                  <a14:useLocalDpi xmlns:a14="http://schemas.microsoft.com/office/drawing/2010/main" val="0"/>
-                </a:ext>
-              </a:extLst>
-            </a:blip>
-            <a:stretch>
-              <a:fillRect/>
-            </a:stretch>
+            <a:blip r:embed="rId3"/>
+            <a:stretch/>
           </p:blipFill>
           <p:spPr>
             <a:xfrm>
-              <a:off x="2539084" y="2187833"/>
-              <a:ext cx="5290256" cy="3537117"/>
+              <a:off x="786240" y="132840"/>
+              <a:ext cx="10056600" cy="6723360"/>
             </a:xfrm>
             <a:prstGeom prst="rect">
               <a:avLst/>
             </a:prstGeom>
+            <a:ln w="0">
+              <a:noFill/>
+            </a:ln>
           </p:spPr>
         </p:pic>
-        <p:cxnSp>
-          <p:nvCxnSpPr>
-            <p:cNvPr id="4" name="Straight Arrow Connector 3">
+        <p:pic>
+          <p:nvPicPr>
+            <p:cNvPr id="43" name="Picture 42">
               <a:extLst>
                 <a:ext uri="{FF2B5EF4-FFF2-40B4-BE49-F238E27FC236}">
-                  <a16:creationId xmlns:a16="http://schemas.microsoft.com/office/drawing/2014/main" id="{3AB54CF5-16D3-D62C-ADA3-34F52C4ADF55}"/>
+                  <a16:creationId xmlns:a16="http://schemas.microsoft.com/office/drawing/2014/main" id="{98DE10ED-9A6B-5ED8-8BBA-5766293A891E}"/>
                 </a:ext>
               </a:extLst>
             </p:cNvPr>
-            <p:cNvCxnSpPr>
-              <a:cxnSpLocks/>
-            </p:cNvCxnSpPr>
+            <p:cNvPicPr/>
             <p:nvPr/>
-          </p:nvCxnSpPr>
+          </p:nvPicPr>
+          <p:blipFill>
+            <a:blip r:embed="rId4"/>
+            <a:stretch/>
+          </p:blipFill>
           <p:spPr>
-            <a:xfrm flipV="1">
-              <a:off x="2308195" y="2270387"/>
-              <a:ext cx="0" cy="3375811"/>
+            <a:xfrm>
+              <a:off x="3134160" y="2057400"/>
+              <a:ext cx="2809080" cy="856440"/>
             </a:xfrm>
-            <a:prstGeom prst="straightConnector1">
+            <a:prstGeom prst="rect">
               <a:avLst/>
             </a:prstGeom>
-            <a:ln w="38100">
-              <a:tailEnd type="triangle"/>
+            <a:ln w="0">
+              <a:noFill/>
             </a:ln>
           </p:spPr>
-          <p:style>
-            <a:lnRef idx="1">
-              <a:schemeClr val="accent5"/>
-            </a:lnRef>
-            <a:fillRef idx="0">
-              <a:schemeClr val="accent5"/>
-            </a:fillRef>
-            <a:effectRef idx="0">
-              <a:schemeClr val="accent5"/>
-            </a:effectRef>
-            <a:fontRef idx="minor">
-              <a:schemeClr val="tx1"/>
-            </a:fontRef>
-          </p:style>
-        </p:cxnSp>
+        </p:pic>
         <p:sp>
           <p:nvSpPr>
-            <p:cNvPr id="6" name="TextBox 5">
+            <p:cNvPr id="47" name="Straight Connector 46">
               <a:extLst>
                 <a:ext uri="{FF2B5EF4-FFF2-40B4-BE49-F238E27FC236}">
-                  <a16:creationId xmlns:a16="http://schemas.microsoft.com/office/drawing/2014/main" id="{A35056A0-8F6B-6820-3F2F-50C93B1F7F59}"/>
+                  <a16:creationId xmlns:a16="http://schemas.microsoft.com/office/drawing/2014/main" id="{996C863E-9577-36C4-5117-3BB028054D98}"/>
                 </a:ext>
               </a:extLst>
             </p:cNvPr>
-            <p:cNvSpPr txBox="1"/>
+            <p:cNvSpPr/>
             <p:nvPr/>
           </p:nvSpPr>
           <p:spPr>
             <a:xfrm>
-              <a:off x="1047566" y="3429000"/>
-              <a:ext cx="1091952" cy="307777"/>
+              <a:off x="1107000" y="228600"/>
+              <a:ext cx="360" cy="6400800"/>
+            </a:xfrm>
+            <a:prstGeom prst="line">
+              <a:avLst/>
+            </a:prstGeom>
+            <a:ln w="0" cap="rnd">
+              <a:solidFill>
+                <a:srgbClr val="FF0000"/>
+              </a:solidFill>
+              <a:prstDash val="sysDash"/>
+            </a:ln>
+          </p:spPr>
+          <p:style>
+            <a:lnRef idx="0">
+              <a:scrgbClr r="0" g="0" b="0"/>
+            </a:lnRef>
+            <a:fillRef idx="0">
+              <a:scrgbClr r="0" g="0" b="0"/>
+            </a:fillRef>
+            <a:effectRef idx="0">
+              <a:scrgbClr r="0" g="0" b="0"/>
+            </a:effectRef>
+            <a:fontRef idx="minor"/>
+          </p:style>
+        </p:sp>
+        <p:sp>
+          <p:nvSpPr>
+            <p:cNvPr id="48" name="Straight Connector 47">
+              <a:extLst>
+                <a:ext uri="{FF2B5EF4-FFF2-40B4-BE49-F238E27FC236}">
+                  <a16:creationId xmlns:a16="http://schemas.microsoft.com/office/drawing/2014/main" id="{063C7200-2A7B-2ED8-7DBB-76AC332A4701}"/>
+                </a:ext>
+              </a:extLst>
+            </p:cNvPr>
+            <p:cNvSpPr/>
+            <p:nvPr/>
+          </p:nvSpPr>
+          <p:spPr>
+            <a:xfrm>
+              <a:off x="1359000" y="228600"/>
+              <a:ext cx="360" cy="6400800"/>
+            </a:xfrm>
+            <a:prstGeom prst="line">
+              <a:avLst/>
+            </a:prstGeom>
+            <a:ln w="0" cap="rnd">
+              <a:solidFill>
+                <a:srgbClr val="FF0000"/>
+              </a:solidFill>
+              <a:prstDash val="sysDash"/>
+            </a:ln>
+          </p:spPr>
+          <p:style>
+            <a:lnRef idx="0">
+              <a:scrgbClr r="0" g="0" b="0"/>
+            </a:lnRef>
+            <a:fillRef idx="0">
+              <a:scrgbClr r="0" g="0" b="0"/>
+            </a:fillRef>
+            <a:effectRef idx="0">
+              <a:scrgbClr r="0" g="0" b="0"/>
+            </a:effectRef>
+            <a:fontRef idx="minor"/>
+          </p:style>
+        </p:sp>
+        <p:sp>
+          <p:nvSpPr>
+            <p:cNvPr id="49" name="Straight Connector 48">
+              <a:extLst>
+                <a:ext uri="{FF2B5EF4-FFF2-40B4-BE49-F238E27FC236}">
+                  <a16:creationId xmlns:a16="http://schemas.microsoft.com/office/drawing/2014/main" id="{F8A02436-DCC2-91CF-3795-264B3C5D1085}"/>
+                </a:ext>
+              </a:extLst>
+            </p:cNvPr>
+            <p:cNvSpPr/>
+            <p:nvPr/>
+          </p:nvSpPr>
+          <p:spPr>
+            <a:xfrm>
+              <a:off x="1503000" y="228600"/>
+              <a:ext cx="360" cy="6400800"/>
+            </a:xfrm>
+            <a:prstGeom prst="line">
+              <a:avLst/>
+            </a:prstGeom>
+            <a:ln w="0" cap="rnd">
+              <a:solidFill>
+                <a:srgbClr val="FF0000"/>
+              </a:solidFill>
+              <a:prstDash val="sysDash"/>
+            </a:ln>
+          </p:spPr>
+          <p:style>
+            <a:lnRef idx="0">
+              <a:scrgbClr r="0" g="0" b="0"/>
+            </a:lnRef>
+            <a:fillRef idx="0">
+              <a:scrgbClr r="0" g="0" b="0"/>
+            </a:fillRef>
+            <a:effectRef idx="0">
+              <a:scrgbClr r="0" g="0" b="0"/>
+            </a:effectRef>
+            <a:fontRef idx="minor"/>
+          </p:style>
+        </p:sp>
+        <p:sp>
+          <p:nvSpPr>
+            <p:cNvPr id="50" name="Straight Connector 49">
+              <a:extLst>
+                <a:ext uri="{FF2B5EF4-FFF2-40B4-BE49-F238E27FC236}">
+                  <a16:creationId xmlns:a16="http://schemas.microsoft.com/office/drawing/2014/main" id="{9F0F6529-28D3-F836-8C59-45293B3817B5}"/>
+                </a:ext>
+              </a:extLst>
+            </p:cNvPr>
+            <p:cNvSpPr/>
+            <p:nvPr/>
+          </p:nvSpPr>
+          <p:spPr>
+            <a:xfrm>
+              <a:off x="1575000" y="228600"/>
+              <a:ext cx="360" cy="6400800"/>
+            </a:xfrm>
+            <a:prstGeom prst="line">
+              <a:avLst/>
+            </a:prstGeom>
+            <a:ln w="0" cap="rnd">
+              <a:solidFill>
+                <a:srgbClr val="FF0000"/>
+              </a:solidFill>
+              <a:prstDash val="sysDash"/>
+            </a:ln>
+          </p:spPr>
+          <p:style>
+            <a:lnRef idx="0">
+              <a:scrgbClr r="0" g="0" b="0"/>
+            </a:lnRef>
+            <a:fillRef idx="0">
+              <a:scrgbClr r="0" g="0" b="0"/>
+            </a:fillRef>
+            <a:effectRef idx="0">
+              <a:scrgbClr r="0" g="0" b="0"/>
+            </a:effectRef>
+            <a:fontRef idx="minor"/>
+          </p:style>
+        </p:sp>
+        <p:sp>
+          <p:nvSpPr>
+            <p:cNvPr id="51" name="Straight Connector 50">
+              <a:extLst>
+                <a:ext uri="{FF2B5EF4-FFF2-40B4-BE49-F238E27FC236}">
+                  <a16:creationId xmlns:a16="http://schemas.microsoft.com/office/drawing/2014/main" id="{23CE0EF3-463C-C476-EE0B-D8B8A8DFF3C3}"/>
+                </a:ext>
+              </a:extLst>
+            </p:cNvPr>
+            <p:cNvSpPr/>
+            <p:nvPr/>
+          </p:nvSpPr>
+          <p:spPr>
+            <a:xfrm>
+              <a:off x="1827000" y="228600"/>
+              <a:ext cx="360" cy="6400800"/>
+            </a:xfrm>
+            <a:prstGeom prst="line">
+              <a:avLst/>
+            </a:prstGeom>
+            <a:ln w="0" cap="rnd">
+              <a:solidFill>
+                <a:srgbClr val="FF0000"/>
+              </a:solidFill>
+              <a:prstDash val="sysDash"/>
+            </a:ln>
+          </p:spPr>
+          <p:style>
+            <a:lnRef idx="0">
+              <a:scrgbClr r="0" g="0" b="0"/>
+            </a:lnRef>
+            <a:fillRef idx="0">
+              <a:scrgbClr r="0" g="0" b="0"/>
+            </a:fillRef>
+            <a:effectRef idx="0">
+              <a:scrgbClr r="0" g="0" b="0"/>
+            </a:effectRef>
+            <a:fontRef idx="minor"/>
+          </p:style>
+        </p:sp>
+        <p:sp>
+          <p:nvSpPr>
+            <p:cNvPr id="52" name="Straight Connector 51">
+              <a:extLst>
+                <a:ext uri="{FF2B5EF4-FFF2-40B4-BE49-F238E27FC236}">
+                  <a16:creationId xmlns:a16="http://schemas.microsoft.com/office/drawing/2014/main" id="{019AD52A-B996-0A93-8CD8-C1163FFD8D42}"/>
+                </a:ext>
+              </a:extLst>
+            </p:cNvPr>
+            <p:cNvSpPr/>
+            <p:nvPr/>
+          </p:nvSpPr>
+          <p:spPr>
+            <a:xfrm>
+              <a:off x="1971000" y="228600"/>
+              <a:ext cx="360" cy="6400800"/>
+            </a:xfrm>
+            <a:prstGeom prst="line">
+              <a:avLst/>
+            </a:prstGeom>
+            <a:ln w="0" cap="rnd">
+              <a:solidFill>
+                <a:srgbClr val="FF0000"/>
+              </a:solidFill>
+              <a:prstDash val="sysDash"/>
+            </a:ln>
+          </p:spPr>
+          <p:style>
+            <a:lnRef idx="0">
+              <a:scrgbClr r="0" g="0" b="0"/>
+            </a:lnRef>
+            <a:fillRef idx="0">
+              <a:scrgbClr r="0" g="0" b="0"/>
+            </a:fillRef>
+            <a:effectRef idx="0">
+              <a:scrgbClr r="0" g="0" b="0"/>
+            </a:effectRef>
+            <a:fontRef idx="minor"/>
+          </p:style>
+        </p:sp>
+        <p:sp>
+          <p:nvSpPr>
+            <p:cNvPr id="53" name="Straight Connector 52">
+              <a:extLst>
+                <a:ext uri="{FF2B5EF4-FFF2-40B4-BE49-F238E27FC236}">
+                  <a16:creationId xmlns:a16="http://schemas.microsoft.com/office/drawing/2014/main" id="{B216168A-A05A-0DE8-13B3-6FA5A0AFB4FA}"/>
+                </a:ext>
+              </a:extLst>
+            </p:cNvPr>
+            <p:cNvSpPr/>
+            <p:nvPr/>
+          </p:nvSpPr>
+          <p:spPr>
+            <a:xfrm>
+              <a:off x="2223000" y="228600"/>
+              <a:ext cx="360" cy="6400800"/>
+            </a:xfrm>
+            <a:prstGeom prst="line">
+              <a:avLst/>
+            </a:prstGeom>
+            <a:ln w="0" cap="rnd">
+              <a:solidFill>
+                <a:srgbClr val="FF0000"/>
+              </a:solidFill>
+              <a:prstDash val="sysDash"/>
+            </a:ln>
+          </p:spPr>
+          <p:style>
+            <a:lnRef idx="0">
+              <a:scrgbClr r="0" g="0" b="0"/>
+            </a:lnRef>
+            <a:fillRef idx="0">
+              <a:scrgbClr r="0" g="0" b="0"/>
+            </a:fillRef>
+            <a:effectRef idx="0">
+              <a:scrgbClr r="0" g="0" b="0"/>
+            </a:effectRef>
+            <a:fontRef idx="minor"/>
+          </p:style>
+        </p:sp>
+        <p:sp>
+          <p:nvSpPr>
+            <p:cNvPr id="54" name="Straight Connector 53">
+              <a:extLst>
+                <a:ext uri="{FF2B5EF4-FFF2-40B4-BE49-F238E27FC236}">
+                  <a16:creationId xmlns:a16="http://schemas.microsoft.com/office/drawing/2014/main" id="{B56B7E9A-C1C7-EF61-F320-54829437967D}"/>
+                </a:ext>
+              </a:extLst>
+            </p:cNvPr>
+            <p:cNvSpPr/>
+            <p:nvPr/>
+          </p:nvSpPr>
+          <p:spPr>
+            <a:xfrm>
+              <a:off x="10695600" y="228600"/>
+              <a:ext cx="360" cy="6400800"/>
+            </a:xfrm>
+            <a:prstGeom prst="line">
+              <a:avLst/>
+            </a:prstGeom>
+            <a:ln w="0" cap="rnd">
+              <a:solidFill>
+                <a:srgbClr val="FF0000"/>
+              </a:solidFill>
+              <a:prstDash val="sysDash"/>
+            </a:ln>
+          </p:spPr>
+          <p:style>
+            <a:lnRef idx="0">
+              <a:scrgbClr r="0" g="0" b="0"/>
+            </a:lnRef>
+            <a:fillRef idx="0">
+              <a:scrgbClr r="0" g="0" b="0"/>
+            </a:fillRef>
+            <a:effectRef idx="0">
+              <a:scrgbClr r="0" g="0" b="0"/>
+            </a:effectRef>
+            <a:fontRef idx="minor"/>
+          </p:style>
+        </p:sp>
+        <p:sp>
+          <p:nvSpPr>
+            <p:cNvPr id="55" name="Straight Connector 54">
+              <a:extLst>
+                <a:ext uri="{FF2B5EF4-FFF2-40B4-BE49-F238E27FC236}">
+                  <a16:creationId xmlns:a16="http://schemas.microsoft.com/office/drawing/2014/main" id="{57458B21-FD2E-CBA2-E813-3E61603657A0}"/>
+                </a:ext>
+              </a:extLst>
+            </p:cNvPr>
+            <p:cNvSpPr/>
+            <p:nvPr/>
+          </p:nvSpPr>
+          <p:spPr>
+            <a:xfrm>
+              <a:off x="1035000" y="228600"/>
+              <a:ext cx="360" cy="6400800"/>
+            </a:xfrm>
+            <a:prstGeom prst="line">
+              <a:avLst/>
+            </a:prstGeom>
+            <a:ln w="0" cap="rnd">
+              <a:solidFill>
+                <a:srgbClr val="FF0000"/>
+              </a:solidFill>
+              <a:prstDash val="sysDash"/>
+            </a:ln>
+          </p:spPr>
+          <p:style>
+            <a:lnRef idx="0">
+              <a:scrgbClr r="0" g="0" b="0"/>
+            </a:lnRef>
+            <a:fillRef idx="0">
+              <a:scrgbClr r="0" g="0" b="0"/>
+            </a:fillRef>
+            <a:effectRef idx="0">
+              <a:scrgbClr r="0" g="0" b="0"/>
+            </a:effectRef>
+            <a:fontRef idx="minor"/>
+          </p:style>
+        </p:sp>
+        <p:sp>
+          <p:nvSpPr>
+            <p:cNvPr id="56" name="Rectangle 55">
+              <a:extLst>
+                <a:ext uri="{FF2B5EF4-FFF2-40B4-BE49-F238E27FC236}">
+                  <a16:creationId xmlns:a16="http://schemas.microsoft.com/office/drawing/2014/main" id="{B63FE24D-311A-7091-2B33-61E8587576E3}"/>
+                </a:ext>
+              </a:extLst>
+            </p:cNvPr>
+            <p:cNvSpPr/>
+            <p:nvPr/>
+          </p:nvSpPr>
+          <p:spPr>
+            <a:xfrm>
+              <a:off x="950400" y="228600"/>
+              <a:ext cx="236880" cy="204480"/>
             </a:xfrm>
             <a:prstGeom prst="rect">
               <a:avLst/>
             </a:prstGeom>
             <a:noFill/>
+            <a:ln w="0">
+              <a:noFill/>
+            </a:ln>
           </p:spPr>
+          <p:style>
+            <a:lnRef idx="0">
+              <a:scrgbClr r="0" g="0" b="0"/>
+            </a:lnRef>
+            <a:fillRef idx="0">
+              <a:scrgbClr r="0" g="0" b="0"/>
+            </a:fillRef>
+            <a:effectRef idx="0">
+              <a:scrgbClr r="0" g="0" b="0"/>
+            </a:effectRef>
+            <a:fontRef idx="minor"/>
+          </p:style>
           <p:txBody>
-            <a:bodyPr wrap="square" rtlCol="0">
-              <a:spAutoFit/>
+            <a:bodyPr lIns="90000" tIns="45000" rIns="90000" bIns="45000" anchor="t">
+              <a:noAutofit/>
             </a:bodyPr>
             <a:lstStyle/>
             <a:p>
+              <a:pPr>
+                <a:lnSpc>
+                  <a:spcPct val="100000"/>
+                </a:lnSpc>
+                <a:buNone/>
+              </a:pPr>
               <a:r>
-                <a:rPr lang="en-US" dirty="0">
-                  <a:solidFill>
-                    <a:schemeClr val="bg1"/>
-                  </a:solidFill>
+                <a:rPr lang="en-US" sz="800" b="0" strike="noStrike" spc="-1">
+                  <a:latin typeface="Arial"/>
                 </a:rPr>
-                <a:t>Frequency</a:t>
+                <a:t>0</a:t>
               </a:r>
             </a:p>
           </p:txBody>
         </p:sp>
-        <p:cxnSp>
-          <p:nvCxnSpPr>
-            <p:cNvPr id="7" name="Straight Arrow Connector 6">
+        <p:sp>
+          <p:nvSpPr>
+            <p:cNvPr id="57" name="Rectangle 56">
               <a:extLst>
                 <a:ext uri="{FF2B5EF4-FFF2-40B4-BE49-F238E27FC236}">
-                  <a16:creationId xmlns:a16="http://schemas.microsoft.com/office/drawing/2014/main" id="{55C36108-E95A-4661-B7A7-6F08841ED30E}"/>
+                  <a16:creationId xmlns:a16="http://schemas.microsoft.com/office/drawing/2014/main" id="{7A08604B-6A16-2AD4-AD12-FD85598E10D9}"/>
                 </a:ext>
               </a:extLst>
             </p:cNvPr>
-            <p:cNvCxnSpPr>
-              <a:cxnSpLocks/>
-            </p:cNvCxnSpPr>
-            <p:nvPr/>
-          </p:nvCxnSpPr>
-          <p:spPr>
-            <a:xfrm>
-              <a:off x="2539084" y="5798598"/>
-              <a:ext cx="5459697" cy="0"/>
-            </a:xfrm>
-            <a:prstGeom prst="straightConnector1">
-              <a:avLst/>
-            </a:prstGeom>
-            <a:ln w="38100">
-              <a:tailEnd type="triangle"/>
-            </a:ln>
-          </p:spPr>
-          <p:style>
-            <a:lnRef idx="1">
-              <a:schemeClr val="accent5"/>
-            </a:lnRef>
-            <a:fillRef idx="0">
-              <a:schemeClr val="accent5"/>
-            </a:fillRef>
-            <a:effectRef idx="0">
-              <a:schemeClr val="accent5"/>
-            </a:effectRef>
-            <a:fontRef idx="minor">
-              <a:schemeClr val="tx1"/>
-            </a:fontRef>
-          </p:style>
-        </p:cxnSp>
-        <p:sp>
-          <p:nvSpPr>
-            <p:cNvPr id="10" name="TextBox 9">
-              <a:extLst>
-                <a:ext uri="{FF2B5EF4-FFF2-40B4-BE49-F238E27FC236}">
-                  <a16:creationId xmlns:a16="http://schemas.microsoft.com/office/drawing/2014/main" id="{F8B22DD4-321D-0E4A-961D-940E41E53A99}"/>
-                </a:ext>
-              </a:extLst>
-            </p:cNvPr>
-            <p:cNvSpPr txBox="1"/>
+            <p:cNvSpPr/>
             <p:nvPr/>
           </p:nvSpPr>
           <p:spPr>
             <a:xfrm>
-              <a:off x="8017831" y="5581510"/>
-              <a:ext cx="1267138" cy="523220"/>
+              <a:off x="1094760" y="228960"/>
+              <a:ext cx="236880" cy="204480"/>
             </a:xfrm>
             <a:prstGeom prst="rect">
               <a:avLst/>
             </a:prstGeom>
             <a:noFill/>
+            <a:ln w="0">
+              <a:noFill/>
+            </a:ln>
           </p:spPr>
+          <p:style>
+            <a:lnRef idx="0">
+              <a:scrgbClr r="0" g="0" b="0"/>
+            </a:lnRef>
+            <a:fillRef idx="0">
+              <a:scrgbClr r="0" g="0" b="0"/>
+            </a:fillRef>
+            <a:effectRef idx="0">
+              <a:scrgbClr r="0" g="0" b="0"/>
+            </a:effectRef>
+            <a:fontRef idx="minor"/>
+          </p:style>
           <p:txBody>
-            <a:bodyPr wrap="square" rtlCol="0">
-              <a:spAutoFit/>
+            <a:bodyPr lIns="90000" tIns="45000" rIns="90000" bIns="45000" anchor="t">
+              <a:noAutofit/>
             </a:bodyPr>
             <a:lstStyle/>
             <a:p>
+              <a:pPr>
+                <a:lnSpc>
+                  <a:spcPct val="100000"/>
+                </a:lnSpc>
+                <a:buNone/>
+              </a:pPr>
               <a:r>
-                <a:rPr lang="en-US" dirty="0">
-                  <a:solidFill>
-                    <a:schemeClr val="bg1"/>
-                  </a:solidFill>
+                <a:rPr lang="en-US" sz="800" b="0" strike="noStrike" spc="-1">
+                  <a:latin typeface="Arial"/>
                 </a:rPr>
-                <a:t># of comment interval</a:t>
+                <a:t>1</a:t>
+              </a:r>
+            </a:p>
+          </p:txBody>
+        </p:sp>
+        <p:sp>
+          <p:nvSpPr>
+            <p:cNvPr id="58" name="Rectangle 57">
+              <a:extLst>
+                <a:ext uri="{FF2B5EF4-FFF2-40B4-BE49-F238E27FC236}">
+                  <a16:creationId xmlns:a16="http://schemas.microsoft.com/office/drawing/2014/main" id="{53F9BEBA-EC23-A530-A09E-4355EA306737}"/>
+                </a:ext>
+              </a:extLst>
+            </p:cNvPr>
+            <p:cNvSpPr/>
+            <p:nvPr/>
+          </p:nvSpPr>
+          <p:spPr>
+            <a:xfrm>
+              <a:off x="1311120" y="229320"/>
+              <a:ext cx="236880" cy="204480"/>
+            </a:xfrm>
+            <a:prstGeom prst="rect">
+              <a:avLst/>
+            </a:prstGeom>
+            <a:noFill/>
+            <a:ln w="0">
+              <a:noFill/>
+            </a:ln>
+          </p:spPr>
+          <p:style>
+            <a:lnRef idx="0">
+              <a:scrgbClr r="0" g="0" b="0"/>
+            </a:lnRef>
+            <a:fillRef idx="0">
+              <a:scrgbClr r="0" g="0" b="0"/>
+            </a:fillRef>
+            <a:effectRef idx="0">
+              <a:scrgbClr r="0" g="0" b="0"/>
+            </a:effectRef>
+            <a:fontRef idx="minor"/>
+          </p:style>
+          <p:txBody>
+            <a:bodyPr lIns="90000" tIns="45000" rIns="90000" bIns="45000" anchor="t">
+              <a:noAutofit/>
+            </a:bodyPr>
+            <a:lstStyle/>
+            <a:p>
+              <a:pPr>
+                <a:lnSpc>
+                  <a:spcPct val="100000"/>
+                </a:lnSpc>
+                <a:buNone/>
+              </a:pPr>
+              <a:r>
+                <a:rPr lang="en-US" sz="800" b="0" strike="noStrike" spc="-1">
+                  <a:latin typeface="Arial"/>
+                </a:rPr>
+                <a:t>2</a:t>
+              </a:r>
+            </a:p>
+          </p:txBody>
+        </p:sp>
+        <p:sp>
+          <p:nvSpPr>
+            <p:cNvPr id="59" name="Rectangle 58">
+              <a:extLst>
+                <a:ext uri="{FF2B5EF4-FFF2-40B4-BE49-F238E27FC236}">
+                  <a16:creationId xmlns:a16="http://schemas.microsoft.com/office/drawing/2014/main" id="{D96B9D2F-B3B0-533F-F57D-244C43DBD477}"/>
+                </a:ext>
+              </a:extLst>
+            </p:cNvPr>
+            <p:cNvSpPr/>
+            <p:nvPr/>
+          </p:nvSpPr>
+          <p:spPr>
+            <a:xfrm>
+              <a:off x="1419480" y="229680"/>
+              <a:ext cx="236880" cy="204480"/>
+            </a:xfrm>
+            <a:prstGeom prst="rect">
+              <a:avLst/>
+            </a:prstGeom>
+            <a:noFill/>
+            <a:ln w="0">
+              <a:noFill/>
+            </a:ln>
+          </p:spPr>
+          <p:style>
+            <a:lnRef idx="0">
+              <a:scrgbClr r="0" g="0" b="0"/>
+            </a:lnRef>
+            <a:fillRef idx="0">
+              <a:scrgbClr r="0" g="0" b="0"/>
+            </a:fillRef>
+            <a:effectRef idx="0">
+              <a:scrgbClr r="0" g="0" b="0"/>
+            </a:effectRef>
+            <a:fontRef idx="minor"/>
+          </p:style>
+          <p:txBody>
+            <a:bodyPr lIns="90000" tIns="45000" rIns="90000" bIns="45000" anchor="t">
+              <a:noAutofit/>
+            </a:bodyPr>
+            <a:lstStyle/>
+            <a:p>
+              <a:pPr>
+                <a:lnSpc>
+                  <a:spcPct val="100000"/>
+                </a:lnSpc>
+                <a:buNone/>
+              </a:pPr>
+              <a:r>
+                <a:rPr lang="en-US" sz="800" b="0" strike="noStrike" spc="-1">
+                  <a:latin typeface="Arial"/>
+                </a:rPr>
+                <a:t>3</a:t>
+              </a:r>
+            </a:p>
+          </p:txBody>
+        </p:sp>
+        <p:sp>
+          <p:nvSpPr>
+            <p:cNvPr id="60" name="Rectangle 59">
+              <a:extLst>
+                <a:ext uri="{FF2B5EF4-FFF2-40B4-BE49-F238E27FC236}">
+                  <a16:creationId xmlns:a16="http://schemas.microsoft.com/office/drawing/2014/main" id="{632DAC7F-4DBC-0233-CD05-0E2488B6C247}"/>
+                </a:ext>
+              </a:extLst>
+            </p:cNvPr>
+            <p:cNvSpPr/>
+            <p:nvPr/>
+          </p:nvSpPr>
+          <p:spPr>
+            <a:xfrm>
+              <a:off x="1563480" y="229680"/>
+              <a:ext cx="236880" cy="204480"/>
+            </a:xfrm>
+            <a:prstGeom prst="rect">
+              <a:avLst/>
+            </a:prstGeom>
+            <a:noFill/>
+            <a:ln w="0">
+              <a:noFill/>
+            </a:ln>
+          </p:spPr>
+          <p:style>
+            <a:lnRef idx="0">
+              <a:scrgbClr r="0" g="0" b="0"/>
+            </a:lnRef>
+            <a:fillRef idx="0">
+              <a:scrgbClr r="0" g="0" b="0"/>
+            </a:fillRef>
+            <a:effectRef idx="0">
+              <a:scrgbClr r="0" g="0" b="0"/>
+            </a:effectRef>
+            <a:fontRef idx="minor"/>
+          </p:style>
+          <p:txBody>
+            <a:bodyPr lIns="90000" tIns="45000" rIns="90000" bIns="45000" anchor="t">
+              <a:noAutofit/>
+            </a:bodyPr>
+            <a:lstStyle/>
+            <a:p>
+              <a:pPr>
+                <a:lnSpc>
+                  <a:spcPct val="100000"/>
+                </a:lnSpc>
+                <a:buNone/>
+              </a:pPr>
+              <a:r>
+                <a:rPr lang="en-US" sz="800" b="0" strike="noStrike" spc="-1">
+                  <a:latin typeface="Arial"/>
+                </a:rPr>
+                <a:t>4</a:t>
+              </a:r>
+            </a:p>
+          </p:txBody>
+        </p:sp>
+        <p:sp>
+          <p:nvSpPr>
+            <p:cNvPr id="61" name="Rectangle 60">
+              <a:extLst>
+                <a:ext uri="{FF2B5EF4-FFF2-40B4-BE49-F238E27FC236}">
+                  <a16:creationId xmlns:a16="http://schemas.microsoft.com/office/drawing/2014/main" id="{ED902CF1-AE3A-BA09-95B7-B694C7FAB6DA}"/>
+                </a:ext>
+              </a:extLst>
+            </p:cNvPr>
+            <p:cNvSpPr/>
+            <p:nvPr/>
+          </p:nvSpPr>
+          <p:spPr>
+            <a:xfrm>
+              <a:off x="1779840" y="230040"/>
+              <a:ext cx="236880" cy="204480"/>
+            </a:xfrm>
+            <a:prstGeom prst="rect">
+              <a:avLst/>
+            </a:prstGeom>
+            <a:noFill/>
+            <a:ln w="0">
+              <a:noFill/>
+            </a:ln>
+          </p:spPr>
+          <p:style>
+            <a:lnRef idx="0">
+              <a:scrgbClr r="0" g="0" b="0"/>
+            </a:lnRef>
+            <a:fillRef idx="0">
+              <a:scrgbClr r="0" g="0" b="0"/>
+            </a:fillRef>
+            <a:effectRef idx="0">
+              <a:scrgbClr r="0" g="0" b="0"/>
+            </a:effectRef>
+            <a:fontRef idx="minor"/>
+          </p:style>
+          <p:txBody>
+            <a:bodyPr lIns="90000" tIns="45000" rIns="90000" bIns="45000" anchor="t">
+              <a:noAutofit/>
+            </a:bodyPr>
+            <a:lstStyle/>
+            <a:p>
+              <a:pPr>
+                <a:lnSpc>
+                  <a:spcPct val="100000"/>
+                </a:lnSpc>
+                <a:buNone/>
+              </a:pPr>
+              <a:r>
+                <a:rPr lang="en-US" sz="800" b="0" strike="noStrike" spc="-1">
+                  <a:latin typeface="Arial"/>
+                </a:rPr>
+                <a:t>5</a:t>
+              </a:r>
+            </a:p>
+          </p:txBody>
+        </p:sp>
+        <p:sp>
+          <p:nvSpPr>
+            <p:cNvPr id="62" name="Rectangle 61">
+              <a:extLst>
+                <a:ext uri="{FF2B5EF4-FFF2-40B4-BE49-F238E27FC236}">
+                  <a16:creationId xmlns:a16="http://schemas.microsoft.com/office/drawing/2014/main" id="{9B0DE730-C296-02CA-BC00-91A665415992}"/>
+                </a:ext>
+              </a:extLst>
+            </p:cNvPr>
+            <p:cNvSpPr/>
+            <p:nvPr/>
+          </p:nvSpPr>
+          <p:spPr>
+            <a:xfrm>
+              <a:off x="1960200" y="230400"/>
+              <a:ext cx="236880" cy="204480"/>
+            </a:xfrm>
+            <a:prstGeom prst="rect">
+              <a:avLst/>
+            </a:prstGeom>
+            <a:noFill/>
+            <a:ln w="0">
+              <a:noFill/>
+            </a:ln>
+          </p:spPr>
+          <p:style>
+            <a:lnRef idx="0">
+              <a:scrgbClr r="0" g="0" b="0"/>
+            </a:lnRef>
+            <a:fillRef idx="0">
+              <a:scrgbClr r="0" g="0" b="0"/>
+            </a:fillRef>
+            <a:effectRef idx="0">
+              <a:scrgbClr r="0" g="0" b="0"/>
+            </a:effectRef>
+            <a:fontRef idx="minor"/>
+          </p:style>
+          <p:txBody>
+            <a:bodyPr lIns="90000" tIns="45000" rIns="90000" bIns="45000" anchor="t">
+              <a:noAutofit/>
+            </a:bodyPr>
+            <a:lstStyle/>
+            <a:p>
+              <a:pPr>
+                <a:lnSpc>
+                  <a:spcPct val="100000"/>
+                </a:lnSpc>
+                <a:buNone/>
+              </a:pPr>
+              <a:r>
+                <a:rPr lang="en-US" sz="800" b="0" strike="noStrike" spc="-1">
+                  <a:latin typeface="Arial"/>
+                </a:rPr>
+                <a:t>6</a:t>
+              </a:r>
+            </a:p>
+          </p:txBody>
+        </p:sp>
+        <p:sp>
+          <p:nvSpPr>
+            <p:cNvPr id="63" name="Rectangle 62">
+              <a:extLst>
+                <a:ext uri="{FF2B5EF4-FFF2-40B4-BE49-F238E27FC236}">
+                  <a16:creationId xmlns:a16="http://schemas.microsoft.com/office/drawing/2014/main" id="{66129198-AD74-2105-83C0-0F878D8F530C}"/>
+                </a:ext>
+              </a:extLst>
+            </p:cNvPr>
+            <p:cNvSpPr/>
+            <p:nvPr/>
+          </p:nvSpPr>
+          <p:spPr>
+            <a:xfrm>
+              <a:off x="3976560" y="230760"/>
+              <a:ext cx="236880" cy="204480"/>
+            </a:xfrm>
+            <a:prstGeom prst="rect">
+              <a:avLst/>
+            </a:prstGeom>
+            <a:noFill/>
+            <a:ln w="0">
+              <a:noFill/>
+            </a:ln>
+          </p:spPr>
+          <p:style>
+            <a:lnRef idx="0">
+              <a:scrgbClr r="0" g="0" b="0"/>
+            </a:lnRef>
+            <a:fillRef idx="0">
+              <a:scrgbClr r="0" g="0" b="0"/>
+            </a:fillRef>
+            <a:effectRef idx="0">
+              <a:scrgbClr r="0" g="0" b="0"/>
+            </a:effectRef>
+            <a:fontRef idx="minor"/>
+          </p:style>
+          <p:txBody>
+            <a:bodyPr lIns="90000" tIns="45000" rIns="90000" bIns="45000" anchor="t">
+              <a:noAutofit/>
+            </a:bodyPr>
+            <a:lstStyle/>
+            <a:p>
+              <a:pPr>
+                <a:lnSpc>
+                  <a:spcPct val="100000"/>
+                </a:lnSpc>
+                <a:buNone/>
+              </a:pPr>
+              <a:r>
+                <a:rPr lang="en-US" sz="800" b="0" strike="noStrike" spc="-1">
+                  <a:latin typeface="Arial"/>
+                </a:rPr>
+                <a:t>7</a:t>
               </a:r>
             </a:p>
           </p:txBody>
@@ -22220,7 +25417,7 @@
     </p:spTree>
     <p:extLst>
       <p:ext uri="{BB962C8B-B14F-4D97-AF65-F5344CB8AC3E}">
-        <p14:creationId xmlns:p14="http://schemas.microsoft.com/office/powerpoint/2010/main" val="3794483824"/>
+        <p14:creationId xmlns:p14="http://schemas.microsoft.com/office/powerpoint/2010/main" val="664285134"/>
       </p:ext>
     </p:extLst>
   </p:cSld>
@@ -22272,7 +25469,7 @@
         </p:spPr>
         <p:txBody>
           <a:bodyPr spcFirstLastPara="1" wrap="square" lIns="91425" tIns="45700" rIns="91425" bIns="45700" anchor="ctr" anchorCtr="0">
-            <a:normAutofit/>
+            <a:normAutofit fontScale="90000"/>
           </a:bodyPr>
           <a:lstStyle/>
           <a:p>
@@ -22301,260 +25498,14 @@
               <a:rPr lang="en-US" dirty="0"/>
               <a:t>IMAGE CAPTIONING</a:t>
             </a:r>
+            <a:br>
+              <a:rPr lang="en-US" dirty="0"/>
+            </a:br>
+            <a:r>
+              <a:rPr lang="en-US" dirty="0"/>
+              <a:t>Network Training</a:t>
+            </a:r>
             <a:endParaRPr dirty="0"/>
-          </a:p>
-        </p:txBody>
-      </p:sp>
-      <p:sp>
-        <p:nvSpPr>
-          <p:cNvPr id="228" name="Google Shape;228;p7"/>
-          <p:cNvSpPr txBox="1">
-            <a:spLocks noGrp="1"/>
-          </p:cNvSpPr>
-          <p:nvPr>
-            <p:ph type="body" idx="1"/>
-          </p:nvPr>
-        </p:nvSpPr>
-        <p:spPr>
-          <a:xfrm>
-            <a:off x="1268550" y="1133050"/>
-            <a:ext cx="9654900" cy="4785900"/>
-          </a:xfrm>
-          <a:prstGeom prst="rect">
-            <a:avLst/>
-          </a:prstGeom>
-          <a:noFill/>
-          <a:ln>
-            <a:noFill/>
-          </a:ln>
-        </p:spPr>
-        <p:txBody>
-          <a:bodyPr spcFirstLastPara="1" wrap="square" lIns="91425" tIns="45700" rIns="91425" bIns="45700" anchor="ctr" anchorCtr="0">
-            <a:normAutofit/>
-          </a:bodyPr>
-          <a:lstStyle/>
-          <a:p>
-            <a:pPr marL="342900" lvl="0" indent="-342900" algn="l" rtl="0">
-              <a:spcBef>
-                <a:spcPts val="1000"/>
-              </a:spcBef>
-              <a:spcAft>
-                <a:spcPts val="0"/>
-              </a:spcAft>
-              <a:buSzPts val="1600"/>
-              <a:buFont typeface="Wingdings" panose="05000000000000000000" pitchFamily="2" charset="2"/>
-              <a:buChar char="Ø"/>
-            </a:pPr>
-            <a:r>
-              <a:rPr lang="en-US" dirty="0">
-                <a:solidFill>
-                  <a:srgbClr val="333333"/>
-                </a:solidFill>
-                <a:latin typeface="Century Gothic" panose="020B0502020202020204" pitchFamily="34" charset="0"/>
-                <a:ea typeface="Arial"/>
-                <a:cs typeface="Arial"/>
-                <a:sym typeface="Arial"/>
-              </a:rPr>
-              <a:t>Categories are combined into 8 main categories</a:t>
-            </a:r>
-          </a:p>
-          <a:p>
-            <a:pPr marL="342900" lvl="0" indent="-342900" algn="l" rtl="0">
-              <a:spcBef>
-                <a:spcPts val="1000"/>
-              </a:spcBef>
-              <a:spcAft>
-                <a:spcPts val="0"/>
-              </a:spcAft>
-              <a:buSzPts val="1600"/>
-              <a:buFont typeface="Wingdings" panose="05000000000000000000" pitchFamily="2" charset="2"/>
-              <a:buChar char="Ø"/>
-            </a:pPr>
-            <a:endParaRPr lang="en-US" dirty="0">
-              <a:solidFill>
-                <a:srgbClr val="333333"/>
-              </a:solidFill>
-              <a:latin typeface="Century Gothic" panose="020B0502020202020204" pitchFamily="34" charset="0"/>
-              <a:ea typeface="Arial"/>
-              <a:cs typeface="Arial"/>
-              <a:sym typeface="Arial"/>
-            </a:endParaRPr>
-          </a:p>
-          <a:p>
-            <a:pPr marL="342900" lvl="0" indent="-342900" algn="l" rtl="0">
-              <a:spcBef>
-                <a:spcPts val="1000"/>
-              </a:spcBef>
-              <a:spcAft>
-                <a:spcPts val="0"/>
-              </a:spcAft>
-              <a:buSzPts val="1600"/>
-              <a:buFont typeface="Wingdings" panose="05000000000000000000" pitchFamily="2" charset="2"/>
-              <a:buChar char="Ø"/>
-            </a:pPr>
-            <a:endParaRPr lang="en-US" dirty="0">
-              <a:solidFill>
-                <a:srgbClr val="333333"/>
-              </a:solidFill>
-              <a:latin typeface="Century Gothic" panose="020B0502020202020204" pitchFamily="34" charset="0"/>
-              <a:ea typeface="Arial"/>
-              <a:cs typeface="Arial"/>
-              <a:sym typeface="Arial"/>
-            </a:endParaRPr>
-          </a:p>
-          <a:p>
-            <a:pPr marL="342900" lvl="0" indent="-342900" algn="l" rtl="0">
-              <a:spcBef>
-                <a:spcPts val="1000"/>
-              </a:spcBef>
-              <a:spcAft>
-                <a:spcPts val="0"/>
-              </a:spcAft>
-              <a:buSzPts val="1600"/>
-              <a:buFont typeface="Wingdings" panose="05000000000000000000" pitchFamily="2" charset="2"/>
-              <a:buChar char="Ø"/>
-            </a:pPr>
-            <a:endParaRPr lang="en-US" dirty="0">
-              <a:solidFill>
-                <a:srgbClr val="333333"/>
-              </a:solidFill>
-              <a:latin typeface="Century Gothic" panose="020B0502020202020204" pitchFamily="34" charset="0"/>
-              <a:ea typeface="Arial"/>
-              <a:cs typeface="Arial"/>
-              <a:sym typeface="Arial"/>
-            </a:endParaRPr>
-          </a:p>
-          <a:p>
-            <a:pPr marL="342900" lvl="0" indent="-342900" algn="l" rtl="0">
-              <a:spcBef>
-                <a:spcPts val="1000"/>
-              </a:spcBef>
-              <a:spcAft>
-                <a:spcPts val="0"/>
-              </a:spcAft>
-              <a:buSzPts val="1600"/>
-              <a:buFont typeface="Wingdings" panose="05000000000000000000" pitchFamily="2" charset="2"/>
-              <a:buChar char="Ø"/>
-            </a:pPr>
-            <a:endParaRPr lang="en-US" dirty="0">
-              <a:solidFill>
-                <a:srgbClr val="333333"/>
-              </a:solidFill>
-              <a:latin typeface="Century Gothic" panose="020B0502020202020204" pitchFamily="34" charset="0"/>
-              <a:ea typeface="Arial"/>
-              <a:cs typeface="Arial"/>
-              <a:sym typeface="Arial"/>
-            </a:endParaRPr>
-          </a:p>
-          <a:p>
-            <a:pPr marL="342900" lvl="0" indent="-342900" algn="l" rtl="0">
-              <a:spcBef>
-                <a:spcPts val="1000"/>
-              </a:spcBef>
-              <a:spcAft>
-                <a:spcPts val="0"/>
-              </a:spcAft>
-              <a:buSzPts val="1600"/>
-              <a:buFont typeface="Wingdings" panose="05000000000000000000" pitchFamily="2" charset="2"/>
-              <a:buChar char="Ø"/>
-            </a:pPr>
-            <a:endParaRPr lang="en-US" dirty="0">
-              <a:solidFill>
-                <a:srgbClr val="333333"/>
-              </a:solidFill>
-              <a:latin typeface="Century Gothic" panose="020B0502020202020204" pitchFamily="34" charset="0"/>
-              <a:ea typeface="Arial"/>
-              <a:cs typeface="Arial"/>
-              <a:sym typeface="Arial"/>
-            </a:endParaRPr>
-          </a:p>
-          <a:p>
-            <a:pPr marL="342900" lvl="0" indent="-342900" algn="l" rtl="0">
-              <a:spcBef>
-                <a:spcPts val="1000"/>
-              </a:spcBef>
-              <a:spcAft>
-                <a:spcPts val="0"/>
-              </a:spcAft>
-              <a:buSzPts val="1600"/>
-              <a:buFont typeface="Wingdings" panose="05000000000000000000" pitchFamily="2" charset="2"/>
-              <a:buChar char="Ø"/>
-            </a:pPr>
-            <a:endParaRPr lang="en-US" dirty="0">
-              <a:solidFill>
-                <a:srgbClr val="333333"/>
-              </a:solidFill>
-              <a:latin typeface="Century Gothic" panose="020B0502020202020204" pitchFamily="34" charset="0"/>
-              <a:ea typeface="Arial"/>
-              <a:cs typeface="Arial"/>
-              <a:sym typeface="Arial"/>
-            </a:endParaRPr>
-          </a:p>
-          <a:p>
-            <a:pPr marL="342900" lvl="0" indent="-342900" algn="l" rtl="0">
-              <a:spcBef>
-                <a:spcPts val="1000"/>
-              </a:spcBef>
-              <a:spcAft>
-                <a:spcPts val="0"/>
-              </a:spcAft>
-              <a:buSzPts val="1600"/>
-              <a:buFont typeface="Wingdings" panose="05000000000000000000" pitchFamily="2" charset="2"/>
-              <a:buChar char="Ø"/>
-            </a:pPr>
-            <a:endParaRPr lang="en-US" dirty="0">
-              <a:solidFill>
-                <a:srgbClr val="333333"/>
-              </a:solidFill>
-              <a:latin typeface="Century Gothic" panose="020B0502020202020204" pitchFamily="34" charset="0"/>
-              <a:ea typeface="Arial"/>
-              <a:cs typeface="Arial"/>
-              <a:sym typeface="Arial"/>
-            </a:endParaRPr>
-          </a:p>
-          <a:p>
-            <a:pPr marL="342900" lvl="0" indent="-342900" algn="l" rtl="0">
-              <a:spcBef>
-                <a:spcPts val="1000"/>
-              </a:spcBef>
-              <a:spcAft>
-                <a:spcPts val="0"/>
-              </a:spcAft>
-              <a:buSzPts val="1600"/>
-              <a:buFont typeface="Wingdings" panose="05000000000000000000" pitchFamily="2" charset="2"/>
-              <a:buChar char="Ø"/>
-            </a:pPr>
-            <a:endParaRPr lang="en-US" dirty="0">
-              <a:solidFill>
-                <a:srgbClr val="333333"/>
-              </a:solidFill>
-              <a:latin typeface="Century Gothic" panose="020B0502020202020204" pitchFamily="34" charset="0"/>
-              <a:ea typeface="Arial"/>
-              <a:cs typeface="Arial"/>
-              <a:sym typeface="Arial"/>
-            </a:endParaRPr>
-          </a:p>
-          <a:p>
-            <a:pPr marL="342900" lvl="0" indent="-342900" algn="l" rtl="0">
-              <a:spcBef>
-                <a:spcPts val="1000"/>
-              </a:spcBef>
-              <a:spcAft>
-                <a:spcPts val="0"/>
-              </a:spcAft>
-              <a:buSzPts val="1600"/>
-              <a:buFont typeface="Wingdings" panose="05000000000000000000" pitchFamily="2" charset="2"/>
-              <a:buChar char="Ø"/>
-            </a:pPr>
-            <a:endParaRPr lang="en-US" dirty="0">
-              <a:solidFill>
-                <a:srgbClr val="333333"/>
-              </a:solidFill>
-              <a:latin typeface="Century Gothic" panose="020B0502020202020204" pitchFamily="34" charset="0"/>
-              <a:ea typeface="Arial"/>
-              <a:cs typeface="Arial"/>
-              <a:sym typeface="Arial"/>
-            </a:endParaRPr>
           </a:p>
         </p:txBody>
       </p:sp>
@@ -22652,10 +25603,10 @@
       </p:sp>
       <p:sp>
         <p:nvSpPr>
-          <p:cNvPr id="3" name="Rectangle 2">
+          <p:cNvPr id="24" name="Rectangle 23">
             <a:extLst>
               <a:ext uri="{FF2B5EF4-FFF2-40B4-BE49-F238E27FC236}">
-                <a16:creationId xmlns:a16="http://schemas.microsoft.com/office/drawing/2014/main" id="{78C2BE95-5AF8-9735-83EE-83C6DC2143FE}"/>
+                <a16:creationId xmlns:a16="http://schemas.microsoft.com/office/drawing/2014/main" id="{E1B06510-9F1B-8489-AE61-5FA4C2402CA1}"/>
               </a:ext>
             </a:extLst>
           </p:cNvPr>
@@ -22664,8 +25615,8 @@
         </p:nvSpPr>
         <p:spPr>
           <a:xfrm>
-            <a:off x="1619460" y="2213640"/>
-            <a:ext cx="3842280" cy="601920"/>
+            <a:off x="782258" y="1550710"/>
+            <a:ext cx="193010" cy="158019"/>
           </a:xfrm>
           <a:prstGeom prst="rect">
             <a:avLst/>
@@ -22691,101 +25642,7 @@
           <a:bodyPr lIns="90000" tIns="45000" rIns="90000" bIns="45000" anchor="t">
             <a:noAutofit/>
           </a:bodyPr>
-          <a:lstStyle>
-            <a:defPPr>
-              <a:defRPr lang="en-US"/>
-            </a:defPPr>
-            <a:lvl1pPr marL="0" algn="l" defTabSz="914400" rtl="0" eaLnBrk="1" latinLnBrk="0" hangingPunct="1">
-              <a:defRPr sz="1800" kern="1200">
-                <a:solidFill>
-                  <a:schemeClr val="tx1"/>
-                </a:solidFill>
-                <a:latin typeface="+mn-lt"/>
-                <a:ea typeface="+mn-ea"/>
-                <a:cs typeface="+mn-cs"/>
-              </a:defRPr>
-            </a:lvl1pPr>
-            <a:lvl2pPr marL="457200" algn="l" defTabSz="914400" rtl="0" eaLnBrk="1" latinLnBrk="0" hangingPunct="1">
-              <a:defRPr sz="1800" kern="1200">
-                <a:solidFill>
-                  <a:schemeClr val="tx1"/>
-                </a:solidFill>
-                <a:latin typeface="+mn-lt"/>
-                <a:ea typeface="+mn-ea"/>
-                <a:cs typeface="+mn-cs"/>
-              </a:defRPr>
-            </a:lvl2pPr>
-            <a:lvl3pPr marL="914400" algn="l" defTabSz="914400" rtl="0" eaLnBrk="1" latinLnBrk="0" hangingPunct="1">
-              <a:defRPr sz="1800" kern="1200">
-                <a:solidFill>
-                  <a:schemeClr val="tx1"/>
-                </a:solidFill>
-                <a:latin typeface="+mn-lt"/>
-                <a:ea typeface="+mn-ea"/>
-                <a:cs typeface="+mn-cs"/>
-              </a:defRPr>
-            </a:lvl3pPr>
-            <a:lvl4pPr marL="1371600" algn="l" defTabSz="914400" rtl="0" eaLnBrk="1" latinLnBrk="0" hangingPunct="1">
-              <a:defRPr sz="1800" kern="1200">
-                <a:solidFill>
-                  <a:schemeClr val="tx1"/>
-                </a:solidFill>
-                <a:latin typeface="+mn-lt"/>
-                <a:ea typeface="+mn-ea"/>
-                <a:cs typeface="+mn-cs"/>
-              </a:defRPr>
-            </a:lvl4pPr>
-            <a:lvl5pPr marL="1828800" algn="l" defTabSz="914400" rtl="0" eaLnBrk="1" latinLnBrk="0" hangingPunct="1">
-              <a:defRPr sz="1800" kern="1200">
-                <a:solidFill>
-                  <a:schemeClr val="tx1"/>
-                </a:solidFill>
-                <a:latin typeface="+mn-lt"/>
-                <a:ea typeface="+mn-ea"/>
-                <a:cs typeface="+mn-cs"/>
-              </a:defRPr>
-            </a:lvl5pPr>
-            <a:lvl6pPr marL="2286000" algn="l" defTabSz="914400" rtl="0" eaLnBrk="1" latinLnBrk="0" hangingPunct="1">
-              <a:defRPr sz="1800" kern="1200">
-                <a:solidFill>
-                  <a:schemeClr val="tx1"/>
-                </a:solidFill>
-                <a:latin typeface="+mn-lt"/>
-                <a:ea typeface="+mn-ea"/>
-                <a:cs typeface="+mn-cs"/>
-              </a:defRPr>
-            </a:lvl6pPr>
-            <a:lvl7pPr marL="2743200" algn="l" defTabSz="914400" rtl="0" eaLnBrk="1" latinLnBrk="0" hangingPunct="1">
-              <a:defRPr sz="1800" kern="1200">
-                <a:solidFill>
-                  <a:schemeClr val="tx1"/>
-                </a:solidFill>
-                <a:latin typeface="+mn-lt"/>
-                <a:ea typeface="+mn-ea"/>
-                <a:cs typeface="+mn-cs"/>
-              </a:defRPr>
-            </a:lvl7pPr>
-            <a:lvl8pPr marL="3200400" algn="l" defTabSz="914400" rtl="0" eaLnBrk="1" latinLnBrk="0" hangingPunct="1">
-              <a:defRPr sz="1800" kern="1200">
-                <a:solidFill>
-                  <a:schemeClr val="tx1"/>
-                </a:solidFill>
-                <a:latin typeface="+mn-lt"/>
-                <a:ea typeface="+mn-ea"/>
-                <a:cs typeface="+mn-cs"/>
-              </a:defRPr>
-            </a:lvl8pPr>
-            <a:lvl9pPr marL="3657600" algn="l" defTabSz="914400" rtl="0" eaLnBrk="1" latinLnBrk="0" hangingPunct="1">
-              <a:defRPr sz="1800" kern="1200">
-                <a:solidFill>
-                  <a:schemeClr val="tx1"/>
-                </a:solidFill>
-                <a:latin typeface="+mn-lt"/>
-                <a:ea typeface="+mn-ea"/>
-                <a:cs typeface="+mn-cs"/>
-              </a:defRPr>
-            </a:lvl9pPr>
-          </a:lstStyle>
+          <a:lstStyle/>
           <a:p>
             <a:pPr>
               <a:lnSpc>
@@ -22793,55 +25650,130 @@
               </a:lnSpc>
               <a:buNone/>
             </a:pPr>
-            <a:r>
-              <a:rPr lang="en-US" sz="1800" b="0" strike="noStrike" spc="-1" dirty="0">
-                <a:solidFill>
-                  <a:schemeClr val="bg1"/>
-                </a:solidFill>
-                <a:latin typeface="Arial"/>
-                <a:ea typeface="DejaVu Sans"/>
-              </a:rPr>
-              <a:t>bins = [0,4,18,25,29,43,50,65,600]   </a:t>
-            </a:r>
-            <a:endParaRPr lang="en-US" sz="1800" b="0" strike="noStrike" spc="-1" dirty="0">
-              <a:solidFill>
-                <a:schemeClr val="bg1"/>
-              </a:solidFill>
-              <a:latin typeface="Arial"/>
-            </a:endParaRPr>
-          </a:p>
-          <a:p>
-            <a:pPr>
-              <a:lnSpc>
-                <a:spcPct val="100000"/>
-              </a:lnSpc>
-              <a:buNone/>
-            </a:pPr>
-            <a:r>
-              <a:rPr lang="en-US" sz="1800" b="0" strike="noStrike" spc="-1" dirty="0">
-                <a:solidFill>
-                  <a:schemeClr val="bg1"/>
-                </a:solidFill>
-                <a:latin typeface="Arial"/>
-                <a:ea typeface="DejaVu Sans"/>
-              </a:rPr>
-              <a:t>labels = [0,1,2,3,4,5,6,7]</a:t>
-            </a:r>
-            <a:endParaRPr lang="en-US" sz="1800" b="0" strike="noStrike" spc="-1" dirty="0">
-              <a:solidFill>
-                <a:schemeClr val="bg1"/>
-              </a:solidFill>
+            <a:endParaRPr lang="en-US" sz="800" b="0" strike="noStrike" spc="-1" dirty="0">
               <a:latin typeface="Arial"/>
             </a:endParaRPr>
           </a:p>
         </p:txBody>
       </p:sp>
+      <p:pic>
+        <p:nvPicPr>
+          <p:cNvPr id="2" name="Picture 1">
+            <a:extLst>
+              <a:ext uri="{FF2B5EF4-FFF2-40B4-BE49-F238E27FC236}">
+                <a16:creationId xmlns:a16="http://schemas.microsoft.com/office/drawing/2014/main" id="{1D02291C-B96B-1EC7-12AA-475E1BD4DC64}"/>
+              </a:ext>
+            </a:extLst>
+          </p:cNvPr>
+          <p:cNvPicPr/>
+          <p:nvPr/>
+        </p:nvPicPr>
+        <p:blipFill>
+          <a:blip r:embed="rId3"/>
+          <a:stretch/>
+        </p:blipFill>
+        <p:spPr>
+          <a:xfrm>
+            <a:off x="365760" y="1708729"/>
+            <a:ext cx="6524280" cy="4809600"/>
+          </a:xfrm>
+          <a:prstGeom prst="rect">
+            <a:avLst/>
+          </a:prstGeom>
+          <a:ln w="0">
+            <a:noFill/>
+          </a:ln>
+        </p:spPr>
+      </p:pic>
       <p:sp>
         <p:nvSpPr>
-          <p:cNvPr id="5" name="Rectangle 4">
+          <p:cNvPr id="3" name="TextBox 2">
             <a:extLst>
               <a:ext uri="{FF2B5EF4-FFF2-40B4-BE49-F238E27FC236}">
-                <a16:creationId xmlns:a16="http://schemas.microsoft.com/office/drawing/2014/main" id="{2042B937-0D0A-B57B-4FC4-F7CBEA766148}"/>
+                <a16:creationId xmlns:a16="http://schemas.microsoft.com/office/drawing/2014/main" id="{6F964DD6-6C63-1F14-6383-82DD7B538C8A}"/>
+              </a:ext>
+            </a:extLst>
+          </p:cNvPr>
+          <p:cNvSpPr txBox="1"/>
+          <p:nvPr/>
+        </p:nvSpPr>
+        <p:spPr>
+          <a:xfrm>
+            <a:off x="1838011" y="406628"/>
+            <a:ext cx="1482725" cy="1169551"/>
+          </a:xfrm>
+          <a:prstGeom prst="rect">
+            <a:avLst/>
+          </a:prstGeom>
+          <a:noFill/>
+        </p:spPr>
+        <p:txBody>
+          <a:bodyPr wrap="square" rtlCol="0">
+            <a:spAutoFit/>
+          </a:bodyPr>
+          <a:lstStyle/>
+          <a:p>
+            <a:r>
+              <a:rPr lang="en-US" dirty="0"/>
+              <a:t>Feature Reduction with PCA</a:t>
+            </a:r>
+          </a:p>
+          <a:p>
+            <a:r>
+              <a:rPr lang="en-US" dirty="0"/>
+              <a:t>(to avoid overfitting)</a:t>
+            </a:r>
+          </a:p>
+        </p:txBody>
+      </p:sp>
+      <p:cxnSp>
+        <p:nvCxnSpPr>
+          <p:cNvPr id="4" name="Straight Arrow Connector 3">
+            <a:extLst>
+              <a:ext uri="{FF2B5EF4-FFF2-40B4-BE49-F238E27FC236}">
+                <a16:creationId xmlns:a16="http://schemas.microsoft.com/office/drawing/2014/main" id="{473FC5EB-8465-7806-EEF1-A30436DDEF01}"/>
+              </a:ext>
+            </a:extLst>
+          </p:cNvPr>
+          <p:cNvCxnSpPr>
+            <a:cxnSpLocks/>
+            <a:stCxn id="6" idx="0"/>
+          </p:cNvCxnSpPr>
+          <p:nvPr/>
+        </p:nvCxnSpPr>
+        <p:spPr>
+          <a:xfrm flipV="1">
+            <a:off x="1162654" y="883920"/>
+            <a:ext cx="676306" cy="722918"/>
+          </a:xfrm>
+          <a:prstGeom prst="straightConnector1">
+            <a:avLst/>
+          </a:prstGeom>
+          <a:ln w="38100">
+            <a:tailEnd type="triangle"/>
+          </a:ln>
+        </p:spPr>
+        <p:style>
+          <a:lnRef idx="1">
+            <a:schemeClr val="accent5"/>
+          </a:lnRef>
+          <a:fillRef idx="0">
+            <a:schemeClr val="accent5"/>
+          </a:fillRef>
+          <a:effectRef idx="0">
+            <a:schemeClr val="accent5"/>
+          </a:effectRef>
+          <a:fontRef idx="minor">
+            <a:schemeClr val="tx1"/>
+          </a:fontRef>
+        </p:style>
+      </p:cxnSp>
+      <p:sp>
+        <p:nvSpPr>
+          <p:cNvPr id="6" name="Rectangle 5">
+            <a:extLst>
+              <a:ext uri="{FF2B5EF4-FFF2-40B4-BE49-F238E27FC236}">
+                <a16:creationId xmlns:a16="http://schemas.microsoft.com/office/drawing/2014/main" id="{853FABC1-9A91-5550-08AA-476902738070}"/>
               </a:ext>
             </a:extLst>
           </p:cNvPr>
@@ -22850,276 +25782,716 @@
         </p:nvSpPr>
         <p:spPr>
           <a:xfrm>
-            <a:off x="1619460" y="3000060"/>
-            <a:ext cx="5994000" cy="1261222"/>
+            <a:off x="374588" y="1606838"/>
+            <a:ext cx="1576132" cy="365125"/>
+          </a:xfrm>
+          <a:prstGeom prst="rect">
+            <a:avLst/>
+          </a:prstGeom>
+          <a:ln w="38100">
+            <a:tailEnd type="triangle"/>
+          </a:ln>
+        </p:spPr>
+        <p:style>
+          <a:lnRef idx="1">
+            <a:schemeClr val="accent5"/>
+          </a:lnRef>
+          <a:fillRef idx="0">
+            <a:schemeClr val="accent5"/>
+          </a:fillRef>
+          <a:effectRef idx="0">
+            <a:schemeClr val="accent5"/>
+          </a:effectRef>
+          <a:fontRef idx="minor">
+            <a:schemeClr val="tx1"/>
+          </a:fontRef>
+        </p:style>
+        <p:txBody>
+          <a:bodyPr rtlCol="0" anchor="ctr"/>
+          <a:lstStyle/>
+          <a:p>
+            <a:pPr algn="ctr"/>
+            <a:endParaRPr lang="en-US"/>
+          </a:p>
+        </p:txBody>
+      </p:sp>
+      <p:sp>
+        <p:nvSpPr>
+          <p:cNvPr id="13" name="Rectangle 12">
+            <a:extLst>
+              <a:ext uri="{FF2B5EF4-FFF2-40B4-BE49-F238E27FC236}">
+                <a16:creationId xmlns:a16="http://schemas.microsoft.com/office/drawing/2014/main" id="{02C33128-4A73-53FC-AB3F-D210687F5F52}"/>
+              </a:ext>
+            </a:extLst>
+          </p:cNvPr>
+          <p:cNvSpPr/>
+          <p:nvPr/>
+        </p:nvSpPr>
+        <p:spPr>
+          <a:xfrm>
+            <a:off x="719721" y="3151727"/>
+            <a:ext cx="2274939" cy="162814"/>
+          </a:xfrm>
+          <a:prstGeom prst="rect">
+            <a:avLst/>
+          </a:prstGeom>
+          <a:ln w="38100">
+            <a:tailEnd type="triangle"/>
+          </a:ln>
+        </p:spPr>
+        <p:style>
+          <a:lnRef idx="1">
+            <a:schemeClr val="accent5"/>
+          </a:lnRef>
+          <a:fillRef idx="0">
+            <a:schemeClr val="accent5"/>
+          </a:fillRef>
+          <a:effectRef idx="0">
+            <a:schemeClr val="accent5"/>
+          </a:effectRef>
+          <a:fontRef idx="minor">
+            <a:schemeClr val="tx1"/>
+          </a:fontRef>
+        </p:style>
+        <p:txBody>
+          <a:bodyPr rtlCol="0" anchor="ctr"/>
+          <a:lstStyle/>
+          <a:p>
+            <a:pPr algn="ctr"/>
+            <a:endParaRPr lang="en-US"/>
+          </a:p>
+        </p:txBody>
+      </p:sp>
+      <p:cxnSp>
+        <p:nvCxnSpPr>
+          <p:cNvPr id="14" name="Straight Arrow Connector 13">
+            <a:extLst>
+              <a:ext uri="{FF2B5EF4-FFF2-40B4-BE49-F238E27FC236}">
+                <a16:creationId xmlns:a16="http://schemas.microsoft.com/office/drawing/2014/main" id="{4896FD7C-B8AB-FBBF-FE71-DF55BBC3ABBE}"/>
+              </a:ext>
+            </a:extLst>
+          </p:cNvPr>
+          <p:cNvCxnSpPr>
+            <a:cxnSpLocks/>
+          </p:cNvCxnSpPr>
+          <p:nvPr/>
+        </p:nvCxnSpPr>
+        <p:spPr>
+          <a:xfrm>
+            <a:off x="2994660" y="3258834"/>
+            <a:ext cx="2468880" cy="186671"/>
+          </a:xfrm>
+          <a:prstGeom prst="straightConnector1">
+            <a:avLst/>
+          </a:prstGeom>
+          <a:ln w="38100">
+            <a:tailEnd type="triangle"/>
+          </a:ln>
+        </p:spPr>
+        <p:style>
+          <a:lnRef idx="1">
+            <a:schemeClr val="accent5"/>
+          </a:lnRef>
+          <a:fillRef idx="0">
+            <a:schemeClr val="accent5"/>
+          </a:fillRef>
+          <a:effectRef idx="0">
+            <a:schemeClr val="accent5"/>
+          </a:effectRef>
+          <a:fontRef idx="minor">
+            <a:schemeClr val="tx1"/>
+          </a:fontRef>
+        </p:style>
+      </p:cxnSp>
+      <p:sp>
+        <p:nvSpPr>
+          <p:cNvPr id="16" name="Rectangle 15">
+            <a:extLst>
+              <a:ext uri="{FF2B5EF4-FFF2-40B4-BE49-F238E27FC236}">
+                <a16:creationId xmlns:a16="http://schemas.microsoft.com/office/drawing/2014/main" id="{7F26F472-0F8C-AF3A-8355-3EFB4EFC2B5C}"/>
+              </a:ext>
+            </a:extLst>
+          </p:cNvPr>
+          <p:cNvSpPr/>
+          <p:nvPr/>
+        </p:nvSpPr>
+        <p:spPr>
+          <a:xfrm>
+            <a:off x="684212" y="4443861"/>
+            <a:ext cx="2274939" cy="186671"/>
+          </a:xfrm>
+          <a:prstGeom prst="rect">
+            <a:avLst/>
+          </a:prstGeom>
+          <a:ln w="38100">
+            <a:tailEnd type="triangle"/>
+          </a:ln>
+        </p:spPr>
+        <p:style>
+          <a:lnRef idx="1">
+            <a:schemeClr val="accent5"/>
+          </a:lnRef>
+          <a:fillRef idx="0">
+            <a:schemeClr val="accent5"/>
+          </a:fillRef>
+          <a:effectRef idx="0">
+            <a:schemeClr val="accent5"/>
+          </a:effectRef>
+          <a:fontRef idx="minor">
+            <a:schemeClr val="tx1"/>
+          </a:fontRef>
+        </p:style>
+        <p:txBody>
+          <a:bodyPr rtlCol="0" anchor="ctr"/>
+          <a:lstStyle/>
+          <a:p>
+            <a:pPr algn="ctr"/>
+            <a:endParaRPr lang="en-US"/>
+          </a:p>
+        </p:txBody>
+      </p:sp>
+      <p:cxnSp>
+        <p:nvCxnSpPr>
+          <p:cNvPr id="17" name="Straight Arrow Connector 16">
+            <a:extLst>
+              <a:ext uri="{FF2B5EF4-FFF2-40B4-BE49-F238E27FC236}">
+                <a16:creationId xmlns:a16="http://schemas.microsoft.com/office/drawing/2014/main" id="{7A727720-BB1B-8599-FEE4-49C276CE6A9B}"/>
+              </a:ext>
+            </a:extLst>
+          </p:cNvPr>
+          <p:cNvCxnSpPr>
+            <a:cxnSpLocks/>
+          </p:cNvCxnSpPr>
+          <p:nvPr/>
+        </p:nvCxnSpPr>
+        <p:spPr>
+          <a:xfrm flipV="1">
+            <a:off x="2994660" y="3518323"/>
+            <a:ext cx="2468880" cy="993412"/>
+          </a:xfrm>
+          <a:prstGeom prst="straightConnector1">
+            <a:avLst/>
+          </a:prstGeom>
+          <a:ln w="38100">
+            <a:tailEnd type="triangle"/>
+          </a:ln>
+        </p:spPr>
+        <p:style>
+          <a:lnRef idx="1">
+            <a:schemeClr val="accent5"/>
+          </a:lnRef>
+          <a:fillRef idx="0">
+            <a:schemeClr val="accent5"/>
+          </a:fillRef>
+          <a:effectRef idx="0">
+            <a:schemeClr val="accent5"/>
+          </a:effectRef>
+          <a:fontRef idx="minor">
+            <a:schemeClr val="tx1"/>
+          </a:fontRef>
+        </p:style>
+      </p:cxnSp>
+      <p:sp>
+        <p:nvSpPr>
+          <p:cNvPr id="21" name="TextBox 20">
+            <a:extLst>
+              <a:ext uri="{FF2B5EF4-FFF2-40B4-BE49-F238E27FC236}">
+                <a16:creationId xmlns:a16="http://schemas.microsoft.com/office/drawing/2014/main" id="{020164F5-7576-8B47-E234-39F3CCE0079B}"/>
+              </a:ext>
+            </a:extLst>
+          </p:cNvPr>
+          <p:cNvSpPr txBox="1"/>
+          <p:nvPr/>
+        </p:nvSpPr>
+        <p:spPr>
+          <a:xfrm>
+            <a:off x="5499049" y="3212650"/>
+            <a:ext cx="1265179" cy="738664"/>
           </a:xfrm>
           <a:prstGeom prst="rect">
             <a:avLst/>
           </a:prstGeom>
           <a:noFill/>
+        </p:spPr>
+        <p:txBody>
+          <a:bodyPr wrap="square" rtlCol="0">
+            <a:spAutoFit/>
+          </a:bodyPr>
+          <a:lstStyle/>
+          <a:p>
+            <a:r>
+              <a:rPr lang="en-US" dirty="0"/>
+              <a:t>Dropout for avoiding overfitting</a:t>
+            </a:r>
+          </a:p>
+        </p:txBody>
+      </p:sp>
+      <p:sp>
+        <p:nvSpPr>
+          <p:cNvPr id="22" name="Rectangle 21">
+            <a:extLst>
+              <a:ext uri="{FF2B5EF4-FFF2-40B4-BE49-F238E27FC236}">
+                <a16:creationId xmlns:a16="http://schemas.microsoft.com/office/drawing/2014/main" id="{66DD16E6-3DC8-C040-F0DB-9DFF8B121DE4}"/>
+              </a:ext>
+            </a:extLst>
+          </p:cNvPr>
+          <p:cNvSpPr/>
+          <p:nvPr/>
+        </p:nvSpPr>
+        <p:spPr>
+          <a:xfrm>
+            <a:off x="374588" y="6056624"/>
+            <a:ext cx="6231952" cy="186671"/>
+          </a:xfrm>
+          <a:prstGeom prst="rect">
+            <a:avLst/>
+          </a:prstGeom>
+          <a:ln w="38100">
+            <a:tailEnd type="triangle"/>
+          </a:ln>
+        </p:spPr>
+        <p:style>
+          <a:lnRef idx="1">
+            <a:schemeClr val="accent5"/>
+          </a:lnRef>
+          <a:fillRef idx="0">
+            <a:schemeClr val="accent5"/>
+          </a:fillRef>
+          <a:effectRef idx="0">
+            <a:schemeClr val="accent5"/>
+          </a:effectRef>
+          <a:fontRef idx="minor">
+            <a:schemeClr val="tx1"/>
+          </a:fontRef>
+        </p:style>
+        <p:txBody>
+          <a:bodyPr rtlCol="0" anchor="ctr"/>
+          <a:lstStyle/>
+          <a:p>
+            <a:pPr algn="ctr"/>
+            <a:endParaRPr lang="en-US"/>
+          </a:p>
+        </p:txBody>
+      </p:sp>
+      <p:cxnSp>
+        <p:nvCxnSpPr>
+          <p:cNvPr id="23" name="Straight Arrow Connector 22">
+            <a:extLst>
+              <a:ext uri="{FF2B5EF4-FFF2-40B4-BE49-F238E27FC236}">
+                <a16:creationId xmlns:a16="http://schemas.microsoft.com/office/drawing/2014/main" id="{D613A4B1-7DF5-2096-E95F-0263B08848EC}"/>
+              </a:ext>
+            </a:extLst>
+          </p:cNvPr>
+          <p:cNvCxnSpPr>
+            <a:cxnSpLocks/>
+          </p:cNvCxnSpPr>
+          <p:nvPr/>
+        </p:nvCxnSpPr>
+        <p:spPr>
+          <a:xfrm flipV="1">
+            <a:off x="5797350" y="4727357"/>
+            <a:ext cx="237690" cy="1329267"/>
+          </a:xfrm>
+          <a:prstGeom prst="straightConnector1">
+            <a:avLst/>
+          </a:prstGeom>
+          <a:ln w="38100">
+            <a:tailEnd type="triangle"/>
+          </a:ln>
+        </p:spPr>
+        <p:style>
+          <a:lnRef idx="1">
+            <a:schemeClr val="accent5"/>
+          </a:lnRef>
+          <a:fillRef idx="0">
+            <a:schemeClr val="accent5"/>
+          </a:fillRef>
+          <a:effectRef idx="0">
+            <a:schemeClr val="accent5"/>
+          </a:effectRef>
+          <a:fontRef idx="minor">
+            <a:schemeClr val="tx1"/>
+          </a:fontRef>
+        </p:style>
+      </p:cxnSp>
+      <p:sp>
+        <p:nvSpPr>
+          <p:cNvPr id="26" name="TextBox 25">
+            <a:extLst>
+              <a:ext uri="{FF2B5EF4-FFF2-40B4-BE49-F238E27FC236}">
+                <a16:creationId xmlns:a16="http://schemas.microsoft.com/office/drawing/2014/main" id="{9B703CC2-4200-1D42-635E-485B1EAEEDDA}"/>
+              </a:ext>
+            </a:extLst>
+          </p:cNvPr>
+          <p:cNvSpPr txBox="1"/>
+          <p:nvPr/>
+        </p:nvSpPr>
+        <p:spPr>
+          <a:xfrm>
+            <a:off x="5287658" y="4043921"/>
+            <a:ext cx="1625242" cy="738664"/>
+          </a:xfrm>
+          <a:prstGeom prst="rect">
+            <a:avLst/>
+          </a:prstGeom>
+          <a:noFill/>
+        </p:spPr>
+        <p:txBody>
+          <a:bodyPr wrap="square" rtlCol="0">
+            <a:spAutoFit/>
+          </a:bodyPr>
+          <a:lstStyle/>
+          <a:p>
+            <a:r>
+              <a:rPr lang="en-US" dirty="0"/>
+              <a:t>Class weights due to imbalanced dataset</a:t>
+            </a:r>
+          </a:p>
+        </p:txBody>
+      </p:sp>
+      <p:pic>
+        <p:nvPicPr>
+          <p:cNvPr id="27" name="Picture 26">
+            <a:extLst>
+              <a:ext uri="{FF2B5EF4-FFF2-40B4-BE49-F238E27FC236}">
+                <a16:creationId xmlns:a16="http://schemas.microsoft.com/office/drawing/2014/main" id="{9F3019E9-94EA-5A94-322C-3ACAA352D370}"/>
+              </a:ext>
+            </a:extLst>
+          </p:cNvPr>
+          <p:cNvPicPr/>
+          <p:nvPr/>
+        </p:nvPicPr>
+        <p:blipFill>
+          <a:blip r:embed="rId4"/>
+          <a:stretch/>
+        </p:blipFill>
+        <p:spPr>
+          <a:xfrm>
+            <a:off x="7208492" y="2409178"/>
+            <a:ext cx="4677840" cy="2514600"/>
+          </a:xfrm>
+          <a:prstGeom prst="rect">
+            <a:avLst/>
+          </a:prstGeom>
           <a:ln w="0">
             <a:noFill/>
           </a:ln>
         </p:spPr>
+      </p:pic>
+      <p:sp>
+        <p:nvSpPr>
+          <p:cNvPr id="28" name="TextBox 27">
+            <a:extLst>
+              <a:ext uri="{FF2B5EF4-FFF2-40B4-BE49-F238E27FC236}">
+                <a16:creationId xmlns:a16="http://schemas.microsoft.com/office/drawing/2014/main" id="{5155DBB1-53D0-CE37-675A-8F32F15B1239}"/>
+              </a:ext>
+            </a:extLst>
+          </p:cNvPr>
+          <p:cNvSpPr txBox="1"/>
+          <p:nvPr/>
+        </p:nvSpPr>
+        <p:spPr>
+          <a:xfrm>
+            <a:off x="8283144" y="1903693"/>
+            <a:ext cx="2528536" cy="523220"/>
+          </a:xfrm>
+          <a:prstGeom prst="rect">
+            <a:avLst/>
+          </a:prstGeom>
+          <a:noFill/>
+        </p:spPr>
+        <p:txBody>
+          <a:bodyPr wrap="square" rtlCol="0">
+            <a:spAutoFit/>
+          </a:bodyPr>
+          <a:lstStyle/>
+          <a:p>
+            <a:r>
+              <a:rPr lang="en-US" sz="2800" dirty="0"/>
+              <a:t>U-Net Model</a:t>
+            </a:r>
+          </a:p>
+        </p:txBody>
+      </p:sp>
+      <p:cxnSp>
+        <p:nvCxnSpPr>
+          <p:cNvPr id="30" name="Straight Arrow Connector 29">
+            <a:extLst>
+              <a:ext uri="{FF2B5EF4-FFF2-40B4-BE49-F238E27FC236}">
+                <a16:creationId xmlns:a16="http://schemas.microsoft.com/office/drawing/2014/main" id="{975123A3-66DE-912C-74B2-8E06F9740AB3}"/>
+              </a:ext>
+            </a:extLst>
+          </p:cNvPr>
+          <p:cNvCxnSpPr>
+            <a:cxnSpLocks/>
+          </p:cNvCxnSpPr>
+          <p:nvPr/>
+        </p:nvCxnSpPr>
+        <p:spPr>
+          <a:xfrm>
+            <a:off x="9871969" y="2932398"/>
+            <a:ext cx="0" cy="1498019"/>
+          </a:xfrm>
+          <a:prstGeom prst="straightConnector1">
+            <a:avLst/>
+          </a:prstGeom>
+          <a:ln w="38100">
+            <a:tailEnd type="triangle"/>
+          </a:ln>
+        </p:spPr>
         <p:style>
-          <a:lnRef idx="0">
-            <a:scrgbClr r="0" g="0" b="0"/>
+          <a:lnRef idx="1">
+            <a:schemeClr val="accent5"/>
           </a:lnRef>
           <a:fillRef idx="0">
-            <a:scrgbClr r="0" g="0" b="0"/>
+            <a:schemeClr val="accent5"/>
           </a:fillRef>
           <a:effectRef idx="0">
-            <a:scrgbClr r="0" g="0" b="0"/>
+            <a:schemeClr val="accent5"/>
           </a:effectRef>
-          <a:fontRef idx="minor"/>
+          <a:fontRef idx="minor">
+            <a:schemeClr val="tx1"/>
+          </a:fontRef>
+        </p:style>
+      </p:cxnSp>
+      <p:sp>
+        <p:nvSpPr>
+          <p:cNvPr id="31" name="TextBox 30">
+            <a:extLst>
+              <a:ext uri="{FF2B5EF4-FFF2-40B4-BE49-F238E27FC236}">
+                <a16:creationId xmlns:a16="http://schemas.microsoft.com/office/drawing/2014/main" id="{320BBC12-FB3B-1007-F55A-8C25F30E993B}"/>
+              </a:ext>
+            </a:extLst>
+          </p:cNvPr>
+          <p:cNvSpPr txBox="1"/>
+          <p:nvPr/>
+        </p:nvSpPr>
+        <p:spPr>
+          <a:xfrm>
+            <a:off x="9444835" y="4465747"/>
+            <a:ext cx="1265179" cy="523220"/>
+          </a:xfrm>
+          <a:prstGeom prst="rect">
+            <a:avLst/>
+          </a:prstGeom>
+          <a:noFill/>
+        </p:spPr>
+        <p:txBody>
+          <a:bodyPr wrap="square" rtlCol="0">
+            <a:spAutoFit/>
+          </a:bodyPr>
+          <a:lstStyle/>
+          <a:p>
+            <a:r>
+              <a:rPr lang="en-US" dirty="0"/>
+              <a:t>Smooth Transition</a:t>
+            </a:r>
+          </a:p>
+        </p:txBody>
+      </p:sp>
+      <p:sp>
+        <p:nvSpPr>
+          <p:cNvPr id="34" name="Rectangle 33">
+            <a:extLst>
+              <a:ext uri="{FF2B5EF4-FFF2-40B4-BE49-F238E27FC236}">
+                <a16:creationId xmlns:a16="http://schemas.microsoft.com/office/drawing/2014/main" id="{FF0589D6-A268-0B84-F120-EB54AE161F89}"/>
+              </a:ext>
+            </a:extLst>
+          </p:cNvPr>
+          <p:cNvSpPr/>
+          <p:nvPr/>
+        </p:nvSpPr>
+        <p:spPr>
+          <a:xfrm>
+            <a:off x="701490" y="4895631"/>
+            <a:ext cx="3149150" cy="186671"/>
+          </a:xfrm>
+          <a:prstGeom prst="rect">
+            <a:avLst/>
+          </a:prstGeom>
+          <a:ln w="38100">
+            <a:tailEnd type="triangle"/>
+          </a:ln>
+        </p:spPr>
+        <p:style>
+          <a:lnRef idx="1">
+            <a:schemeClr val="accent5"/>
+          </a:lnRef>
+          <a:fillRef idx="0">
+            <a:schemeClr val="accent5"/>
+          </a:fillRef>
+          <a:effectRef idx="0">
+            <a:schemeClr val="accent5"/>
+          </a:effectRef>
+          <a:fontRef idx="minor">
+            <a:schemeClr val="tx1"/>
+          </a:fontRef>
         </p:style>
         <p:txBody>
-          <a:bodyPr lIns="90000" tIns="45000" rIns="90000" bIns="45000" anchor="t">
-            <a:noAutofit/>
+          <a:bodyPr rtlCol="0" anchor="ctr"/>
+          <a:lstStyle/>
+          <a:p>
+            <a:pPr algn="ctr"/>
+            <a:endParaRPr lang="en-US"/>
+          </a:p>
+        </p:txBody>
+      </p:sp>
+      <p:cxnSp>
+        <p:nvCxnSpPr>
+          <p:cNvPr id="35" name="Straight Arrow Connector 34">
+            <a:extLst>
+              <a:ext uri="{FF2B5EF4-FFF2-40B4-BE49-F238E27FC236}">
+                <a16:creationId xmlns:a16="http://schemas.microsoft.com/office/drawing/2014/main" id="{220C0F5F-1284-7CCE-A021-E72F6346AB37}"/>
+              </a:ext>
+            </a:extLst>
+          </p:cNvPr>
+          <p:cNvCxnSpPr>
+            <a:cxnSpLocks/>
+          </p:cNvCxnSpPr>
+          <p:nvPr/>
+        </p:nvCxnSpPr>
+        <p:spPr>
+          <a:xfrm flipV="1">
+            <a:off x="3886149" y="4895631"/>
+            <a:ext cx="342951" cy="93335"/>
+          </a:xfrm>
+          <a:prstGeom prst="straightConnector1">
+            <a:avLst/>
+          </a:prstGeom>
+          <a:ln w="38100">
+            <a:tailEnd type="triangle"/>
+          </a:ln>
+        </p:spPr>
+        <p:style>
+          <a:lnRef idx="1">
+            <a:schemeClr val="accent5"/>
+          </a:lnRef>
+          <a:fillRef idx="0">
+            <a:schemeClr val="accent5"/>
+          </a:fillRef>
+          <a:effectRef idx="0">
+            <a:schemeClr val="accent5"/>
+          </a:effectRef>
+          <a:fontRef idx="minor">
+            <a:schemeClr val="tx1"/>
+          </a:fontRef>
+        </p:style>
+      </p:cxnSp>
+      <p:sp>
+        <p:nvSpPr>
+          <p:cNvPr id="38" name="TextBox 37">
+            <a:extLst>
+              <a:ext uri="{FF2B5EF4-FFF2-40B4-BE49-F238E27FC236}">
+                <a16:creationId xmlns:a16="http://schemas.microsoft.com/office/drawing/2014/main" id="{EB0F0911-6990-977B-6A6F-BD543C47F112}"/>
+              </a:ext>
+            </a:extLst>
+          </p:cNvPr>
+          <p:cNvSpPr txBox="1"/>
+          <p:nvPr/>
+        </p:nvSpPr>
+        <p:spPr>
+          <a:xfrm>
+            <a:off x="4186370" y="4670713"/>
+            <a:ext cx="1048347" cy="523220"/>
+          </a:xfrm>
+          <a:prstGeom prst="rect">
+            <a:avLst/>
+          </a:prstGeom>
+          <a:noFill/>
+        </p:spPr>
+        <p:txBody>
+          <a:bodyPr wrap="square" rtlCol="0">
+            <a:spAutoFit/>
           </a:bodyPr>
-          <a:lstStyle>
-            <a:defPPr>
-              <a:defRPr lang="en-US"/>
-            </a:defPPr>
-            <a:lvl1pPr marL="0" algn="l" defTabSz="914400" rtl="0" eaLnBrk="1" latinLnBrk="0" hangingPunct="1">
-              <a:defRPr sz="1800" kern="1200">
-                <a:solidFill>
-                  <a:schemeClr val="tx1"/>
-                </a:solidFill>
-                <a:latin typeface="+mn-lt"/>
-                <a:ea typeface="+mn-ea"/>
-                <a:cs typeface="+mn-cs"/>
-              </a:defRPr>
-            </a:lvl1pPr>
-            <a:lvl2pPr marL="457200" algn="l" defTabSz="914400" rtl="0" eaLnBrk="1" latinLnBrk="0" hangingPunct="1">
-              <a:defRPr sz="1800" kern="1200">
-                <a:solidFill>
-                  <a:schemeClr val="tx1"/>
-                </a:solidFill>
-                <a:latin typeface="+mn-lt"/>
-                <a:ea typeface="+mn-ea"/>
-                <a:cs typeface="+mn-cs"/>
-              </a:defRPr>
-            </a:lvl2pPr>
-            <a:lvl3pPr marL="914400" algn="l" defTabSz="914400" rtl="0" eaLnBrk="1" latinLnBrk="0" hangingPunct="1">
-              <a:defRPr sz="1800" kern="1200">
-                <a:solidFill>
-                  <a:schemeClr val="tx1"/>
-                </a:solidFill>
-                <a:latin typeface="+mn-lt"/>
-                <a:ea typeface="+mn-ea"/>
-                <a:cs typeface="+mn-cs"/>
-              </a:defRPr>
-            </a:lvl3pPr>
-            <a:lvl4pPr marL="1371600" algn="l" defTabSz="914400" rtl="0" eaLnBrk="1" latinLnBrk="0" hangingPunct="1">
-              <a:defRPr sz="1800" kern="1200">
-                <a:solidFill>
-                  <a:schemeClr val="tx1"/>
-                </a:solidFill>
-                <a:latin typeface="+mn-lt"/>
-                <a:ea typeface="+mn-ea"/>
-                <a:cs typeface="+mn-cs"/>
-              </a:defRPr>
-            </a:lvl4pPr>
-            <a:lvl5pPr marL="1828800" algn="l" defTabSz="914400" rtl="0" eaLnBrk="1" latinLnBrk="0" hangingPunct="1">
-              <a:defRPr sz="1800" kern="1200">
-                <a:solidFill>
-                  <a:schemeClr val="tx1"/>
-                </a:solidFill>
-                <a:latin typeface="+mn-lt"/>
-                <a:ea typeface="+mn-ea"/>
-                <a:cs typeface="+mn-cs"/>
-              </a:defRPr>
-            </a:lvl5pPr>
-            <a:lvl6pPr marL="2286000" algn="l" defTabSz="914400" rtl="0" eaLnBrk="1" latinLnBrk="0" hangingPunct="1">
-              <a:defRPr sz="1800" kern="1200">
-                <a:solidFill>
-                  <a:schemeClr val="tx1"/>
-                </a:solidFill>
-                <a:latin typeface="+mn-lt"/>
-                <a:ea typeface="+mn-ea"/>
-                <a:cs typeface="+mn-cs"/>
-              </a:defRPr>
-            </a:lvl6pPr>
-            <a:lvl7pPr marL="2743200" algn="l" defTabSz="914400" rtl="0" eaLnBrk="1" latinLnBrk="0" hangingPunct="1">
-              <a:defRPr sz="1800" kern="1200">
-                <a:solidFill>
-                  <a:schemeClr val="tx1"/>
-                </a:solidFill>
-                <a:latin typeface="+mn-lt"/>
-                <a:ea typeface="+mn-ea"/>
-                <a:cs typeface="+mn-cs"/>
-              </a:defRPr>
-            </a:lvl7pPr>
-            <a:lvl8pPr marL="3200400" algn="l" defTabSz="914400" rtl="0" eaLnBrk="1" latinLnBrk="0" hangingPunct="1">
-              <a:defRPr sz="1800" kern="1200">
-                <a:solidFill>
-                  <a:schemeClr val="tx1"/>
-                </a:solidFill>
-                <a:latin typeface="+mn-lt"/>
-                <a:ea typeface="+mn-ea"/>
-                <a:cs typeface="+mn-cs"/>
-              </a:defRPr>
-            </a:lvl8pPr>
-            <a:lvl9pPr marL="3657600" algn="l" defTabSz="914400" rtl="0" eaLnBrk="1" latinLnBrk="0" hangingPunct="1">
-              <a:defRPr sz="1800" kern="1200">
-                <a:solidFill>
-                  <a:schemeClr val="tx1"/>
-                </a:solidFill>
-                <a:latin typeface="+mn-lt"/>
-                <a:ea typeface="+mn-ea"/>
-                <a:cs typeface="+mn-cs"/>
-              </a:defRPr>
-            </a:lvl9pPr>
-          </a:lstStyle>
+          <a:lstStyle/>
           <a:p>
-            <a:pPr>
-              <a:lnSpc>
-                <a:spcPct val="100000"/>
-              </a:lnSpc>
-              <a:buNone/>
-            </a:pPr>
             <a:r>
-              <a:rPr lang="en-US" sz="1800" b="0" strike="noStrike" spc="-1" dirty="0">
-                <a:solidFill>
-                  <a:schemeClr val="bg1"/>
-                </a:solidFill>
-                <a:latin typeface="Arial"/>
-                <a:ea typeface="DejaVu Sans"/>
-              </a:rPr>
-              <a:t>from </a:t>
+              <a:rPr lang="en-US" dirty="0"/>
+              <a:t>8-headed classifier</a:t>
             </a:r>
+          </a:p>
+        </p:txBody>
+      </p:sp>
+      <p:cxnSp>
+        <p:nvCxnSpPr>
+          <p:cNvPr id="39" name="Straight Arrow Connector 38">
+            <a:extLst>
+              <a:ext uri="{FF2B5EF4-FFF2-40B4-BE49-F238E27FC236}">
+                <a16:creationId xmlns:a16="http://schemas.microsoft.com/office/drawing/2014/main" id="{FDCD4441-1C87-C8C1-FCBB-5D03110178E7}"/>
+              </a:ext>
+            </a:extLst>
+          </p:cNvPr>
+          <p:cNvCxnSpPr>
+            <a:cxnSpLocks/>
+          </p:cNvCxnSpPr>
+          <p:nvPr/>
+        </p:nvCxnSpPr>
+        <p:spPr>
+          <a:xfrm flipV="1">
+            <a:off x="9346059" y="1268260"/>
+            <a:ext cx="676306" cy="722918"/>
+          </a:xfrm>
+          <a:prstGeom prst="straightConnector1">
+            <a:avLst/>
+          </a:prstGeom>
+          <a:ln w="38100">
+            <a:tailEnd type="triangle"/>
+          </a:ln>
+        </p:spPr>
+        <p:style>
+          <a:lnRef idx="1">
+            <a:schemeClr val="accent5"/>
+          </a:lnRef>
+          <a:fillRef idx="0">
+            <a:schemeClr val="accent5"/>
+          </a:fillRef>
+          <a:effectRef idx="0">
+            <a:schemeClr val="accent5"/>
+          </a:effectRef>
+          <a:fontRef idx="minor">
+            <a:schemeClr val="tx1"/>
+          </a:fontRef>
+        </p:style>
+      </p:cxnSp>
+      <p:sp>
+        <p:nvSpPr>
+          <p:cNvPr id="40" name="TextBox 39">
+            <a:extLst>
+              <a:ext uri="{FF2B5EF4-FFF2-40B4-BE49-F238E27FC236}">
+                <a16:creationId xmlns:a16="http://schemas.microsoft.com/office/drawing/2014/main" id="{C56E1511-4DA9-E8C8-C891-D9D7D14F7B78}"/>
+              </a:ext>
+            </a:extLst>
+          </p:cNvPr>
+          <p:cNvSpPr txBox="1"/>
+          <p:nvPr/>
+        </p:nvSpPr>
+        <p:spPr>
+          <a:xfrm>
+            <a:off x="10022365" y="1064023"/>
+            <a:ext cx="1739988" cy="523220"/>
+          </a:xfrm>
+          <a:prstGeom prst="rect">
+            <a:avLst/>
+          </a:prstGeom>
+          <a:noFill/>
+        </p:spPr>
+        <p:txBody>
+          <a:bodyPr wrap="square" rtlCol="0">
+            <a:spAutoFit/>
+          </a:bodyPr>
+          <a:lstStyle/>
+          <a:p>
             <a:r>
-              <a:rPr lang="en-US" sz="1800" b="0" strike="noStrike" spc="-1" dirty="0" err="1">
-                <a:solidFill>
-                  <a:schemeClr val="bg1"/>
-                </a:solidFill>
-                <a:latin typeface="Arial"/>
-                <a:ea typeface="DejaVu Sans"/>
-              </a:rPr>
-              <a:t>sentence_transformers</a:t>
+              <a:rPr lang="en-US" dirty="0"/>
+              <a:t>Data concentrated in some categories</a:t>
             </a:r>
-            <a:r>
-              <a:rPr lang="en-US" sz="1800" b="0" strike="noStrike" spc="-1" dirty="0">
-                <a:solidFill>
-                  <a:schemeClr val="bg1"/>
-                </a:solidFill>
-                <a:latin typeface="Arial"/>
-                <a:ea typeface="DejaVu Sans"/>
-              </a:rPr>
-              <a:t> import </a:t>
-            </a:r>
-            <a:r>
-              <a:rPr lang="en-US" sz="1800" b="0" strike="noStrike" spc="-1" dirty="0" err="1">
-                <a:solidFill>
-                  <a:schemeClr val="bg1"/>
-                </a:solidFill>
-                <a:latin typeface="Arial"/>
-                <a:ea typeface="DejaVu Sans"/>
-              </a:rPr>
-              <a:t>SentenceTransformer</a:t>
-            </a:r>
-            <a:endParaRPr lang="en-US" sz="1800" b="0" strike="noStrike" spc="-1" dirty="0">
-              <a:solidFill>
-                <a:schemeClr val="bg1"/>
-              </a:solidFill>
-              <a:latin typeface="Arial"/>
-            </a:endParaRPr>
-          </a:p>
-          <a:p>
-            <a:pPr>
-              <a:lnSpc>
-                <a:spcPct val="100000"/>
-              </a:lnSpc>
-              <a:buNone/>
-            </a:pPr>
-            <a:r>
-              <a:rPr lang="en-US" sz="1800" b="0" strike="noStrike" spc="-1" dirty="0">
-                <a:solidFill>
-                  <a:schemeClr val="bg1"/>
-                </a:solidFill>
-                <a:latin typeface="Arial"/>
-                <a:ea typeface="DejaVu Sans"/>
-              </a:rPr>
-              <a:t>import </a:t>
-            </a:r>
-            <a:r>
-              <a:rPr lang="en-US" sz="1800" b="0" strike="noStrike" spc="-1" dirty="0" err="1">
-                <a:solidFill>
-                  <a:schemeClr val="bg1"/>
-                </a:solidFill>
-                <a:latin typeface="Arial"/>
-                <a:ea typeface="DejaVu Sans"/>
-              </a:rPr>
-              <a:t>numpy</a:t>
-            </a:r>
-            <a:r>
-              <a:rPr lang="en-US" sz="1800" b="0" strike="noStrike" spc="-1" dirty="0">
-                <a:solidFill>
-                  <a:schemeClr val="bg1"/>
-                </a:solidFill>
-                <a:latin typeface="Arial"/>
-                <a:ea typeface="DejaVu Sans"/>
-              </a:rPr>
-              <a:t> as np</a:t>
-            </a:r>
-            <a:endParaRPr lang="en-US" sz="1800" b="0" strike="noStrike" spc="-1" dirty="0">
-              <a:solidFill>
-                <a:schemeClr val="bg1"/>
-              </a:solidFill>
-              <a:latin typeface="Arial"/>
-            </a:endParaRPr>
-          </a:p>
-          <a:p>
-            <a:pPr>
-              <a:lnSpc>
-                <a:spcPct val="100000"/>
-              </a:lnSpc>
-              <a:buNone/>
-            </a:pPr>
-            <a:r>
-              <a:rPr lang="en-US" sz="1800" b="0" strike="noStrike" spc="-1" dirty="0">
-                <a:solidFill>
-                  <a:schemeClr val="bg1"/>
-                </a:solidFill>
-                <a:latin typeface="Arial"/>
-                <a:ea typeface="DejaVu Sans"/>
-              </a:rPr>
-              <a:t>model = </a:t>
-            </a:r>
-            <a:r>
-              <a:rPr lang="en-US" sz="1800" b="0" strike="noStrike" spc="-1" dirty="0" err="1">
-                <a:solidFill>
-                  <a:schemeClr val="bg1"/>
-                </a:solidFill>
-                <a:latin typeface="Arial"/>
-                <a:ea typeface="DejaVu Sans"/>
-              </a:rPr>
-              <a:t>SentenceTransformer</a:t>
-            </a:r>
-            <a:r>
-              <a:rPr lang="en-US" sz="1800" b="0" strike="noStrike" spc="-1" dirty="0">
-                <a:solidFill>
-                  <a:schemeClr val="bg1"/>
-                </a:solidFill>
-                <a:latin typeface="Arial"/>
-                <a:ea typeface="DejaVu Sans"/>
-              </a:rPr>
-              <a:t>('all-MiniLM-L6-v2')</a:t>
-            </a:r>
-            <a:endParaRPr lang="en-US" sz="1800" b="0" strike="noStrike" spc="-1" dirty="0">
-              <a:solidFill>
-                <a:schemeClr val="bg1"/>
-              </a:solidFill>
-              <a:latin typeface="Arial"/>
-            </a:endParaRPr>
           </a:p>
         </p:txBody>
       </p:sp>
     </p:spTree>
     <p:extLst>
       <p:ext uri="{BB962C8B-B14F-4D97-AF65-F5344CB8AC3E}">
-        <p14:creationId xmlns:p14="http://schemas.microsoft.com/office/powerpoint/2010/main" val="1899689378"/>
+        <p14:creationId xmlns:p14="http://schemas.microsoft.com/office/powerpoint/2010/main" val="646523258"/>
       </p:ext>
     </p:extLst>
   </p:cSld>
@@ -23171,7 +26543,7 @@
         </p:spPr>
         <p:txBody>
           <a:bodyPr spcFirstLastPara="1" wrap="square" lIns="91425" tIns="45700" rIns="91425" bIns="45700" anchor="ctr" anchorCtr="0">
-            <a:normAutofit/>
+            <a:normAutofit fontScale="90000"/>
           </a:bodyPr>
           <a:lstStyle/>
           <a:p>
@@ -23200,260 +26572,14 @@
               <a:rPr lang="en-US" dirty="0"/>
               <a:t>IMAGE CAPTIONING</a:t>
             </a:r>
+            <a:br>
+              <a:rPr lang="en-US" dirty="0"/>
+            </a:br>
+            <a:r>
+              <a:rPr lang="en-US" dirty="0"/>
+              <a:t>Network Training</a:t>
+            </a:r>
             <a:endParaRPr dirty="0"/>
-          </a:p>
-        </p:txBody>
-      </p:sp>
-      <p:sp>
-        <p:nvSpPr>
-          <p:cNvPr id="228" name="Google Shape;228;p7"/>
-          <p:cNvSpPr txBox="1">
-            <a:spLocks noGrp="1"/>
-          </p:cNvSpPr>
-          <p:nvPr>
-            <p:ph type="body" idx="1"/>
-          </p:nvPr>
-        </p:nvSpPr>
-        <p:spPr>
-          <a:xfrm>
-            <a:off x="1268550" y="1133050"/>
-            <a:ext cx="9654900" cy="4785900"/>
-          </a:xfrm>
-          <a:prstGeom prst="rect">
-            <a:avLst/>
-          </a:prstGeom>
-          <a:noFill/>
-          <a:ln>
-            <a:noFill/>
-          </a:ln>
-        </p:spPr>
-        <p:txBody>
-          <a:bodyPr spcFirstLastPara="1" wrap="square" lIns="91425" tIns="45700" rIns="91425" bIns="45700" anchor="ctr" anchorCtr="0">
-            <a:normAutofit/>
-          </a:bodyPr>
-          <a:lstStyle/>
-          <a:p>
-            <a:pPr marL="342900" lvl="0" indent="-342900" algn="l" rtl="0">
-              <a:spcBef>
-                <a:spcPts val="1000"/>
-              </a:spcBef>
-              <a:spcAft>
-                <a:spcPts val="0"/>
-              </a:spcAft>
-              <a:buSzPts val="1600"/>
-              <a:buFont typeface="Wingdings" panose="05000000000000000000" pitchFamily="2" charset="2"/>
-              <a:buChar char="Ø"/>
-            </a:pPr>
-            <a:r>
-              <a:rPr lang="en-US" dirty="0">
-                <a:solidFill>
-                  <a:srgbClr val="333333"/>
-                </a:solidFill>
-                <a:latin typeface="Century Gothic" panose="020B0502020202020204" pitchFamily="34" charset="0"/>
-                <a:ea typeface="Arial"/>
-                <a:cs typeface="Arial"/>
-                <a:sym typeface="Arial"/>
-              </a:rPr>
-              <a:t>Method 1: </a:t>
-            </a:r>
-          </a:p>
-          <a:p>
-            <a:pPr marL="342900" lvl="0" indent="-342900" algn="l" rtl="0">
-              <a:spcBef>
-                <a:spcPts val="1000"/>
-              </a:spcBef>
-              <a:spcAft>
-                <a:spcPts val="0"/>
-              </a:spcAft>
-              <a:buSzPts val="1600"/>
-              <a:buFont typeface="Wingdings" panose="05000000000000000000" pitchFamily="2" charset="2"/>
-              <a:buChar char="Ø"/>
-            </a:pPr>
-            <a:endParaRPr lang="en-US" dirty="0">
-              <a:solidFill>
-                <a:srgbClr val="333333"/>
-              </a:solidFill>
-              <a:latin typeface="Century Gothic" panose="020B0502020202020204" pitchFamily="34" charset="0"/>
-              <a:ea typeface="Arial"/>
-              <a:cs typeface="Arial"/>
-              <a:sym typeface="Arial"/>
-            </a:endParaRPr>
-          </a:p>
-          <a:p>
-            <a:pPr marL="342900" lvl="0" indent="-342900" algn="l" rtl="0">
-              <a:spcBef>
-                <a:spcPts val="1000"/>
-              </a:spcBef>
-              <a:spcAft>
-                <a:spcPts val="0"/>
-              </a:spcAft>
-              <a:buSzPts val="1600"/>
-              <a:buFont typeface="Wingdings" panose="05000000000000000000" pitchFamily="2" charset="2"/>
-              <a:buChar char="Ø"/>
-            </a:pPr>
-            <a:endParaRPr lang="en-US" dirty="0">
-              <a:solidFill>
-                <a:srgbClr val="333333"/>
-              </a:solidFill>
-              <a:latin typeface="Century Gothic" panose="020B0502020202020204" pitchFamily="34" charset="0"/>
-              <a:ea typeface="Arial"/>
-              <a:cs typeface="Arial"/>
-              <a:sym typeface="Arial"/>
-            </a:endParaRPr>
-          </a:p>
-          <a:p>
-            <a:pPr marL="342900" lvl="0" indent="-342900" algn="l" rtl="0">
-              <a:spcBef>
-                <a:spcPts val="1000"/>
-              </a:spcBef>
-              <a:spcAft>
-                <a:spcPts val="0"/>
-              </a:spcAft>
-              <a:buSzPts val="1600"/>
-              <a:buFont typeface="Wingdings" panose="05000000000000000000" pitchFamily="2" charset="2"/>
-              <a:buChar char="Ø"/>
-            </a:pPr>
-            <a:endParaRPr lang="en-US" dirty="0">
-              <a:solidFill>
-                <a:srgbClr val="333333"/>
-              </a:solidFill>
-              <a:latin typeface="Century Gothic" panose="020B0502020202020204" pitchFamily="34" charset="0"/>
-              <a:ea typeface="Arial"/>
-              <a:cs typeface="Arial"/>
-              <a:sym typeface="Arial"/>
-            </a:endParaRPr>
-          </a:p>
-          <a:p>
-            <a:pPr marL="342900" lvl="0" indent="-342900" algn="l" rtl="0">
-              <a:spcBef>
-                <a:spcPts val="1000"/>
-              </a:spcBef>
-              <a:spcAft>
-                <a:spcPts val="0"/>
-              </a:spcAft>
-              <a:buSzPts val="1600"/>
-              <a:buFont typeface="Wingdings" panose="05000000000000000000" pitchFamily="2" charset="2"/>
-              <a:buChar char="Ø"/>
-            </a:pPr>
-            <a:endParaRPr lang="en-US" dirty="0">
-              <a:solidFill>
-                <a:srgbClr val="333333"/>
-              </a:solidFill>
-              <a:latin typeface="Century Gothic" panose="020B0502020202020204" pitchFamily="34" charset="0"/>
-              <a:ea typeface="Arial"/>
-              <a:cs typeface="Arial"/>
-              <a:sym typeface="Arial"/>
-            </a:endParaRPr>
-          </a:p>
-          <a:p>
-            <a:pPr marL="342900" lvl="0" indent="-342900" algn="l" rtl="0">
-              <a:spcBef>
-                <a:spcPts val="1000"/>
-              </a:spcBef>
-              <a:spcAft>
-                <a:spcPts val="0"/>
-              </a:spcAft>
-              <a:buSzPts val="1600"/>
-              <a:buFont typeface="Wingdings" panose="05000000000000000000" pitchFamily="2" charset="2"/>
-              <a:buChar char="Ø"/>
-            </a:pPr>
-            <a:endParaRPr lang="en-US" dirty="0">
-              <a:solidFill>
-                <a:srgbClr val="333333"/>
-              </a:solidFill>
-              <a:latin typeface="Century Gothic" panose="020B0502020202020204" pitchFamily="34" charset="0"/>
-              <a:ea typeface="Arial"/>
-              <a:cs typeface="Arial"/>
-              <a:sym typeface="Arial"/>
-            </a:endParaRPr>
-          </a:p>
-          <a:p>
-            <a:pPr marL="342900" lvl="0" indent="-342900" algn="l" rtl="0">
-              <a:spcBef>
-                <a:spcPts val="1000"/>
-              </a:spcBef>
-              <a:spcAft>
-                <a:spcPts val="0"/>
-              </a:spcAft>
-              <a:buSzPts val="1600"/>
-              <a:buFont typeface="Wingdings" panose="05000000000000000000" pitchFamily="2" charset="2"/>
-              <a:buChar char="Ø"/>
-            </a:pPr>
-            <a:endParaRPr lang="en-US" dirty="0">
-              <a:solidFill>
-                <a:srgbClr val="333333"/>
-              </a:solidFill>
-              <a:latin typeface="Century Gothic" panose="020B0502020202020204" pitchFamily="34" charset="0"/>
-              <a:ea typeface="Arial"/>
-              <a:cs typeface="Arial"/>
-              <a:sym typeface="Arial"/>
-            </a:endParaRPr>
-          </a:p>
-          <a:p>
-            <a:pPr marL="342900" lvl="0" indent="-342900" algn="l" rtl="0">
-              <a:spcBef>
-                <a:spcPts val="1000"/>
-              </a:spcBef>
-              <a:spcAft>
-                <a:spcPts val="0"/>
-              </a:spcAft>
-              <a:buSzPts val="1600"/>
-              <a:buFont typeface="Wingdings" panose="05000000000000000000" pitchFamily="2" charset="2"/>
-              <a:buChar char="Ø"/>
-            </a:pPr>
-            <a:endParaRPr lang="en-US" dirty="0">
-              <a:solidFill>
-                <a:srgbClr val="333333"/>
-              </a:solidFill>
-              <a:latin typeface="Century Gothic" panose="020B0502020202020204" pitchFamily="34" charset="0"/>
-              <a:ea typeface="Arial"/>
-              <a:cs typeface="Arial"/>
-              <a:sym typeface="Arial"/>
-            </a:endParaRPr>
-          </a:p>
-          <a:p>
-            <a:pPr marL="342900" lvl="0" indent="-342900" algn="l" rtl="0">
-              <a:spcBef>
-                <a:spcPts val="1000"/>
-              </a:spcBef>
-              <a:spcAft>
-                <a:spcPts val="0"/>
-              </a:spcAft>
-              <a:buSzPts val="1600"/>
-              <a:buFont typeface="Wingdings" panose="05000000000000000000" pitchFamily="2" charset="2"/>
-              <a:buChar char="Ø"/>
-            </a:pPr>
-            <a:endParaRPr lang="en-US" dirty="0">
-              <a:solidFill>
-                <a:srgbClr val="333333"/>
-              </a:solidFill>
-              <a:latin typeface="Century Gothic" panose="020B0502020202020204" pitchFamily="34" charset="0"/>
-              <a:ea typeface="Arial"/>
-              <a:cs typeface="Arial"/>
-              <a:sym typeface="Arial"/>
-            </a:endParaRPr>
-          </a:p>
-          <a:p>
-            <a:pPr marL="342900" lvl="0" indent="-342900" algn="l" rtl="0">
-              <a:spcBef>
-                <a:spcPts val="1000"/>
-              </a:spcBef>
-              <a:spcAft>
-                <a:spcPts val="0"/>
-              </a:spcAft>
-              <a:buSzPts val="1600"/>
-              <a:buFont typeface="Wingdings" panose="05000000000000000000" pitchFamily="2" charset="2"/>
-              <a:buChar char="Ø"/>
-            </a:pPr>
-            <a:endParaRPr lang="en-US" dirty="0">
-              <a:solidFill>
-                <a:srgbClr val="333333"/>
-              </a:solidFill>
-              <a:latin typeface="Century Gothic" panose="020B0502020202020204" pitchFamily="34" charset="0"/>
-              <a:ea typeface="Arial"/>
-              <a:cs typeface="Arial"/>
-              <a:sym typeface="Arial"/>
-            </a:endParaRPr>
           </a:p>
         </p:txBody>
       </p:sp>
@@ -23549,12 +26675,67 @@
           </a:p>
         </p:txBody>
       </p:sp>
+      <p:sp>
+        <p:nvSpPr>
+          <p:cNvPr id="24" name="Rectangle 23">
+            <a:extLst>
+              <a:ext uri="{FF2B5EF4-FFF2-40B4-BE49-F238E27FC236}">
+                <a16:creationId xmlns:a16="http://schemas.microsoft.com/office/drawing/2014/main" id="{E1B06510-9F1B-8489-AE61-5FA4C2402CA1}"/>
+              </a:ext>
+            </a:extLst>
+          </p:cNvPr>
+          <p:cNvSpPr/>
+          <p:nvPr/>
+        </p:nvSpPr>
+        <p:spPr>
+          <a:xfrm>
+            <a:off x="782258" y="1550710"/>
+            <a:ext cx="193010" cy="158019"/>
+          </a:xfrm>
+          <a:prstGeom prst="rect">
+            <a:avLst/>
+          </a:prstGeom>
+          <a:noFill/>
+          <a:ln w="0">
+            <a:noFill/>
+          </a:ln>
+        </p:spPr>
+        <p:style>
+          <a:lnRef idx="0">
+            <a:scrgbClr r="0" g="0" b="0"/>
+          </a:lnRef>
+          <a:fillRef idx="0">
+            <a:scrgbClr r="0" g="0" b="0"/>
+          </a:fillRef>
+          <a:effectRef idx="0">
+            <a:scrgbClr r="0" g="0" b="0"/>
+          </a:effectRef>
+          <a:fontRef idx="minor"/>
+        </p:style>
+        <p:txBody>
+          <a:bodyPr lIns="90000" tIns="45000" rIns="90000" bIns="45000" anchor="t">
+            <a:noAutofit/>
+          </a:bodyPr>
+          <a:lstStyle/>
+          <a:p>
+            <a:pPr>
+              <a:lnSpc>
+                <a:spcPct val="100000"/>
+              </a:lnSpc>
+              <a:buNone/>
+            </a:pPr>
+            <a:endParaRPr lang="en-US" sz="800" b="0" strike="noStrike" spc="-1" dirty="0">
+              <a:latin typeface="Arial"/>
+            </a:endParaRPr>
+          </a:p>
+        </p:txBody>
+      </p:sp>
       <p:pic>
         <p:nvPicPr>
-          <p:cNvPr id="2" name="Picture 1">
+          <p:cNvPr id="5" name="Picture 4">
             <a:extLst>
               <a:ext uri="{FF2B5EF4-FFF2-40B4-BE49-F238E27FC236}">
-                <a16:creationId xmlns:a16="http://schemas.microsoft.com/office/drawing/2014/main" id="{22CC15A6-B66A-213C-5981-132CCDB286EA}"/>
+                <a16:creationId xmlns:a16="http://schemas.microsoft.com/office/drawing/2014/main" id="{82035197-63B6-4E75-ED12-A895829426DB}"/>
               </a:ext>
             </a:extLst>
           </p:cNvPr>
@@ -23567,8 +26748,8 @@
         </p:blipFill>
         <p:spPr>
           <a:xfrm>
-            <a:off x="1890762" y="1979720"/>
-            <a:ext cx="8105494" cy="4143268"/>
+            <a:off x="288960" y="1706993"/>
+            <a:ext cx="8362440" cy="2390400"/>
           </a:xfrm>
           <a:prstGeom prst="rect">
             <a:avLst/>
@@ -23578,10 +26759,387 @@
           </a:ln>
         </p:spPr>
       </p:pic>
+      <p:sp>
+        <p:nvSpPr>
+          <p:cNvPr id="16" name="Rectangle 15">
+            <a:extLst>
+              <a:ext uri="{FF2B5EF4-FFF2-40B4-BE49-F238E27FC236}">
+                <a16:creationId xmlns:a16="http://schemas.microsoft.com/office/drawing/2014/main" id="{7F26F472-0F8C-AF3A-8355-3EFB4EFC2B5C}"/>
+              </a:ext>
+            </a:extLst>
+          </p:cNvPr>
+          <p:cNvSpPr/>
+          <p:nvPr/>
+        </p:nvSpPr>
+        <p:spPr>
+          <a:xfrm>
+            <a:off x="1403304" y="2168393"/>
+            <a:ext cx="1268876" cy="148679"/>
+          </a:xfrm>
+          <a:prstGeom prst="rect">
+            <a:avLst/>
+          </a:prstGeom>
+          <a:ln w="38100">
+            <a:tailEnd type="triangle"/>
+          </a:ln>
+        </p:spPr>
+        <p:style>
+          <a:lnRef idx="1">
+            <a:schemeClr val="accent5"/>
+          </a:lnRef>
+          <a:fillRef idx="0">
+            <a:schemeClr val="accent5"/>
+          </a:fillRef>
+          <a:effectRef idx="0">
+            <a:schemeClr val="accent5"/>
+          </a:effectRef>
+          <a:fontRef idx="minor">
+            <a:schemeClr val="tx1"/>
+          </a:fontRef>
+        </p:style>
+        <p:txBody>
+          <a:bodyPr rtlCol="0" anchor="ctr"/>
+          <a:lstStyle/>
+          <a:p>
+            <a:pPr algn="ctr"/>
+            <a:endParaRPr lang="en-US"/>
+          </a:p>
+        </p:txBody>
+      </p:sp>
+      <p:sp>
+        <p:nvSpPr>
+          <p:cNvPr id="9" name="Rectangle 8">
+            <a:extLst>
+              <a:ext uri="{FF2B5EF4-FFF2-40B4-BE49-F238E27FC236}">
+                <a16:creationId xmlns:a16="http://schemas.microsoft.com/office/drawing/2014/main" id="{AFEE4ED8-A7DA-0DD9-05A6-ED57AC67F18B}"/>
+              </a:ext>
+            </a:extLst>
+          </p:cNvPr>
+          <p:cNvSpPr/>
+          <p:nvPr/>
+        </p:nvSpPr>
+        <p:spPr>
+          <a:xfrm>
+            <a:off x="2672180" y="2168393"/>
+            <a:ext cx="2281560" cy="148679"/>
+          </a:xfrm>
+          <a:prstGeom prst="rect">
+            <a:avLst/>
+          </a:prstGeom>
+          <a:ln w="38100">
+            <a:tailEnd type="triangle"/>
+          </a:ln>
+        </p:spPr>
+        <p:style>
+          <a:lnRef idx="1">
+            <a:schemeClr val="accent5"/>
+          </a:lnRef>
+          <a:fillRef idx="0">
+            <a:schemeClr val="accent5"/>
+          </a:fillRef>
+          <a:effectRef idx="0">
+            <a:schemeClr val="accent5"/>
+          </a:effectRef>
+          <a:fontRef idx="minor">
+            <a:schemeClr val="tx1"/>
+          </a:fontRef>
+        </p:style>
+        <p:txBody>
+          <a:bodyPr rtlCol="0" anchor="ctr"/>
+          <a:lstStyle/>
+          <a:p>
+            <a:pPr algn="ctr"/>
+            <a:endParaRPr lang="en-US"/>
+          </a:p>
+        </p:txBody>
+      </p:sp>
+      <p:sp>
+        <p:nvSpPr>
+          <p:cNvPr id="10" name="Rectangle 9">
+            <a:extLst>
+              <a:ext uri="{FF2B5EF4-FFF2-40B4-BE49-F238E27FC236}">
+                <a16:creationId xmlns:a16="http://schemas.microsoft.com/office/drawing/2014/main" id="{C30AE474-8132-BA97-12D2-9BE4038DBFAE}"/>
+              </a:ext>
+            </a:extLst>
+          </p:cNvPr>
+          <p:cNvSpPr/>
+          <p:nvPr/>
+        </p:nvSpPr>
+        <p:spPr>
+          <a:xfrm>
+            <a:off x="2201662" y="3768933"/>
+            <a:ext cx="1056443" cy="148679"/>
+          </a:xfrm>
+          <a:prstGeom prst="rect">
+            <a:avLst/>
+          </a:prstGeom>
+          <a:ln w="38100">
+            <a:tailEnd type="triangle"/>
+          </a:ln>
+        </p:spPr>
+        <p:style>
+          <a:lnRef idx="1">
+            <a:schemeClr val="accent5"/>
+          </a:lnRef>
+          <a:fillRef idx="0">
+            <a:schemeClr val="accent5"/>
+          </a:fillRef>
+          <a:effectRef idx="0">
+            <a:schemeClr val="accent5"/>
+          </a:effectRef>
+          <a:fontRef idx="minor">
+            <a:schemeClr val="tx1"/>
+          </a:fontRef>
+        </p:style>
+        <p:txBody>
+          <a:bodyPr rtlCol="0" anchor="ctr"/>
+          <a:lstStyle/>
+          <a:p>
+            <a:pPr algn="ctr"/>
+            <a:endParaRPr lang="en-US"/>
+          </a:p>
+        </p:txBody>
+      </p:sp>
+      <p:cxnSp>
+        <p:nvCxnSpPr>
+          <p:cNvPr id="11" name="Straight Arrow Connector 10">
+            <a:extLst>
+              <a:ext uri="{FF2B5EF4-FFF2-40B4-BE49-F238E27FC236}">
+                <a16:creationId xmlns:a16="http://schemas.microsoft.com/office/drawing/2014/main" id="{D669B635-2CBA-7A0E-41A2-C611892BE596}"/>
+              </a:ext>
+            </a:extLst>
+          </p:cNvPr>
+          <p:cNvCxnSpPr>
+            <a:cxnSpLocks/>
+          </p:cNvCxnSpPr>
+          <p:nvPr/>
+        </p:nvCxnSpPr>
+        <p:spPr>
+          <a:xfrm flipV="1">
+            <a:off x="2778711" y="2994660"/>
+            <a:ext cx="6030009" cy="774273"/>
+          </a:xfrm>
+          <a:prstGeom prst="straightConnector1">
+            <a:avLst/>
+          </a:prstGeom>
+          <a:ln w="38100">
+            <a:tailEnd type="triangle"/>
+          </a:ln>
+        </p:spPr>
+        <p:style>
+          <a:lnRef idx="1">
+            <a:schemeClr val="accent5"/>
+          </a:lnRef>
+          <a:fillRef idx="0">
+            <a:schemeClr val="accent5"/>
+          </a:fillRef>
+          <a:effectRef idx="0">
+            <a:schemeClr val="accent5"/>
+          </a:effectRef>
+          <a:fontRef idx="minor">
+            <a:schemeClr val="tx1"/>
+          </a:fontRef>
+        </p:style>
+      </p:cxnSp>
+      <p:sp>
+        <p:nvSpPr>
+          <p:cNvPr id="20" name="TextBox 19">
+            <a:extLst>
+              <a:ext uri="{FF2B5EF4-FFF2-40B4-BE49-F238E27FC236}">
+                <a16:creationId xmlns:a16="http://schemas.microsoft.com/office/drawing/2014/main" id="{5C843546-B234-1605-F3CC-64B4A7BDA7C3}"/>
+              </a:ext>
+            </a:extLst>
+          </p:cNvPr>
+          <p:cNvSpPr txBox="1"/>
+          <p:nvPr/>
+        </p:nvSpPr>
+        <p:spPr>
+          <a:xfrm>
+            <a:off x="8808720" y="2565147"/>
+            <a:ext cx="2622218" cy="954107"/>
+          </a:xfrm>
+          <a:prstGeom prst="rect">
+            <a:avLst/>
+          </a:prstGeom>
+          <a:noFill/>
+        </p:spPr>
+        <p:txBody>
+          <a:bodyPr wrap="square" rtlCol="0">
+            <a:spAutoFit/>
+          </a:bodyPr>
+          <a:lstStyle/>
+          <a:p>
+            <a:r>
+              <a:rPr lang="en-US" dirty="0"/>
+              <a:t>To avoid overfitting</a:t>
+            </a:r>
+          </a:p>
+          <a:p>
+            <a:r>
+              <a:rPr lang="en-US" i="1" dirty="0"/>
+              <a:t>“Wait 10 epochs to see if validation accuracy is not increasing”</a:t>
+            </a:r>
+          </a:p>
+        </p:txBody>
+      </p:sp>
+      <p:pic>
+        <p:nvPicPr>
+          <p:cNvPr id="25" name="Picture 24">
+            <a:extLst>
+              <a:ext uri="{FF2B5EF4-FFF2-40B4-BE49-F238E27FC236}">
+                <a16:creationId xmlns:a16="http://schemas.microsoft.com/office/drawing/2014/main" id="{5FE455DD-358F-07E0-2FD9-91B5B76C18FD}"/>
+              </a:ext>
+            </a:extLst>
+          </p:cNvPr>
+          <p:cNvPicPr/>
+          <p:nvPr/>
+        </p:nvPicPr>
+        <p:blipFill>
+          <a:blip r:embed="rId4"/>
+          <a:stretch/>
+        </p:blipFill>
+        <p:spPr>
+          <a:xfrm>
+            <a:off x="288960" y="4264498"/>
+            <a:ext cx="9181800" cy="1800000"/>
+          </a:xfrm>
+          <a:prstGeom prst="rect">
+            <a:avLst/>
+          </a:prstGeom>
+          <a:ln w="0">
+            <a:noFill/>
+          </a:ln>
+        </p:spPr>
+      </p:pic>
+      <p:sp>
+        <p:nvSpPr>
+          <p:cNvPr id="33" name="Rectangle 32">
+            <a:extLst>
+              <a:ext uri="{FF2B5EF4-FFF2-40B4-BE49-F238E27FC236}">
+                <a16:creationId xmlns:a16="http://schemas.microsoft.com/office/drawing/2014/main" id="{FF7EC88F-E094-0132-A729-4E70ACD7017D}"/>
+              </a:ext>
+            </a:extLst>
+          </p:cNvPr>
+          <p:cNvSpPr/>
+          <p:nvPr/>
+        </p:nvSpPr>
+        <p:spPr>
+          <a:xfrm>
+            <a:off x="6750802" y="4328512"/>
+            <a:ext cx="564397" cy="1607467"/>
+          </a:xfrm>
+          <a:prstGeom prst="rect">
+            <a:avLst/>
+          </a:prstGeom>
+          <a:ln w="38100">
+            <a:tailEnd type="triangle"/>
+          </a:ln>
+        </p:spPr>
+        <p:style>
+          <a:lnRef idx="1">
+            <a:schemeClr val="accent5"/>
+          </a:lnRef>
+          <a:fillRef idx="0">
+            <a:schemeClr val="accent5"/>
+          </a:fillRef>
+          <a:effectRef idx="0">
+            <a:schemeClr val="accent5"/>
+          </a:effectRef>
+          <a:fontRef idx="minor">
+            <a:schemeClr val="tx1"/>
+          </a:fontRef>
+        </p:style>
+        <p:txBody>
+          <a:bodyPr rtlCol="0" anchor="ctr"/>
+          <a:lstStyle/>
+          <a:p>
+            <a:pPr algn="ctr"/>
+            <a:endParaRPr lang="en-US"/>
+          </a:p>
+        </p:txBody>
+      </p:sp>
+      <p:cxnSp>
+        <p:nvCxnSpPr>
+          <p:cNvPr id="34" name="Straight Arrow Connector 33">
+            <a:extLst>
+              <a:ext uri="{FF2B5EF4-FFF2-40B4-BE49-F238E27FC236}">
+                <a16:creationId xmlns:a16="http://schemas.microsoft.com/office/drawing/2014/main" id="{8E0E27D8-8471-E981-9AF7-019C86EDE26E}"/>
+              </a:ext>
+            </a:extLst>
+          </p:cNvPr>
+          <p:cNvCxnSpPr>
+            <a:cxnSpLocks/>
+            <a:stCxn id="33" idx="3"/>
+          </p:cNvCxnSpPr>
+          <p:nvPr/>
+        </p:nvCxnSpPr>
+        <p:spPr>
+          <a:xfrm flipV="1">
+            <a:off x="7315199" y="4196842"/>
+            <a:ext cx="2521259" cy="935404"/>
+          </a:xfrm>
+          <a:prstGeom prst="straightConnector1">
+            <a:avLst/>
+          </a:prstGeom>
+          <a:ln w="38100">
+            <a:tailEnd type="triangle"/>
+          </a:ln>
+        </p:spPr>
+        <p:style>
+          <a:lnRef idx="1">
+            <a:schemeClr val="accent5"/>
+          </a:lnRef>
+          <a:fillRef idx="0">
+            <a:schemeClr val="accent5"/>
+          </a:fillRef>
+          <a:effectRef idx="0">
+            <a:schemeClr val="accent5"/>
+          </a:effectRef>
+          <a:fontRef idx="minor">
+            <a:schemeClr val="tx1"/>
+          </a:fontRef>
+        </p:style>
+      </p:cxnSp>
+      <p:sp>
+        <p:nvSpPr>
+          <p:cNvPr id="37" name="TextBox 36">
+            <a:extLst>
+              <a:ext uri="{FF2B5EF4-FFF2-40B4-BE49-F238E27FC236}">
+                <a16:creationId xmlns:a16="http://schemas.microsoft.com/office/drawing/2014/main" id="{64B0F08A-9166-2A38-0716-1272A4D6FA85}"/>
+              </a:ext>
+            </a:extLst>
+          </p:cNvPr>
+          <p:cNvSpPr txBox="1"/>
+          <p:nvPr/>
+        </p:nvSpPr>
+        <p:spPr>
+          <a:xfrm>
+            <a:off x="9836458" y="3947163"/>
+            <a:ext cx="1491449" cy="738664"/>
+          </a:xfrm>
+          <a:prstGeom prst="rect">
+            <a:avLst/>
+          </a:prstGeom>
+          <a:noFill/>
+        </p:spPr>
+        <p:txBody>
+          <a:bodyPr wrap="square" rtlCol="0">
+            <a:spAutoFit/>
+          </a:bodyPr>
+          <a:lstStyle/>
+          <a:p>
+            <a:r>
+              <a:rPr lang="en-US" dirty="0"/>
+              <a:t>Validation Accuracy is not increasing</a:t>
+            </a:r>
+            <a:endParaRPr lang="en-US" i="1" dirty="0"/>
+          </a:p>
+        </p:txBody>
+      </p:sp>
     </p:spTree>
     <p:extLst>
       <p:ext uri="{BB962C8B-B14F-4D97-AF65-F5344CB8AC3E}">
-        <p14:creationId xmlns:p14="http://schemas.microsoft.com/office/powerpoint/2010/main" val="2040566315"/>
+        <p14:creationId xmlns:p14="http://schemas.microsoft.com/office/powerpoint/2010/main" val="2106982190"/>
       </p:ext>
     </p:extLst>
   </p:cSld>
